--- a/OCP17/Chapter 10 - Streams.pptx
+++ b/OCP17/Chapter 10 - Streams.pptx
@@ -5,7 +5,7 @@
     <p:sldMasterId id="2147483648" r:id="rId1"/>
   </p:sldMasterIdLst>
   <p:notesMasterIdLst>
-    <p:notesMasterId r:id="rId38"/>
+    <p:notesMasterId r:id="rId45"/>
   </p:notesMasterIdLst>
   <p:sldIdLst>
     <p:sldId id="256" r:id="rId2"/>
@@ -44,6 +44,13 @@
     <p:sldId id="290" r:id="rId35"/>
     <p:sldId id="291" r:id="rId36"/>
     <p:sldId id="292" r:id="rId37"/>
+    <p:sldId id="293" r:id="rId38"/>
+    <p:sldId id="294" r:id="rId39"/>
+    <p:sldId id="295" r:id="rId40"/>
+    <p:sldId id="296" r:id="rId41"/>
+    <p:sldId id="297" r:id="rId42"/>
+    <p:sldId id="298" r:id="rId43"/>
+    <p:sldId id="299" r:id="rId44"/>
   </p:sldIdLst>
   <p:sldSz cx="12192000" cy="6858000"/>
   <p:notesSz cx="6858000" cy="9144000"/>
@@ -183,6 +190,13 @@
             <p14:sldId id="290"/>
             <p14:sldId id="291"/>
             <p14:sldId id="292"/>
+            <p14:sldId id="293"/>
+            <p14:sldId id="294"/>
+            <p14:sldId id="295"/>
+            <p14:sldId id="296"/>
+            <p14:sldId id="297"/>
+            <p14:sldId id="298"/>
+            <p14:sldId id="299"/>
           </p14:sldIdLst>
         </p14:section>
       </p14:sectionLst>
@@ -1297,7 +1311,7 @@
           </a:lstStyle>
           <a:p>
             <a:fld id="{9ACA2D73-2532-A640-A667-27AB4D0D333F}" type="datetimeFigureOut">
-              <a:t>14/12/25</a:t>
+              <a:t>18/12/25</a:t>
             </a:fld>
             <a:endParaRPr lang="en-VN"/>
           </a:p>
@@ -4643,6 +4657,434 @@
 </p:notes>
 </file>
 
+<file path=ppt/notesSlides/notesSlide36.xml><?xml version="1.0" encoding="utf-8"?>
+<p:notes xmlns:a="http://schemas.openxmlformats.org/drawingml/2006/main" xmlns:r="http://schemas.openxmlformats.org/officeDocument/2006/relationships" xmlns:p="http://schemas.openxmlformats.org/presentationml/2006/main">
+  <p:cSld>
+    <p:spTree>
+      <p:nvGrpSpPr>
+        <p:cNvPr id="1" name="">
+          <a:extLst>
+            <a:ext uri="{FF2B5EF4-FFF2-40B4-BE49-F238E27FC236}">
+              <a16:creationId xmlns:a16="http://schemas.microsoft.com/office/drawing/2014/main" id="{6B2E564D-F3D9-1F6C-44A3-5F12DC24D91E}"/>
+            </a:ext>
+          </a:extLst>
+        </p:cNvPr>
+        <p:cNvGrpSpPr/>
+        <p:nvPr/>
+      </p:nvGrpSpPr>
+      <p:grpSpPr>
+        <a:xfrm>
+          <a:off x="0" y="0"/>
+          <a:ext cx="0" cy="0"/>
+          <a:chOff x="0" y="0"/>
+          <a:chExt cx="0" cy="0"/>
+        </a:xfrm>
+      </p:grpSpPr>
+      <p:sp>
+        <p:nvSpPr>
+          <p:cNvPr id="2" name="Slide Image Placeholder 1">
+            <a:extLst>
+              <a:ext uri="{FF2B5EF4-FFF2-40B4-BE49-F238E27FC236}">
+                <a16:creationId xmlns:a16="http://schemas.microsoft.com/office/drawing/2014/main" id="{BA34745F-7FA2-820E-6192-823CE1ABBC46}"/>
+              </a:ext>
+            </a:extLst>
+          </p:cNvPr>
+          <p:cNvSpPr>
+            <a:spLocks noGrp="1" noRot="1" noChangeAspect="1"/>
+          </p:cNvSpPr>
+          <p:nvPr>
+            <p:ph type="sldImg"/>
+          </p:nvPr>
+        </p:nvSpPr>
+        <p:spPr/>
+      </p:sp>
+      <p:sp>
+        <p:nvSpPr>
+          <p:cNvPr id="3" name="Notes Placeholder 2">
+            <a:extLst>
+              <a:ext uri="{FF2B5EF4-FFF2-40B4-BE49-F238E27FC236}">
+                <a16:creationId xmlns:a16="http://schemas.microsoft.com/office/drawing/2014/main" id="{64512CBF-1B85-1A79-FE92-CDC53E89654D}"/>
+              </a:ext>
+            </a:extLst>
+          </p:cNvPr>
+          <p:cNvSpPr>
+            <a:spLocks noGrp="1"/>
+          </p:cNvSpPr>
+          <p:nvPr>
+            <p:ph type="body" idx="1"/>
+          </p:nvPr>
+        </p:nvSpPr>
+        <p:spPr/>
+        <p:txBody>
+          <a:bodyPr/>
+          <a:lstStyle/>
+          <a:p>
+            <a:endParaRPr lang="en-VN"/>
+          </a:p>
+        </p:txBody>
+      </p:sp>
+      <p:sp>
+        <p:nvSpPr>
+          <p:cNvPr id="4" name="Slide Number Placeholder 3">
+            <a:extLst>
+              <a:ext uri="{FF2B5EF4-FFF2-40B4-BE49-F238E27FC236}">
+                <a16:creationId xmlns:a16="http://schemas.microsoft.com/office/drawing/2014/main" id="{FCB81FB8-DDE4-8E35-1CE4-6AF36C2B9783}"/>
+              </a:ext>
+            </a:extLst>
+          </p:cNvPr>
+          <p:cNvSpPr>
+            <a:spLocks noGrp="1"/>
+          </p:cNvSpPr>
+          <p:nvPr>
+            <p:ph type="sldNum" sz="quarter" idx="5"/>
+          </p:nvPr>
+        </p:nvSpPr>
+        <p:spPr/>
+        <p:txBody>
+          <a:bodyPr/>
+          <a:lstStyle/>
+          <a:p>
+            <a:fld id="{576FF3D1-0F45-2240-9B47-75654C02E24A}" type="slidenum">
+              <a:t>37</a:t>
+            </a:fld>
+            <a:endParaRPr lang="en-VN"/>
+          </a:p>
+        </p:txBody>
+      </p:sp>
+    </p:spTree>
+    <p:extLst>
+      <p:ext uri="{BB962C8B-B14F-4D97-AF65-F5344CB8AC3E}">
+        <p14:creationId xmlns:p14="http://schemas.microsoft.com/office/powerpoint/2010/main" val="2604073823"/>
+      </p:ext>
+    </p:extLst>
+  </p:cSld>
+  <p:clrMapOvr>
+    <a:masterClrMapping/>
+  </p:clrMapOvr>
+</p:notes>
+</file>
+
+<file path=ppt/notesSlides/notesSlide37.xml><?xml version="1.0" encoding="utf-8"?>
+<p:notes xmlns:a="http://schemas.openxmlformats.org/drawingml/2006/main" xmlns:r="http://schemas.openxmlformats.org/officeDocument/2006/relationships" xmlns:p="http://schemas.openxmlformats.org/presentationml/2006/main">
+  <p:cSld>
+    <p:spTree>
+      <p:nvGrpSpPr>
+        <p:cNvPr id="1" name="">
+          <a:extLst>
+            <a:ext uri="{FF2B5EF4-FFF2-40B4-BE49-F238E27FC236}">
+              <a16:creationId xmlns:a16="http://schemas.microsoft.com/office/drawing/2014/main" id="{2F690EA0-A356-0D17-D6D0-FC34B7EACE56}"/>
+            </a:ext>
+          </a:extLst>
+        </p:cNvPr>
+        <p:cNvGrpSpPr/>
+        <p:nvPr/>
+      </p:nvGrpSpPr>
+      <p:grpSpPr>
+        <a:xfrm>
+          <a:off x="0" y="0"/>
+          <a:ext cx="0" cy="0"/>
+          <a:chOff x="0" y="0"/>
+          <a:chExt cx="0" cy="0"/>
+        </a:xfrm>
+      </p:grpSpPr>
+      <p:sp>
+        <p:nvSpPr>
+          <p:cNvPr id="2" name="Slide Image Placeholder 1">
+            <a:extLst>
+              <a:ext uri="{FF2B5EF4-FFF2-40B4-BE49-F238E27FC236}">
+                <a16:creationId xmlns:a16="http://schemas.microsoft.com/office/drawing/2014/main" id="{D04BAB2C-7B22-6826-8E2B-624DDCE01062}"/>
+              </a:ext>
+            </a:extLst>
+          </p:cNvPr>
+          <p:cNvSpPr>
+            <a:spLocks noGrp="1" noRot="1" noChangeAspect="1"/>
+          </p:cNvSpPr>
+          <p:nvPr>
+            <p:ph type="sldImg"/>
+          </p:nvPr>
+        </p:nvSpPr>
+        <p:spPr/>
+      </p:sp>
+      <p:sp>
+        <p:nvSpPr>
+          <p:cNvPr id="3" name="Notes Placeholder 2">
+            <a:extLst>
+              <a:ext uri="{FF2B5EF4-FFF2-40B4-BE49-F238E27FC236}">
+                <a16:creationId xmlns:a16="http://schemas.microsoft.com/office/drawing/2014/main" id="{3090D916-19B9-7C31-C71C-D6AF9CD513FD}"/>
+              </a:ext>
+            </a:extLst>
+          </p:cNvPr>
+          <p:cNvSpPr>
+            <a:spLocks noGrp="1"/>
+          </p:cNvSpPr>
+          <p:nvPr>
+            <p:ph type="body" idx="1"/>
+          </p:nvPr>
+        </p:nvSpPr>
+        <p:spPr/>
+        <p:txBody>
+          <a:bodyPr/>
+          <a:lstStyle/>
+          <a:p>
+            <a:endParaRPr lang="en-VN"/>
+          </a:p>
+        </p:txBody>
+      </p:sp>
+      <p:sp>
+        <p:nvSpPr>
+          <p:cNvPr id="4" name="Slide Number Placeholder 3">
+            <a:extLst>
+              <a:ext uri="{FF2B5EF4-FFF2-40B4-BE49-F238E27FC236}">
+                <a16:creationId xmlns:a16="http://schemas.microsoft.com/office/drawing/2014/main" id="{9E022CF9-656E-327F-0A75-0E9C93612F9A}"/>
+              </a:ext>
+            </a:extLst>
+          </p:cNvPr>
+          <p:cNvSpPr>
+            <a:spLocks noGrp="1"/>
+          </p:cNvSpPr>
+          <p:nvPr>
+            <p:ph type="sldNum" sz="quarter" idx="5"/>
+          </p:nvPr>
+        </p:nvSpPr>
+        <p:spPr/>
+        <p:txBody>
+          <a:bodyPr/>
+          <a:lstStyle/>
+          <a:p>
+            <a:fld id="{576FF3D1-0F45-2240-9B47-75654C02E24A}" type="slidenum">
+              <a:t>38</a:t>
+            </a:fld>
+            <a:endParaRPr lang="en-VN"/>
+          </a:p>
+        </p:txBody>
+      </p:sp>
+    </p:spTree>
+    <p:extLst>
+      <p:ext uri="{BB962C8B-B14F-4D97-AF65-F5344CB8AC3E}">
+        <p14:creationId xmlns:p14="http://schemas.microsoft.com/office/powerpoint/2010/main" val="1826501628"/>
+      </p:ext>
+    </p:extLst>
+  </p:cSld>
+  <p:clrMapOvr>
+    <a:masterClrMapping/>
+  </p:clrMapOvr>
+</p:notes>
+</file>
+
+<file path=ppt/notesSlides/notesSlide38.xml><?xml version="1.0" encoding="utf-8"?>
+<p:notes xmlns:a="http://schemas.openxmlformats.org/drawingml/2006/main" xmlns:r="http://schemas.openxmlformats.org/officeDocument/2006/relationships" xmlns:p="http://schemas.openxmlformats.org/presentationml/2006/main">
+  <p:cSld>
+    <p:spTree>
+      <p:nvGrpSpPr>
+        <p:cNvPr id="1" name="">
+          <a:extLst>
+            <a:ext uri="{FF2B5EF4-FFF2-40B4-BE49-F238E27FC236}">
+              <a16:creationId xmlns:a16="http://schemas.microsoft.com/office/drawing/2014/main" id="{EB684221-0337-FCD4-0EC3-CF7FD4D41D7C}"/>
+            </a:ext>
+          </a:extLst>
+        </p:cNvPr>
+        <p:cNvGrpSpPr/>
+        <p:nvPr/>
+      </p:nvGrpSpPr>
+      <p:grpSpPr>
+        <a:xfrm>
+          <a:off x="0" y="0"/>
+          <a:ext cx="0" cy="0"/>
+          <a:chOff x="0" y="0"/>
+          <a:chExt cx="0" cy="0"/>
+        </a:xfrm>
+      </p:grpSpPr>
+      <p:sp>
+        <p:nvSpPr>
+          <p:cNvPr id="2" name="Slide Image Placeholder 1">
+            <a:extLst>
+              <a:ext uri="{FF2B5EF4-FFF2-40B4-BE49-F238E27FC236}">
+                <a16:creationId xmlns:a16="http://schemas.microsoft.com/office/drawing/2014/main" id="{5D705F64-EE94-1BA5-6DB0-C33AD8E35DA9}"/>
+              </a:ext>
+            </a:extLst>
+          </p:cNvPr>
+          <p:cNvSpPr>
+            <a:spLocks noGrp="1" noRot="1" noChangeAspect="1"/>
+          </p:cNvSpPr>
+          <p:nvPr>
+            <p:ph type="sldImg"/>
+          </p:nvPr>
+        </p:nvSpPr>
+        <p:spPr/>
+      </p:sp>
+      <p:sp>
+        <p:nvSpPr>
+          <p:cNvPr id="3" name="Notes Placeholder 2">
+            <a:extLst>
+              <a:ext uri="{FF2B5EF4-FFF2-40B4-BE49-F238E27FC236}">
+                <a16:creationId xmlns:a16="http://schemas.microsoft.com/office/drawing/2014/main" id="{0F7A45D1-4FB4-5B76-7784-B83B2B7607C8}"/>
+              </a:ext>
+            </a:extLst>
+          </p:cNvPr>
+          <p:cNvSpPr>
+            <a:spLocks noGrp="1"/>
+          </p:cNvSpPr>
+          <p:nvPr>
+            <p:ph type="body" idx="1"/>
+          </p:nvPr>
+        </p:nvSpPr>
+        <p:spPr/>
+        <p:txBody>
+          <a:bodyPr/>
+          <a:lstStyle/>
+          <a:p>
+            <a:endParaRPr lang="en-VN"/>
+          </a:p>
+        </p:txBody>
+      </p:sp>
+      <p:sp>
+        <p:nvSpPr>
+          <p:cNvPr id="4" name="Slide Number Placeholder 3">
+            <a:extLst>
+              <a:ext uri="{FF2B5EF4-FFF2-40B4-BE49-F238E27FC236}">
+                <a16:creationId xmlns:a16="http://schemas.microsoft.com/office/drawing/2014/main" id="{BA962C12-B126-BBD4-EB21-B3F927509BB0}"/>
+              </a:ext>
+            </a:extLst>
+          </p:cNvPr>
+          <p:cNvSpPr>
+            <a:spLocks noGrp="1"/>
+          </p:cNvSpPr>
+          <p:nvPr>
+            <p:ph type="sldNum" sz="quarter" idx="5"/>
+          </p:nvPr>
+        </p:nvSpPr>
+        <p:spPr/>
+        <p:txBody>
+          <a:bodyPr/>
+          <a:lstStyle/>
+          <a:p>
+            <a:fld id="{576FF3D1-0F45-2240-9B47-75654C02E24A}" type="slidenum">
+              <a:t>39</a:t>
+            </a:fld>
+            <a:endParaRPr lang="en-VN"/>
+          </a:p>
+        </p:txBody>
+      </p:sp>
+    </p:spTree>
+    <p:extLst>
+      <p:ext uri="{BB962C8B-B14F-4D97-AF65-F5344CB8AC3E}">
+        <p14:creationId xmlns:p14="http://schemas.microsoft.com/office/powerpoint/2010/main" val="2038876576"/>
+      </p:ext>
+    </p:extLst>
+  </p:cSld>
+  <p:clrMapOvr>
+    <a:masterClrMapping/>
+  </p:clrMapOvr>
+</p:notes>
+</file>
+
+<file path=ppt/notesSlides/notesSlide39.xml><?xml version="1.0" encoding="utf-8"?>
+<p:notes xmlns:a="http://schemas.openxmlformats.org/drawingml/2006/main" xmlns:r="http://schemas.openxmlformats.org/officeDocument/2006/relationships" xmlns:p="http://schemas.openxmlformats.org/presentationml/2006/main">
+  <p:cSld>
+    <p:spTree>
+      <p:nvGrpSpPr>
+        <p:cNvPr id="1" name="">
+          <a:extLst>
+            <a:ext uri="{FF2B5EF4-FFF2-40B4-BE49-F238E27FC236}">
+              <a16:creationId xmlns:a16="http://schemas.microsoft.com/office/drawing/2014/main" id="{4A9A516A-8F6C-8F95-4833-89A864DDBF16}"/>
+            </a:ext>
+          </a:extLst>
+        </p:cNvPr>
+        <p:cNvGrpSpPr/>
+        <p:nvPr/>
+      </p:nvGrpSpPr>
+      <p:grpSpPr>
+        <a:xfrm>
+          <a:off x="0" y="0"/>
+          <a:ext cx="0" cy="0"/>
+          <a:chOff x="0" y="0"/>
+          <a:chExt cx="0" cy="0"/>
+        </a:xfrm>
+      </p:grpSpPr>
+      <p:sp>
+        <p:nvSpPr>
+          <p:cNvPr id="2" name="Slide Image Placeholder 1">
+            <a:extLst>
+              <a:ext uri="{FF2B5EF4-FFF2-40B4-BE49-F238E27FC236}">
+                <a16:creationId xmlns:a16="http://schemas.microsoft.com/office/drawing/2014/main" id="{A5D796BD-D3D9-90BB-1862-699F32E04E87}"/>
+              </a:ext>
+            </a:extLst>
+          </p:cNvPr>
+          <p:cNvSpPr>
+            <a:spLocks noGrp="1" noRot="1" noChangeAspect="1"/>
+          </p:cNvSpPr>
+          <p:nvPr>
+            <p:ph type="sldImg"/>
+          </p:nvPr>
+        </p:nvSpPr>
+        <p:spPr/>
+      </p:sp>
+      <p:sp>
+        <p:nvSpPr>
+          <p:cNvPr id="3" name="Notes Placeholder 2">
+            <a:extLst>
+              <a:ext uri="{FF2B5EF4-FFF2-40B4-BE49-F238E27FC236}">
+                <a16:creationId xmlns:a16="http://schemas.microsoft.com/office/drawing/2014/main" id="{75B9E68A-D37F-6381-5DFC-D33108A4D182}"/>
+              </a:ext>
+            </a:extLst>
+          </p:cNvPr>
+          <p:cNvSpPr>
+            <a:spLocks noGrp="1"/>
+          </p:cNvSpPr>
+          <p:nvPr>
+            <p:ph type="body" idx="1"/>
+          </p:nvPr>
+        </p:nvSpPr>
+        <p:spPr/>
+        <p:txBody>
+          <a:bodyPr/>
+          <a:lstStyle/>
+          <a:p>
+            <a:endParaRPr lang="en-VN"/>
+          </a:p>
+        </p:txBody>
+      </p:sp>
+      <p:sp>
+        <p:nvSpPr>
+          <p:cNvPr id="4" name="Slide Number Placeholder 3">
+            <a:extLst>
+              <a:ext uri="{FF2B5EF4-FFF2-40B4-BE49-F238E27FC236}">
+                <a16:creationId xmlns:a16="http://schemas.microsoft.com/office/drawing/2014/main" id="{C4661B0F-C877-9A7B-FD1D-F03964A966F9}"/>
+              </a:ext>
+            </a:extLst>
+          </p:cNvPr>
+          <p:cNvSpPr>
+            <a:spLocks noGrp="1"/>
+          </p:cNvSpPr>
+          <p:nvPr>
+            <p:ph type="sldNum" sz="quarter" idx="5"/>
+          </p:nvPr>
+        </p:nvSpPr>
+        <p:spPr/>
+        <p:txBody>
+          <a:bodyPr/>
+          <a:lstStyle/>
+          <a:p>
+            <a:fld id="{576FF3D1-0F45-2240-9B47-75654C02E24A}" type="slidenum">
+              <a:t>40</a:t>
+            </a:fld>
+            <a:endParaRPr lang="en-VN"/>
+          </a:p>
+        </p:txBody>
+      </p:sp>
+    </p:spTree>
+    <p:extLst>
+      <p:ext uri="{BB962C8B-B14F-4D97-AF65-F5344CB8AC3E}">
+        <p14:creationId xmlns:p14="http://schemas.microsoft.com/office/powerpoint/2010/main" val="3642579928"/>
+      </p:ext>
+    </p:extLst>
+  </p:cSld>
+  <p:clrMapOvr>
+    <a:masterClrMapping/>
+  </p:clrMapOvr>
+</p:notes>
+</file>
+
 <file path=ppt/notesSlides/notesSlide4.xml><?xml version="1.0" encoding="utf-8"?>
 <p:notes xmlns:a="http://schemas.openxmlformats.org/drawingml/2006/main" xmlns:r="http://schemas.openxmlformats.org/officeDocument/2006/relationships" xmlns:p="http://schemas.openxmlformats.org/presentationml/2006/main">
   <p:cSld>
@@ -4741,6 +5183,327 @@
     <p:extLst>
       <p:ext uri="{BB962C8B-B14F-4D97-AF65-F5344CB8AC3E}">
         <p14:creationId xmlns:p14="http://schemas.microsoft.com/office/powerpoint/2010/main" val="2828307751"/>
+      </p:ext>
+    </p:extLst>
+  </p:cSld>
+  <p:clrMapOvr>
+    <a:masterClrMapping/>
+  </p:clrMapOvr>
+</p:notes>
+</file>
+
+<file path=ppt/notesSlides/notesSlide40.xml><?xml version="1.0" encoding="utf-8"?>
+<p:notes xmlns:a="http://schemas.openxmlformats.org/drawingml/2006/main" xmlns:r="http://schemas.openxmlformats.org/officeDocument/2006/relationships" xmlns:p="http://schemas.openxmlformats.org/presentationml/2006/main">
+  <p:cSld>
+    <p:spTree>
+      <p:nvGrpSpPr>
+        <p:cNvPr id="1" name="">
+          <a:extLst>
+            <a:ext uri="{FF2B5EF4-FFF2-40B4-BE49-F238E27FC236}">
+              <a16:creationId xmlns:a16="http://schemas.microsoft.com/office/drawing/2014/main" id="{C6BBC8AE-E2BE-0B2C-4C7E-28BDD157A60A}"/>
+            </a:ext>
+          </a:extLst>
+        </p:cNvPr>
+        <p:cNvGrpSpPr/>
+        <p:nvPr/>
+      </p:nvGrpSpPr>
+      <p:grpSpPr>
+        <a:xfrm>
+          <a:off x="0" y="0"/>
+          <a:ext cx="0" cy="0"/>
+          <a:chOff x="0" y="0"/>
+          <a:chExt cx="0" cy="0"/>
+        </a:xfrm>
+      </p:grpSpPr>
+      <p:sp>
+        <p:nvSpPr>
+          <p:cNvPr id="2" name="Slide Image Placeholder 1">
+            <a:extLst>
+              <a:ext uri="{FF2B5EF4-FFF2-40B4-BE49-F238E27FC236}">
+                <a16:creationId xmlns:a16="http://schemas.microsoft.com/office/drawing/2014/main" id="{79A91001-9F23-098D-932F-B34FA1AF80E2}"/>
+              </a:ext>
+            </a:extLst>
+          </p:cNvPr>
+          <p:cNvSpPr>
+            <a:spLocks noGrp="1" noRot="1" noChangeAspect="1"/>
+          </p:cNvSpPr>
+          <p:nvPr>
+            <p:ph type="sldImg"/>
+          </p:nvPr>
+        </p:nvSpPr>
+        <p:spPr/>
+      </p:sp>
+      <p:sp>
+        <p:nvSpPr>
+          <p:cNvPr id="3" name="Notes Placeholder 2">
+            <a:extLst>
+              <a:ext uri="{FF2B5EF4-FFF2-40B4-BE49-F238E27FC236}">
+                <a16:creationId xmlns:a16="http://schemas.microsoft.com/office/drawing/2014/main" id="{EF2B017C-3136-0486-2119-87A97FAE2CB0}"/>
+              </a:ext>
+            </a:extLst>
+          </p:cNvPr>
+          <p:cNvSpPr>
+            <a:spLocks noGrp="1"/>
+          </p:cNvSpPr>
+          <p:nvPr>
+            <p:ph type="body" idx="1"/>
+          </p:nvPr>
+        </p:nvSpPr>
+        <p:spPr/>
+        <p:txBody>
+          <a:bodyPr/>
+          <a:lstStyle/>
+          <a:p>
+            <a:endParaRPr lang="en-VN"/>
+          </a:p>
+        </p:txBody>
+      </p:sp>
+      <p:sp>
+        <p:nvSpPr>
+          <p:cNvPr id="4" name="Slide Number Placeholder 3">
+            <a:extLst>
+              <a:ext uri="{FF2B5EF4-FFF2-40B4-BE49-F238E27FC236}">
+                <a16:creationId xmlns:a16="http://schemas.microsoft.com/office/drawing/2014/main" id="{DE094EFD-A49D-4E3F-7659-90D1944CCBFD}"/>
+              </a:ext>
+            </a:extLst>
+          </p:cNvPr>
+          <p:cNvSpPr>
+            <a:spLocks noGrp="1"/>
+          </p:cNvSpPr>
+          <p:nvPr>
+            <p:ph type="sldNum" sz="quarter" idx="5"/>
+          </p:nvPr>
+        </p:nvSpPr>
+        <p:spPr/>
+        <p:txBody>
+          <a:bodyPr/>
+          <a:lstStyle/>
+          <a:p>
+            <a:fld id="{576FF3D1-0F45-2240-9B47-75654C02E24A}" type="slidenum">
+              <a:t>41</a:t>
+            </a:fld>
+            <a:endParaRPr lang="en-VN"/>
+          </a:p>
+        </p:txBody>
+      </p:sp>
+    </p:spTree>
+    <p:extLst>
+      <p:ext uri="{BB962C8B-B14F-4D97-AF65-F5344CB8AC3E}">
+        <p14:creationId xmlns:p14="http://schemas.microsoft.com/office/powerpoint/2010/main" val="3398316881"/>
+      </p:ext>
+    </p:extLst>
+  </p:cSld>
+  <p:clrMapOvr>
+    <a:masterClrMapping/>
+  </p:clrMapOvr>
+</p:notes>
+</file>
+
+<file path=ppt/notesSlides/notesSlide41.xml><?xml version="1.0" encoding="utf-8"?>
+<p:notes xmlns:a="http://schemas.openxmlformats.org/drawingml/2006/main" xmlns:r="http://schemas.openxmlformats.org/officeDocument/2006/relationships" xmlns:p="http://schemas.openxmlformats.org/presentationml/2006/main">
+  <p:cSld>
+    <p:spTree>
+      <p:nvGrpSpPr>
+        <p:cNvPr id="1" name="">
+          <a:extLst>
+            <a:ext uri="{FF2B5EF4-FFF2-40B4-BE49-F238E27FC236}">
+              <a16:creationId xmlns:a16="http://schemas.microsoft.com/office/drawing/2014/main" id="{375ADC10-BCF9-256F-27D6-F9BB928ED0C0}"/>
+            </a:ext>
+          </a:extLst>
+        </p:cNvPr>
+        <p:cNvGrpSpPr/>
+        <p:nvPr/>
+      </p:nvGrpSpPr>
+      <p:grpSpPr>
+        <a:xfrm>
+          <a:off x="0" y="0"/>
+          <a:ext cx="0" cy="0"/>
+          <a:chOff x="0" y="0"/>
+          <a:chExt cx="0" cy="0"/>
+        </a:xfrm>
+      </p:grpSpPr>
+      <p:sp>
+        <p:nvSpPr>
+          <p:cNvPr id="2" name="Slide Image Placeholder 1">
+            <a:extLst>
+              <a:ext uri="{FF2B5EF4-FFF2-40B4-BE49-F238E27FC236}">
+                <a16:creationId xmlns:a16="http://schemas.microsoft.com/office/drawing/2014/main" id="{AAE28DA5-D1F8-B0DA-BC2D-9D88EE00FE87}"/>
+              </a:ext>
+            </a:extLst>
+          </p:cNvPr>
+          <p:cNvSpPr>
+            <a:spLocks noGrp="1" noRot="1" noChangeAspect="1"/>
+          </p:cNvSpPr>
+          <p:nvPr>
+            <p:ph type="sldImg"/>
+          </p:nvPr>
+        </p:nvSpPr>
+        <p:spPr/>
+      </p:sp>
+      <p:sp>
+        <p:nvSpPr>
+          <p:cNvPr id="3" name="Notes Placeholder 2">
+            <a:extLst>
+              <a:ext uri="{FF2B5EF4-FFF2-40B4-BE49-F238E27FC236}">
+                <a16:creationId xmlns:a16="http://schemas.microsoft.com/office/drawing/2014/main" id="{344B9F6A-7A12-8BD9-1F48-C9221F44E01E}"/>
+              </a:ext>
+            </a:extLst>
+          </p:cNvPr>
+          <p:cNvSpPr>
+            <a:spLocks noGrp="1"/>
+          </p:cNvSpPr>
+          <p:nvPr>
+            <p:ph type="body" idx="1"/>
+          </p:nvPr>
+        </p:nvSpPr>
+        <p:spPr/>
+        <p:txBody>
+          <a:bodyPr/>
+          <a:lstStyle/>
+          <a:p>
+            <a:endParaRPr lang="en-VN"/>
+          </a:p>
+        </p:txBody>
+      </p:sp>
+      <p:sp>
+        <p:nvSpPr>
+          <p:cNvPr id="4" name="Slide Number Placeholder 3">
+            <a:extLst>
+              <a:ext uri="{FF2B5EF4-FFF2-40B4-BE49-F238E27FC236}">
+                <a16:creationId xmlns:a16="http://schemas.microsoft.com/office/drawing/2014/main" id="{9FC4A756-F7A3-E003-E94C-EF0AE2B1FAE6}"/>
+              </a:ext>
+            </a:extLst>
+          </p:cNvPr>
+          <p:cNvSpPr>
+            <a:spLocks noGrp="1"/>
+          </p:cNvSpPr>
+          <p:nvPr>
+            <p:ph type="sldNum" sz="quarter" idx="5"/>
+          </p:nvPr>
+        </p:nvSpPr>
+        <p:spPr/>
+        <p:txBody>
+          <a:bodyPr/>
+          <a:lstStyle/>
+          <a:p>
+            <a:fld id="{576FF3D1-0F45-2240-9B47-75654C02E24A}" type="slidenum">
+              <a:t>42</a:t>
+            </a:fld>
+            <a:endParaRPr lang="en-VN"/>
+          </a:p>
+        </p:txBody>
+      </p:sp>
+    </p:spTree>
+    <p:extLst>
+      <p:ext uri="{BB962C8B-B14F-4D97-AF65-F5344CB8AC3E}">
+        <p14:creationId xmlns:p14="http://schemas.microsoft.com/office/powerpoint/2010/main" val="772751133"/>
+      </p:ext>
+    </p:extLst>
+  </p:cSld>
+  <p:clrMapOvr>
+    <a:masterClrMapping/>
+  </p:clrMapOvr>
+</p:notes>
+</file>
+
+<file path=ppt/notesSlides/notesSlide42.xml><?xml version="1.0" encoding="utf-8"?>
+<p:notes xmlns:a="http://schemas.openxmlformats.org/drawingml/2006/main" xmlns:r="http://schemas.openxmlformats.org/officeDocument/2006/relationships" xmlns:p="http://schemas.openxmlformats.org/presentationml/2006/main">
+  <p:cSld>
+    <p:spTree>
+      <p:nvGrpSpPr>
+        <p:cNvPr id="1" name="">
+          <a:extLst>
+            <a:ext uri="{FF2B5EF4-FFF2-40B4-BE49-F238E27FC236}">
+              <a16:creationId xmlns:a16="http://schemas.microsoft.com/office/drawing/2014/main" id="{0FBB0A80-6BD8-129D-0BBB-85AF76D5BCDF}"/>
+            </a:ext>
+          </a:extLst>
+        </p:cNvPr>
+        <p:cNvGrpSpPr/>
+        <p:nvPr/>
+      </p:nvGrpSpPr>
+      <p:grpSpPr>
+        <a:xfrm>
+          <a:off x="0" y="0"/>
+          <a:ext cx="0" cy="0"/>
+          <a:chOff x="0" y="0"/>
+          <a:chExt cx="0" cy="0"/>
+        </a:xfrm>
+      </p:grpSpPr>
+      <p:sp>
+        <p:nvSpPr>
+          <p:cNvPr id="2" name="Slide Image Placeholder 1">
+            <a:extLst>
+              <a:ext uri="{FF2B5EF4-FFF2-40B4-BE49-F238E27FC236}">
+                <a16:creationId xmlns:a16="http://schemas.microsoft.com/office/drawing/2014/main" id="{1879077D-881F-56A2-95FB-56F8136BDA78}"/>
+              </a:ext>
+            </a:extLst>
+          </p:cNvPr>
+          <p:cNvSpPr>
+            <a:spLocks noGrp="1" noRot="1" noChangeAspect="1"/>
+          </p:cNvSpPr>
+          <p:nvPr>
+            <p:ph type="sldImg"/>
+          </p:nvPr>
+        </p:nvSpPr>
+        <p:spPr/>
+      </p:sp>
+      <p:sp>
+        <p:nvSpPr>
+          <p:cNvPr id="3" name="Notes Placeholder 2">
+            <a:extLst>
+              <a:ext uri="{FF2B5EF4-FFF2-40B4-BE49-F238E27FC236}">
+                <a16:creationId xmlns:a16="http://schemas.microsoft.com/office/drawing/2014/main" id="{E3A7B6ED-3973-32FA-EDE3-0C7FCF933887}"/>
+              </a:ext>
+            </a:extLst>
+          </p:cNvPr>
+          <p:cNvSpPr>
+            <a:spLocks noGrp="1"/>
+          </p:cNvSpPr>
+          <p:nvPr>
+            <p:ph type="body" idx="1"/>
+          </p:nvPr>
+        </p:nvSpPr>
+        <p:spPr/>
+        <p:txBody>
+          <a:bodyPr/>
+          <a:lstStyle/>
+          <a:p>
+            <a:endParaRPr lang="en-VN"/>
+          </a:p>
+        </p:txBody>
+      </p:sp>
+      <p:sp>
+        <p:nvSpPr>
+          <p:cNvPr id="4" name="Slide Number Placeholder 3">
+            <a:extLst>
+              <a:ext uri="{FF2B5EF4-FFF2-40B4-BE49-F238E27FC236}">
+                <a16:creationId xmlns:a16="http://schemas.microsoft.com/office/drawing/2014/main" id="{447E8837-A35A-DF90-0774-CAAB859ABDE5}"/>
+              </a:ext>
+            </a:extLst>
+          </p:cNvPr>
+          <p:cNvSpPr>
+            <a:spLocks noGrp="1"/>
+          </p:cNvSpPr>
+          <p:nvPr>
+            <p:ph type="sldNum" sz="quarter" idx="5"/>
+          </p:nvPr>
+        </p:nvSpPr>
+        <p:spPr/>
+        <p:txBody>
+          <a:bodyPr/>
+          <a:lstStyle/>
+          <a:p>
+            <a:fld id="{576FF3D1-0F45-2240-9B47-75654C02E24A}" type="slidenum">
+              <a:t>43</a:t>
+            </a:fld>
+            <a:endParaRPr lang="en-VN"/>
+          </a:p>
+        </p:txBody>
+      </p:sp>
+    </p:spTree>
+    <p:extLst>
+      <p:ext uri="{BB962C8B-B14F-4D97-AF65-F5344CB8AC3E}">
+        <p14:creationId xmlns:p14="http://schemas.microsoft.com/office/powerpoint/2010/main" val="366097679"/>
       </p:ext>
     </p:extLst>
   </p:cSld>
@@ -5432,7 +6195,7 @@
           <a:p>
             <a:fld id="{BAA8DE05-51EE-4692-B197-877FA1DAAAED}" type="datetimeFigureOut">
               <a:rPr lang="en-US" smtClean="0"/>
-              <a:t>12/14/25</a:t>
+              <a:t>12/18/25</a:t>
             </a:fld>
             <a:endParaRPr lang="en-US"/>
           </a:p>
@@ -5630,7 +6393,7 @@
           <a:p>
             <a:fld id="{BAA8DE05-51EE-4692-B197-877FA1DAAAED}" type="datetimeFigureOut">
               <a:rPr lang="en-US" smtClean="0"/>
-              <a:t>12/14/25</a:t>
+              <a:t>12/18/25</a:t>
             </a:fld>
             <a:endParaRPr lang="en-US"/>
           </a:p>
@@ -5838,7 +6601,7 @@
           <a:p>
             <a:fld id="{BAA8DE05-51EE-4692-B197-877FA1DAAAED}" type="datetimeFigureOut">
               <a:rPr lang="en-US" smtClean="0"/>
-              <a:t>12/14/25</a:t>
+              <a:t>12/18/25</a:t>
             </a:fld>
             <a:endParaRPr lang="en-US"/>
           </a:p>
@@ -6036,7 +6799,7 @@
           <a:p>
             <a:fld id="{BAA8DE05-51EE-4692-B197-877FA1DAAAED}" type="datetimeFigureOut">
               <a:rPr lang="en-US" smtClean="0"/>
-              <a:t>12/14/25</a:t>
+              <a:t>12/18/25</a:t>
             </a:fld>
             <a:endParaRPr lang="en-US"/>
           </a:p>
@@ -6311,7 +7074,7 @@
           <a:p>
             <a:fld id="{BAA8DE05-51EE-4692-B197-877FA1DAAAED}" type="datetimeFigureOut">
               <a:rPr lang="en-US" smtClean="0"/>
-              <a:t>12/14/25</a:t>
+              <a:t>12/18/25</a:t>
             </a:fld>
             <a:endParaRPr lang="en-US"/>
           </a:p>
@@ -6576,7 +7339,7 @@
           <a:p>
             <a:fld id="{BAA8DE05-51EE-4692-B197-877FA1DAAAED}" type="datetimeFigureOut">
               <a:rPr lang="en-US" smtClean="0"/>
-              <a:t>12/14/25</a:t>
+              <a:t>12/18/25</a:t>
             </a:fld>
             <a:endParaRPr lang="en-US"/>
           </a:p>
@@ -6988,7 +7751,7 @@
           <a:p>
             <a:fld id="{BAA8DE05-51EE-4692-B197-877FA1DAAAED}" type="datetimeFigureOut">
               <a:rPr lang="en-US" smtClean="0"/>
-              <a:t>12/14/25</a:t>
+              <a:t>12/18/25</a:t>
             </a:fld>
             <a:endParaRPr lang="en-US"/>
           </a:p>
@@ -7129,7 +7892,7 @@
           <a:p>
             <a:fld id="{BAA8DE05-51EE-4692-B197-877FA1DAAAED}" type="datetimeFigureOut">
               <a:rPr lang="en-US" smtClean="0"/>
-              <a:t>12/14/25</a:t>
+              <a:t>12/18/25</a:t>
             </a:fld>
             <a:endParaRPr lang="en-US"/>
           </a:p>
@@ -7242,7 +8005,7 @@
           <a:p>
             <a:fld id="{BAA8DE05-51EE-4692-B197-877FA1DAAAED}" type="datetimeFigureOut">
               <a:rPr lang="en-US" smtClean="0"/>
-              <a:t>12/14/25</a:t>
+              <a:t>12/18/25</a:t>
             </a:fld>
             <a:endParaRPr lang="en-US"/>
           </a:p>
@@ -7553,7 +8316,7 @@
           <a:p>
             <a:fld id="{BAA8DE05-51EE-4692-B197-877FA1DAAAED}" type="datetimeFigureOut">
               <a:rPr lang="en-US" smtClean="0"/>
-              <a:t>12/14/25</a:t>
+              <a:t>12/18/25</a:t>
             </a:fld>
             <a:endParaRPr lang="en-US"/>
           </a:p>
@@ -7841,7 +8604,7 @@
           <a:p>
             <a:fld id="{BAA8DE05-51EE-4692-B197-877FA1DAAAED}" type="datetimeFigureOut">
               <a:rPr lang="en-US" smtClean="0"/>
-              <a:t>12/14/25</a:t>
+              <a:t>12/18/25</a:t>
             </a:fld>
             <a:endParaRPr lang="en-US"/>
           </a:p>
@@ -8082,7 +8845,7 @@
           <a:p>
             <a:fld id="{BAA8DE05-51EE-4692-B197-877FA1DAAAED}" type="datetimeFigureOut">
               <a:rPr lang="en-US" smtClean="0"/>
-              <a:t>12/14/25</a:t>
+              <a:t>12/18/25</a:t>
             </a:fld>
             <a:endParaRPr lang="en-US"/>
           </a:p>
@@ -32884,6 +33647,1584 @@
 </p:sld>
 </file>
 
+<file path=ppt/slides/slide37.xml><?xml version="1.0" encoding="utf-8"?>
+<p:sld xmlns:a="http://schemas.openxmlformats.org/drawingml/2006/main" xmlns:r="http://schemas.openxmlformats.org/officeDocument/2006/relationships" xmlns:p="http://schemas.openxmlformats.org/presentationml/2006/main">
+  <p:cSld>
+    <p:spTree>
+      <p:nvGrpSpPr>
+        <p:cNvPr id="1" name="">
+          <a:extLst>
+            <a:ext uri="{FF2B5EF4-FFF2-40B4-BE49-F238E27FC236}">
+              <a16:creationId xmlns:a16="http://schemas.microsoft.com/office/drawing/2014/main" id="{BB21DF72-31B6-5A98-D210-167932E6F4F0}"/>
+            </a:ext>
+          </a:extLst>
+        </p:cNvPr>
+        <p:cNvGrpSpPr/>
+        <p:nvPr/>
+      </p:nvGrpSpPr>
+      <p:grpSpPr>
+        <a:xfrm>
+          <a:off x="0" y="0"/>
+          <a:ext cx="0" cy="0"/>
+          <a:chOff x="0" y="0"/>
+          <a:chExt cx="0" cy="0"/>
+        </a:xfrm>
+      </p:grpSpPr>
+      <p:sp>
+        <p:nvSpPr>
+          <p:cNvPr id="3" name="Subtitle 2">
+            <a:extLst>
+              <a:ext uri="{FF2B5EF4-FFF2-40B4-BE49-F238E27FC236}">
+                <a16:creationId xmlns:a16="http://schemas.microsoft.com/office/drawing/2014/main" id="{6A7F1364-4963-4062-FD21-3F12DEA99B7F}"/>
+              </a:ext>
+            </a:extLst>
+          </p:cNvPr>
+          <p:cNvSpPr>
+            <a:spLocks noGrp="1"/>
+          </p:cNvSpPr>
+          <p:nvPr>
+            <p:ph type="subTitle" idx="1"/>
+          </p:nvPr>
+        </p:nvSpPr>
+        <p:spPr>
+          <a:xfrm>
+            <a:off x="152399" y="217488"/>
+            <a:ext cx="11223171" cy="303212"/>
+          </a:xfrm>
+        </p:spPr>
+        <p:txBody>
+          <a:bodyPr>
+            <a:normAutofit fontScale="92500" lnSpcReduction="20000"/>
+          </a:bodyPr>
+          <a:lstStyle/>
+          <a:p>
+            <a:r>
+              <a:rPr lang="en-US" sz="1800" b="1"/>
+              <a:t>Chapter 10 – Streams</a:t>
+            </a:r>
+          </a:p>
+        </p:txBody>
+      </p:sp>
+      <p:sp>
+        <p:nvSpPr>
+          <p:cNvPr id="4" name="Subtitle 2">
+            <a:extLst>
+              <a:ext uri="{FF2B5EF4-FFF2-40B4-BE49-F238E27FC236}">
+                <a16:creationId xmlns:a16="http://schemas.microsoft.com/office/drawing/2014/main" id="{D3124440-C3D7-AB3C-C3E7-1F785FEE7FB0}"/>
+              </a:ext>
+            </a:extLst>
+          </p:cNvPr>
+          <p:cNvSpPr txBox="1">
+            <a:spLocks/>
+          </p:cNvSpPr>
+          <p:nvPr/>
+        </p:nvSpPr>
+        <p:spPr>
+          <a:xfrm>
+            <a:off x="0" y="820738"/>
+            <a:ext cx="12192000" cy="6037262"/>
+          </a:xfrm>
+          <a:prstGeom prst="rect">
+            <a:avLst/>
+          </a:prstGeom>
+        </p:spPr>
+        <p:txBody>
+          <a:bodyPr vert="horz" lIns="91440" tIns="45720" rIns="91440" bIns="45720" rtlCol="0">
+            <a:normAutofit/>
+          </a:bodyPr>
+          <a:lstStyle>
+            <a:lvl1pPr marL="0" indent="0" algn="ctr" defTabSz="914400" rtl="0" eaLnBrk="1" latinLnBrk="0" hangingPunct="1">
+              <a:lnSpc>
+                <a:spcPct val="90000"/>
+              </a:lnSpc>
+              <a:spcBef>
+                <a:spcPts val="1000"/>
+              </a:spcBef>
+              <a:buFont typeface="Arial" panose="020B0604020202020204" pitchFamily="34" charset="0"/>
+              <a:buNone/>
+              <a:defRPr sz="2400" kern="1200">
+                <a:solidFill>
+                  <a:schemeClr val="tx1"/>
+                </a:solidFill>
+                <a:latin typeface="+mn-lt"/>
+                <a:ea typeface="+mn-ea"/>
+                <a:cs typeface="+mn-cs"/>
+              </a:defRPr>
+            </a:lvl1pPr>
+            <a:lvl2pPr marL="457200" indent="0" algn="ctr" defTabSz="914400" rtl="0" eaLnBrk="1" latinLnBrk="0" hangingPunct="1">
+              <a:lnSpc>
+                <a:spcPct val="90000"/>
+              </a:lnSpc>
+              <a:spcBef>
+                <a:spcPts val="500"/>
+              </a:spcBef>
+              <a:buFont typeface="Arial" panose="020B0604020202020204" pitchFamily="34" charset="0"/>
+              <a:buNone/>
+              <a:defRPr sz="2000" kern="1200">
+                <a:solidFill>
+                  <a:schemeClr val="tx1"/>
+                </a:solidFill>
+                <a:latin typeface="+mn-lt"/>
+                <a:ea typeface="+mn-ea"/>
+                <a:cs typeface="+mn-cs"/>
+              </a:defRPr>
+            </a:lvl2pPr>
+            <a:lvl3pPr marL="914400" indent="0" algn="ctr" defTabSz="914400" rtl="0" eaLnBrk="1" latinLnBrk="0" hangingPunct="1">
+              <a:lnSpc>
+                <a:spcPct val="90000"/>
+              </a:lnSpc>
+              <a:spcBef>
+                <a:spcPts val="500"/>
+              </a:spcBef>
+              <a:buFont typeface="Arial" panose="020B0604020202020204" pitchFamily="34" charset="0"/>
+              <a:buNone/>
+              <a:defRPr sz="1800" kern="1200">
+                <a:solidFill>
+                  <a:schemeClr val="tx1"/>
+                </a:solidFill>
+                <a:latin typeface="+mn-lt"/>
+                <a:ea typeface="+mn-ea"/>
+                <a:cs typeface="+mn-cs"/>
+              </a:defRPr>
+            </a:lvl3pPr>
+            <a:lvl4pPr marL="1371600" indent="0" algn="ctr" defTabSz="914400" rtl="0" eaLnBrk="1" latinLnBrk="0" hangingPunct="1">
+              <a:lnSpc>
+                <a:spcPct val="90000"/>
+              </a:lnSpc>
+              <a:spcBef>
+                <a:spcPts val="500"/>
+              </a:spcBef>
+              <a:buFont typeface="Arial" panose="020B0604020202020204" pitchFamily="34" charset="0"/>
+              <a:buNone/>
+              <a:defRPr sz="1600" kern="1200">
+                <a:solidFill>
+                  <a:schemeClr val="tx1"/>
+                </a:solidFill>
+                <a:latin typeface="+mn-lt"/>
+                <a:ea typeface="+mn-ea"/>
+                <a:cs typeface="+mn-cs"/>
+              </a:defRPr>
+            </a:lvl4pPr>
+            <a:lvl5pPr marL="1828800" indent="0" algn="ctr" defTabSz="914400" rtl="0" eaLnBrk="1" latinLnBrk="0" hangingPunct="1">
+              <a:lnSpc>
+                <a:spcPct val="90000"/>
+              </a:lnSpc>
+              <a:spcBef>
+                <a:spcPts val="500"/>
+              </a:spcBef>
+              <a:buFont typeface="Arial" panose="020B0604020202020204" pitchFamily="34" charset="0"/>
+              <a:buNone/>
+              <a:defRPr sz="1600" kern="1200">
+                <a:solidFill>
+                  <a:schemeClr val="tx1"/>
+                </a:solidFill>
+                <a:latin typeface="+mn-lt"/>
+                <a:ea typeface="+mn-ea"/>
+                <a:cs typeface="+mn-cs"/>
+              </a:defRPr>
+            </a:lvl5pPr>
+            <a:lvl6pPr marL="2286000" indent="0" algn="ctr" defTabSz="914400" rtl="0" eaLnBrk="1" latinLnBrk="0" hangingPunct="1">
+              <a:lnSpc>
+                <a:spcPct val="90000"/>
+              </a:lnSpc>
+              <a:spcBef>
+                <a:spcPts val="500"/>
+              </a:spcBef>
+              <a:buFont typeface="Arial" panose="020B0604020202020204" pitchFamily="34" charset="0"/>
+              <a:buNone/>
+              <a:defRPr sz="1600" kern="1200">
+                <a:solidFill>
+                  <a:schemeClr val="tx1"/>
+                </a:solidFill>
+                <a:latin typeface="+mn-lt"/>
+                <a:ea typeface="+mn-ea"/>
+                <a:cs typeface="+mn-cs"/>
+              </a:defRPr>
+            </a:lvl6pPr>
+            <a:lvl7pPr marL="2743200" indent="0" algn="ctr" defTabSz="914400" rtl="0" eaLnBrk="1" latinLnBrk="0" hangingPunct="1">
+              <a:lnSpc>
+                <a:spcPct val="90000"/>
+              </a:lnSpc>
+              <a:spcBef>
+                <a:spcPts val="500"/>
+              </a:spcBef>
+              <a:buFont typeface="Arial" panose="020B0604020202020204" pitchFamily="34" charset="0"/>
+              <a:buNone/>
+              <a:defRPr sz="1600" kern="1200">
+                <a:solidFill>
+                  <a:schemeClr val="tx1"/>
+                </a:solidFill>
+                <a:latin typeface="+mn-lt"/>
+                <a:ea typeface="+mn-ea"/>
+                <a:cs typeface="+mn-cs"/>
+              </a:defRPr>
+            </a:lvl7pPr>
+            <a:lvl8pPr marL="3200400" indent="0" algn="ctr" defTabSz="914400" rtl="0" eaLnBrk="1" latinLnBrk="0" hangingPunct="1">
+              <a:lnSpc>
+                <a:spcPct val="90000"/>
+              </a:lnSpc>
+              <a:spcBef>
+                <a:spcPts val="500"/>
+              </a:spcBef>
+              <a:buFont typeface="Arial" panose="020B0604020202020204" pitchFamily="34" charset="0"/>
+              <a:buNone/>
+              <a:defRPr sz="1600" kern="1200">
+                <a:solidFill>
+                  <a:schemeClr val="tx1"/>
+                </a:solidFill>
+                <a:latin typeface="+mn-lt"/>
+                <a:ea typeface="+mn-ea"/>
+                <a:cs typeface="+mn-cs"/>
+              </a:defRPr>
+            </a:lvl8pPr>
+            <a:lvl9pPr marL="3657600" indent="0" algn="ctr" defTabSz="914400" rtl="0" eaLnBrk="1" latinLnBrk="0" hangingPunct="1">
+              <a:lnSpc>
+                <a:spcPct val="90000"/>
+              </a:lnSpc>
+              <a:spcBef>
+                <a:spcPts val="500"/>
+              </a:spcBef>
+              <a:buFont typeface="Arial" panose="020B0604020202020204" pitchFamily="34" charset="0"/>
+              <a:buNone/>
+              <a:defRPr sz="1600" kern="1200">
+                <a:solidFill>
+                  <a:schemeClr val="tx1"/>
+                </a:solidFill>
+                <a:latin typeface="+mn-lt"/>
+                <a:ea typeface="+mn-ea"/>
+                <a:cs typeface="+mn-cs"/>
+              </a:defRPr>
+            </a:lvl9pPr>
+          </a:lstStyle>
+          <a:p>
+            <a:pPr algn="l"/>
+            <a:r>
+              <a:rPr lang="en-US" sz="1800" b="1">
+                <a:sym typeface="Wingdings" pitchFamily="2" charset="2"/>
+              </a:rPr>
+              <a:t>Collecting Results</a:t>
+            </a:r>
+            <a:endParaRPr lang="en-US" sz="1800">
+              <a:sym typeface="Wingdings" pitchFamily="2" charset="2"/>
+            </a:endParaRPr>
+          </a:p>
+          <a:p>
+            <a:pPr algn="l"/>
+            <a:r>
+              <a:rPr lang="en-US" sz="1800">
+                <a:sym typeface="Wingdings" pitchFamily="2" charset="2"/>
+              </a:rPr>
+              <a:t>- In the last part of Stream, we will talk about ... result. But first we will need to talk about some other ... methods in ... class</a:t>
+            </a:r>
+          </a:p>
+          <a:p>
+            <a:pPr algn="l"/>
+            <a:r>
+              <a:rPr lang="en-US" sz="1800">
+                <a:sym typeface="Wingdings" pitchFamily="2" charset="2"/>
+              </a:rPr>
+              <a:t>(These methods have been ... for simplicity ...)</a:t>
+            </a:r>
+          </a:p>
+          <a:p>
+            <a:pPr algn="l"/>
+            <a:r>
+              <a:rPr lang="en-US" sz="1800">
+                <a:sym typeface="Wingdings" pitchFamily="2" charset="2"/>
+              </a:rPr>
+              <a:t>- A special .... reduction(). This is used when all ...</a:t>
+            </a:r>
+          </a:p>
+          <a:p>
+            <a:pPr algn="l"/>
+            <a:r>
+              <a:rPr lang="en-US" sz="1800" b="1">
+                <a:sym typeface="Wingdings" pitchFamily="2" charset="2"/>
+              </a:rPr>
+              <a:t>Using Basic Collectors</a:t>
+            </a:r>
+            <a:endParaRPr lang="en-US" sz="1800">
+              <a:sym typeface="Wingdings" pitchFamily="2" charset="2"/>
+            </a:endParaRPr>
+          </a:p>
+          <a:p>
+            <a:pPr algn="l"/>
+            <a:r>
+              <a:rPr lang="en-US" sz="1800" b="1">
+                <a:sym typeface="Wingdings" pitchFamily="2" charset="2"/>
+              </a:rPr>
+              <a:t>joining()</a:t>
+            </a:r>
+            <a:endParaRPr lang="en-US" sz="1800">
+              <a:sym typeface="Wingdings" pitchFamily="2" charset="2"/>
+            </a:endParaRPr>
+          </a:p>
+          <a:p>
+            <a:pPr algn="l"/>
+            <a:r>
+              <a:rPr lang="en-US" sz="1800">
+                <a:sym typeface="Wingdings" pitchFamily="2" charset="2"/>
+              </a:rPr>
+              <a:t>(code illustration snippet 83)</a:t>
+            </a:r>
+            <a:endParaRPr lang="en-US" sz="1800" b="1">
+              <a:sym typeface="Wingdings" pitchFamily="2" charset="2"/>
+            </a:endParaRPr>
+          </a:p>
+          <a:p>
+            <a:pPr algn="l"/>
+            <a:endParaRPr lang="en-US" sz="1800">
+              <a:sym typeface="Wingdings" pitchFamily="2" charset="2"/>
+            </a:endParaRPr>
+          </a:p>
+        </p:txBody>
+      </p:sp>
+    </p:spTree>
+    <p:extLst>
+      <p:ext uri="{BB962C8B-B14F-4D97-AF65-F5344CB8AC3E}">
+        <p14:creationId xmlns:p14="http://schemas.microsoft.com/office/powerpoint/2010/main" val="823530059"/>
+      </p:ext>
+    </p:extLst>
+  </p:cSld>
+  <p:clrMapOvr>
+    <a:masterClrMapping/>
+  </p:clrMapOvr>
+  <p:timing>
+    <p:tnLst>
+      <p:par>
+        <p:cTn id="1" dur="indefinite" restart="never" nodeType="tmRoot">
+          <p:childTnLst>
+            <p:seq concurrent="1" nextAc="seek">
+              <p:cTn id="2" dur="indefinite" nodeType="mainSeq">
+                <p:childTnLst>
+                  <p:par>
+                    <p:cTn id="3" fill="hold">
+                      <p:stCondLst>
+                        <p:cond delay="indefinite"/>
+                      </p:stCondLst>
+                      <p:childTnLst>
+                        <p:par>
+                          <p:cTn id="4" fill="hold">
+                            <p:stCondLst>
+                              <p:cond delay="0"/>
+                            </p:stCondLst>
+                            <p:childTnLst>
+                              <p:par>
+                                <p:cTn id="5" presetID="1" presetClass="entr" presetSubtype="0" fill="hold" nodeType="clickEffect">
+                                  <p:stCondLst>
+                                    <p:cond delay="0"/>
+                                  </p:stCondLst>
+                                  <p:childTnLst>
+                                    <p:set>
+                                      <p:cBhvr>
+                                        <p:cTn id="6" dur="1" fill="hold">
+                                          <p:stCondLst>
+                                            <p:cond delay="0"/>
+                                          </p:stCondLst>
+                                        </p:cTn>
+                                        <p:tgtEl>
+                                          <p:spTgt spid="4">
+                                            <p:txEl>
+                                              <p:pRg st="0" end="0"/>
+                                            </p:txEl>
+                                          </p:spTgt>
+                                        </p:tgtEl>
+                                        <p:attrNameLst>
+                                          <p:attrName>style.visibility</p:attrName>
+                                        </p:attrNameLst>
+                                      </p:cBhvr>
+                                      <p:to>
+                                        <p:strVal val="visible"/>
+                                      </p:to>
+                                    </p:set>
+                                  </p:childTnLst>
+                                </p:cTn>
+                              </p:par>
+                            </p:childTnLst>
+                          </p:cTn>
+                        </p:par>
+                      </p:childTnLst>
+                    </p:cTn>
+                  </p:par>
+                  <p:par>
+                    <p:cTn id="7" fill="hold">
+                      <p:stCondLst>
+                        <p:cond delay="indefinite"/>
+                      </p:stCondLst>
+                      <p:childTnLst>
+                        <p:par>
+                          <p:cTn id="8" fill="hold">
+                            <p:stCondLst>
+                              <p:cond delay="0"/>
+                            </p:stCondLst>
+                            <p:childTnLst>
+                              <p:par>
+                                <p:cTn id="9" presetID="1" presetClass="entr" presetSubtype="0" fill="hold" nodeType="clickEffect">
+                                  <p:stCondLst>
+                                    <p:cond delay="0"/>
+                                  </p:stCondLst>
+                                  <p:childTnLst>
+                                    <p:set>
+                                      <p:cBhvr>
+                                        <p:cTn id="10" dur="1" fill="hold">
+                                          <p:stCondLst>
+                                            <p:cond delay="0"/>
+                                          </p:stCondLst>
+                                        </p:cTn>
+                                        <p:tgtEl>
+                                          <p:spTgt spid="4">
+                                            <p:txEl>
+                                              <p:pRg st="1" end="1"/>
+                                            </p:txEl>
+                                          </p:spTgt>
+                                        </p:tgtEl>
+                                        <p:attrNameLst>
+                                          <p:attrName>style.visibility</p:attrName>
+                                        </p:attrNameLst>
+                                      </p:cBhvr>
+                                      <p:to>
+                                        <p:strVal val="visible"/>
+                                      </p:to>
+                                    </p:set>
+                                  </p:childTnLst>
+                                </p:cTn>
+                              </p:par>
+                            </p:childTnLst>
+                          </p:cTn>
+                        </p:par>
+                      </p:childTnLst>
+                    </p:cTn>
+                  </p:par>
+                  <p:par>
+                    <p:cTn id="11" fill="hold">
+                      <p:stCondLst>
+                        <p:cond delay="indefinite"/>
+                      </p:stCondLst>
+                      <p:childTnLst>
+                        <p:par>
+                          <p:cTn id="12" fill="hold">
+                            <p:stCondLst>
+                              <p:cond delay="0"/>
+                            </p:stCondLst>
+                            <p:childTnLst>
+                              <p:par>
+                                <p:cTn id="13" presetID="1" presetClass="entr" presetSubtype="0" fill="hold" nodeType="clickEffect">
+                                  <p:stCondLst>
+                                    <p:cond delay="0"/>
+                                  </p:stCondLst>
+                                  <p:childTnLst>
+                                    <p:set>
+                                      <p:cBhvr>
+                                        <p:cTn id="14" dur="1" fill="hold">
+                                          <p:stCondLst>
+                                            <p:cond delay="0"/>
+                                          </p:stCondLst>
+                                        </p:cTn>
+                                        <p:tgtEl>
+                                          <p:spTgt spid="4">
+                                            <p:txEl>
+                                              <p:pRg st="2" end="2"/>
+                                            </p:txEl>
+                                          </p:spTgt>
+                                        </p:tgtEl>
+                                        <p:attrNameLst>
+                                          <p:attrName>style.visibility</p:attrName>
+                                        </p:attrNameLst>
+                                      </p:cBhvr>
+                                      <p:to>
+                                        <p:strVal val="visible"/>
+                                      </p:to>
+                                    </p:set>
+                                  </p:childTnLst>
+                                </p:cTn>
+                              </p:par>
+                            </p:childTnLst>
+                          </p:cTn>
+                        </p:par>
+                      </p:childTnLst>
+                    </p:cTn>
+                  </p:par>
+                  <p:par>
+                    <p:cTn id="15" fill="hold">
+                      <p:stCondLst>
+                        <p:cond delay="indefinite"/>
+                      </p:stCondLst>
+                      <p:childTnLst>
+                        <p:par>
+                          <p:cTn id="16" fill="hold">
+                            <p:stCondLst>
+                              <p:cond delay="0"/>
+                            </p:stCondLst>
+                            <p:childTnLst>
+                              <p:par>
+                                <p:cTn id="17" presetID="1" presetClass="entr" presetSubtype="0" fill="hold" nodeType="clickEffect">
+                                  <p:stCondLst>
+                                    <p:cond delay="0"/>
+                                  </p:stCondLst>
+                                  <p:childTnLst>
+                                    <p:set>
+                                      <p:cBhvr>
+                                        <p:cTn id="18" dur="1" fill="hold">
+                                          <p:stCondLst>
+                                            <p:cond delay="0"/>
+                                          </p:stCondLst>
+                                        </p:cTn>
+                                        <p:tgtEl>
+                                          <p:spTgt spid="4">
+                                            <p:txEl>
+                                              <p:pRg st="3" end="3"/>
+                                            </p:txEl>
+                                          </p:spTgt>
+                                        </p:tgtEl>
+                                        <p:attrNameLst>
+                                          <p:attrName>style.visibility</p:attrName>
+                                        </p:attrNameLst>
+                                      </p:cBhvr>
+                                      <p:to>
+                                        <p:strVal val="visible"/>
+                                      </p:to>
+                                    </p:set>
+                                  </p:childTnLst>
+                                </p:cTn>
+                              </p:par>
+                            </p:childTnLst>
+                          </p:cTn>
+                        </p:par>
+                      </p:childTnLst>
+                    </p:cTn>
+                  </p:par>
+                  <p:par>
+                    <p:cTn id="19" fill="hold">
+                      <p:stCondLst>
+                        <p:cond delay="indefinite"/>
+                      </p:stCondLst>
+                      <p:childTnLst>
+                        <p:par>
+                          <p:cTn id="20" fill="hold">
+                            <p:stCondLst>
+                              <p:cond delay="0"/>
+                            </p:stCondLst>
+                            <p:childTnLst>
+                              <p:par>
+                                <p:cTn id="21" presetID="1" presetClass="entr" presetSubtype="0" fill="hold" nodeType="clickEffect">
+                                  <p:stCondLst>
+                                    <p:cond delay="0"/>
+                                  </p:stCondLst>
+                                  <p:childTnLst>
+                                    <p:set>
+                                      <p:cBhvr>
+                                        <p:cTn id="22" dur="1" fill="hold">
+                                          <p:stCondLst>
+                                            <p:cond delay="0"/>
+                                          </p:stCondLst>
+                                        </p:cTn>
+                                        <p:tgtEl>
+                                          <p:spTgt spid="4">
+                                            <p:txEl>
+                                              <p:pRg st="4" end="4"/>
+                                            </p:txEl>
+                                          </p:spTgt>
+                                        </p:tgtEl>
+                                        <p:attrNameLst>
+                                          <p:attrName>style.visibility</p:attrName>
+                                        </p:attrNameLst>
+                                      </p:cBhvr>
+                                      <p:to>
+                                        <p:strVal val="visible"/>
+                                      </p:to>
+                                    </p:set>
+                                  </p:childTnLst>
+                                </p:cTn>
+                              </p:par>
+                            </p:childTnLst>
+                          </p:cTn>
+                        </p:par>
+                      </p:childTnLst>
+                    </p:cTn>
+                  </p:par>
+                  <p:par>
+                    <p:cTn id="23" fill="hold">
+                      <p:stCondLst>
+                        <p:cond delay="indefinite"/>
+                      </p:stCondLst>
+                      <p:childTnLst>
+                        <p:par>
+                          <p:cTn id="24" fill="hold">
+                            <p:stCondLst>
+                              <p:cond delay="0"/>
+                            </p:stCondLst>
+                            <p:childTnLst>
+                              <p:par>
+                                <p:cTn id="25" presetID="1" presetClass="entr" presetSubtype="0" fill="hold" nodeType="clickEffect">
+                                  <p:stCondLst>
+                                    <p:cond delay="0"/>
+                                  </p:stCondLst>
+                                  <p:childTnLst>
+                                    <p:set>
+                                      <p:cBhvr>
+                                        <p:cTn id="26" dur="1" fill="hold">
+                                          <p:stCondLst>
+                                            <p:cond delay="0"/>
+                                          </p:stCondLst>
+                                        </p:cTn>
+                                        <p:tgtEl>
+                                          <p:spTgt spid="4">
+                                            <p:txEl>
+                                              <p:pRg st="5" end="5"/>
+                                            </p:txEl>
+                                          </p:spTgt>
+                                        </p:tgtEl>
+                                        <p:attrNameLst>
+                                          <p:attrName>style.visibility</p:attrName>
+                                        </p:attrNameLst>
+                                      </p:cBhvr>
+                                      <p:to>
+                                        <p:strVal val="visible"/>
+                                      </p:to>
+                                    </p:set>
+                                  </p:childTnLst>
+                                </p:cTn>
+                              </p:par>
+                            </p:childTnLst>
+                          </p:cTn>
+                        </p:par>
+                      </p:childTnLst>
+                    </p:cTn>
+                  </p:par>
+                  <p:par>
+                    <p:cTn id="27" fill="hold">
+                      <p:stCondLst>
+                        <p:cond delay="indefinite"/>
+                      </p:stCondLst>
+                      <p:childTnLst>
+                        <p:par>
+                          <p:cTn id="28" fill="hold">
+                            <p:stCondLst>
+                              <p:cond delay="0"/>
+                            </p:stCondLst>
+                            <p:childTnLst>
+                              <p:par>
+                                <p:cTn id="29" presetID="1" presetClass="entr" presetSubtype="0" fill="hold" nodeType="clickEffect">
+                                  <p:stCondLst>
+                                    <p:cond delay="0"/>
+                                  </p:stCondLst>
+                                  <p:childTnLst>
+                                    <p:set>
+                                      <p:cBhvr>
+                                        <p:cTn id="30" dur="1" fill="hold">
+                                          <p:stCondLst>
+                                            <p:cond delay="0"/>
+                                          </p:stCondLst>
+                                        </p:cTn>
+                                        <p:tgtEl>
+                                          <p:spTgt spid="4">
+                                            <p:txEl>
+                                              <p:pRg st="6" end="6"/>
+                                            </p:txEl>
+                                          </p:spTgt>
+                                        </p:tgtEl>
+                                        <p:attrNameLst>
+                                          <p:attrName>style.visibility</p:attrName>
+                                        </p:attrNameLst>
+                                      </p:cBhvr>
+                                      <p:to>
+                                        <p:strVal val="visible"/>
+                                      </p:to>
+                                    </p:set>
+                                  </p:childTnLst>
+                                </p:cTn>
+                              </p:par>
+                            </p:childTnLst>
+                          </p:cTn>
+                        </p:par>
+                      </p:childTnLst>
+                    </p:cTn>
+                  </p:par>
+                </p:childTnLst>
+              </p:cTn>
+              <p:prevCondLst>
+                <p:cond evt="onPrev" delay="0">
+                  <p:tgtEl>
+                    <p:sldTgt/>
+                  </p:tgtEl>
+                </p:cond>
+              </p:prevCondLst>
+              <p:nextCondLst>
+                <p:cond evt="onNext" delay="0">
+                  <p:tgtEl>
+                    <p:sldTgt/>
+                  </p:tgtEl>
+                </p:cond>
+              </p:nextCondLst>
+            </p:seq>
+          </p:childTnLst>
+        </p:cTn>
+      </p:par>
+    </p:tnLst>
+  </p:timing>
+</p:sld>
+</file>
+
+<file path=ppt/slides/slide38.xml><?xml version="1.0" encoding="utf-8"?>
+<p:sld xmlns:a="http://schemas.openxmlformats.org/drawingml/2006/main" xmlns:r="http://schemas.openxmlformats.org/officeDocument/2006/relationships" xmlns:p="http://schemas.openxmlformats.org/presentationml/2006/main">
+  <p:cSld>
+    <p:spTree>
+      <p:nvGrpSpPr>
+        <p:cNvPr id="1" name="">
+          <a:extLst>
+            <a:ext uri="{FF2B5EF4-FFF2-40B4-BE49-F238E27FC236}">
+              <a16:creationId xmlns:a16="http://schemas.microsoft.com/office/drawing/2014/main" id="{38808999-EA3D-54CA-020C-F5B7E72A251F}"/>
+            </a:ext>
+          </a:extLst>
+        </p:cNvPr>
+        <p:cNvGrpSpPr/>
+        <p:nvPr/>
+      </p:nvGrpSpPr>
+      <p:grpSpPr>
+        <a:xfrm>
+          <a:off x="0" y="0"/>
+          <a:ext cx="0" cy="0"/>
+          <a:chOff x="0" y="0"/>
+          <a:chExt cx="0" cy="0"/>
+        </a:xfrm>
+      </p:grpSpPr>
+      <p:sp>
+        <p:nvSpPr>
+          <p:cNvPr id="3" name="Subtitle 2">
+            <a:extLst>
+              <a:ext uri="{FF2B5EF4-FFF2-40B4-BE49-F238E27FC236}">
+                <a16:creationId xmlns:a16="http://schemas.microsoft.com/office/drawing/2014/main" id="{5E53F998-31DC-F10E-1ADF-A27F01776401}"/>
+              </a:ext>
+            </a:extLst>
+          </p:cNvPr>
+          <p:cNvSpPr>
+            <a:spLocks noGrp="1"/>
+          </p:cNvSpPr>
+          <p:nvPr>
+            <p:ph type="subTitle" idx="1"/>
+          </p:nvPr>
+        </p:nvSpPr>
+        <p:spPr>
+          <a:xfrm>
+            <a:off x="152399" y="217488"/>
+            <a:ext cx="11223171" cy="303212"/>
+          </a:xfrm>
+        </p:spPr>
+        <p:txBody>
+          <a:bodyPr>
+            <a:normAutofit fontScale="92500" lnSpcReduction="20000"/>
+          </a:bodyPr>
+          <a:lstStyle/>
+          <a:p>
+            <a:r>
+              <a:rPr lang="en-US" sz="1800" b="1"/>
+              <a:t>Chapter 10 – Streams</a:t>
+            </a:r>
+          </a:p>
+        </p:txBody>
+      </p:sp>
+      <p:sp>
+        <p:nvSpPr>
+          <p:cNvPr id="4" name="Subtitle 2">
+            <a:extLst>
+              <a:ext uri="{FF2B5EF4-FFF2-40B4-BE49-F238E27FC236}">
+                <a16:creationId xmlns:a16="http://schemas.microsoft.com/office/drawing/2014/main" id="{58F2F66A-2EE3-4ECB-BC4B-8F1632BD8CC0}"/>
+              </a:ext>
+            </a:extLst>
+          </p:cNvPr>
+          <p:cNvSpPr txBox="1">
+            <a:spLocks/>
+          </p:cNvSpPr>
+          <p:nvPr/>
+        </p:nvSpPr>
+        <p:spPr>
+          <a:xfrm>
+            <a:off x="0" y="820738"/>
+            <a:ext cx="12192000" cy="6037262"/>
+          </a:xfrm>
+          <a:prstGeom prst="rect">
+            <a:avLst/>
+          </a:prstGeom>
+        </p:spPr>
+        <p:txBody>
+          <a:bodyPr vert="horz" lIns="91440" tIns="45720" rIns="91440" bIns="45720" rtlCol="0">
+            <a:normAutofit/>
+          </a:bodyPr>
+          <a:lstStyle>
+            <a:lvl1pPr marL="0" indent="0" algn="ctr" defTabSz="914400" rtl="0" eaLnBrk="1" latinLnBrk="0" hangingPunct="1">
+              <a:lnSpc>
+                <a:spcPct val="90000"/>
+              </a:lnSpc>
+              <a:spcBef>
+                <a:spcPts val="1000"/>
+              </a:spcBef>
+              <a:buFont typeface="Arial" panose="020B0604020202020204" pitchFamily="34" charset="0"/>
+              <a:buNone/>
+              <a:defRPr sz="2400" kern="1200">
+                <a:solidFill>
+                  <a:schemeClr val="tx1"/>
+                </a:solidFill>
+                <a:latin typeface="+mn-lt"/>
+                <a:ea typeface="+mn-ea"/>
+                <a:cs typeface="+mn-cs"/>
+              </a:defRPr>
+            </a:lvl1pPr>
+            <a:lvl2pPr marL="457200" indent="0" algn="ctr" defTabSz="914400" rtl="0" eaLnBrk="1" latinLnBrk="0" hangingPunct="1">
+              <a:lnSpc>
+                <a:spcPct val="90000"/>
+              </a:lnSpc>
+              <a:spcBef>
+                <a:spcPts val="500"/>
+              </a:spcBef>
+              <a:buFont typeface="Arial" panose="020B0604020202020204" pitchFamily="34" charset="0"/>
+              <a:buNone/>
+              <a:defRPr sz="2000" kern="1200">
+                <a:solidFill>
+                  <a:schemeClr val="tx1"/>
+                </a:solidFill>
+                <a:latin typeface="+mn-lt"/>
+                <a:ea typeface="+mn-ea"/>
+                <a:cs typeface="+mn-cs"/>
+              </a:defRPr>
+            </a:lvl2pPr>
+            <a:lvl3pPr marL="914400" indent="0" algn="ctr" defTabSz="914400" rtl="0" eaLnBrk="1" latinLnBrk="0" hangingPunct="1">
+              <a:lnSpc>
+                <a:spcPct val="90000"/>
+              </a:lnSpc>
+              <a:spcBef>
+                <a:spcPts val="500"/>
+              </a:spcBef>
+              <a:buFont typeface="Arial" panose="020B0604020202020204" pitchFamily="34" charset="0"/>
+              <a:buNone/>
+              <a:defRPr sz="1800" kern="1200">
+                <a:solidFill>
+                  <a:schemeClr val="tx1"/>
+                </a:solidFill>
+                <a:latin typeface="+mn-lt"/>
+                <a:ea typeface="+mn-ea"/>
+                <a:cs typeface="+mn-cs"/>
+              </a:defRPr>
+            </a:lvl3pPr>
+            <a:lvl4pPr marL="1371600" indent="0" algn="ctr" defTabSz="914400" rtl="0" eaLnBrk="1" latinLnBrk="0" hangingPunct="1">
+              <a:lnSpc>
+                <a:spcPct val="90000"/>
+              </a:lnSpc>
+              <a:spcBef>
+                <a:spcPts val="500"/>
+              </a:spcBef>
+              <a:buFont typeface="Arial" panose="020B0604020202020204" pitchFamily="34" charset="0"/>
+              <a:buNone/>
+              <a:defRPr sz="1600" kern="1200">
+                <a:solidFill>
+                  <a:schemeClr val="tx1"/>
+                </a:solidFill>
+                <a:latin typeface="+mn-lt"/>
+                <a:ea typeface="+mn-ea"/>
+                <a:cs typeface="+mn-cs"/>
+              </a:defRPr>
+            </a:lvl4pPr>
+            <a:lvl5pPr marL="1828800" indent="0" algn="ctr" defTabSz="914400" rtl="0" eaLnBrk="1" latinLnBrk="0" hangingPunct="1">
+              <a:lnSpc>
+                <a:spcPct val="90000"/>
+              </a:lnSpc>
+              <a:spcBef>
+                <a:spcPts val="500"/>
+              </a:spcBef>
+              <a:buFont typeface="Arial" panose="020B0604020202020204" pitchFamily="34" charset="0"/>
+              <a:buNone/>
+              <a:defRPr sz="1600" kern="1200">
+                <a:solidFill>
+                  <a:schemeClr val="tx1"/>
+                </a:solidFill>
+                <a:latin typeface="+mn-lt"/>
+                <a:ea typeface="+mn-ea"/>
+                <a:cs typeface="+mn-cs"/>
+              </a:defRPr>
+            </a:lvl5pPr>
+            <a:lvl6pPr marL="2286000" indent="0" algn="ctr" defTabSz="914400" rtl="0" eaLnBrk="1" latinLnBrk="0" hangingPunct="1">
+              <a:lnSpc>
+                <a:spcPct val="90000"/>
+              </a:lnSpc>
+              <a:spcBef>
+                <a:spcPts val="500"/>
+              </a:spcBef>
+              <a:buFont typeface="Arial" panose="020B0604020202020204" pitchFamily="34" charset="0"/>
+              <a:buNone/>
+              <a:defRPr sz="1600" kern="1200">
+                <a:solidFill>
+                  <a:schemeClr val="tx1"/>
+                </a:solidFill>
+                <a:latin typeface="+mn-lt"/>
+                <a:ea typeface="+mn-ea"/>
+                <a:cs typeface="+mn-cs"/>
+              </a:defRPr>
+            </a:lvl6pPr>
+            <a:lvl7pPr marL="2743200" indent="0" algn="ctr" defTabSz="914400" rtl="0" eaLnBrk="1" latinLnBrk="0" hangingPunct="1">
+              <a:lnSpc>
+                <a:spcPct val="90000"/>
+              </a:lnSpc>
+              <a:spcBef>
+                <a:spcPts val="500"/>
+              </a:spcBef>
+              <a:buFont typeface="Arial" panose="020B0604020202020204" pitchFamily="34" charset="0"/>
+              <a:buNone/>
+              <a:defRPr sz="1600" kern="1200">
+                <a:solidFill>
+                  <a:schemeClr val="tx1"/>
+                </a:solidFill>
+                <a:latin typeface="+mn-lt"/>
+                <a:ea typeface="+mn-ea"/>
+                <a:cs typeface="+mn-cs"/>
+              </a:defRPr>
+            </a:lvl7pPr>
+            <a:lvl8pPr marL="3200400" indent="0" algn="ctr" defTabSz="914400" rtl="0" eaLnBrk="1" latinLnBrk="0" hangingPunct="1">
+              <a:lnSpc>
+                <a:spcPct val="90000"/>
+              </a:lnSpc>
+              <a:spcBef>
+                <a:spcPts val="500"/>
+              </a:spcBef>
+              <a:buFont typeface="Arial" panose="020B0604020202020204" pitchFamily="34" charset="0"/>
+              <a:buNone/>
+              <a:defRPr sz="1600" kern="1200">
+                <a:solidFill>
+                  <a:schemeClr val="tx1"/>
+                </a:solidFill>
+                <a:latin typeface="+mn-lt"/>
+                <a:ea typeface="+mn-ea"/>
+                <a:cs typeface="+mn-cs"/>
+              </a:defRPr>
+            </a:lvl8pPr>
+            <a:lvl9pPr marL="3657600" indent="0" algn="ctr" defTabSz="914400" rtl="0" eaLnBrk="1" latinLnBrk="0" hangingPunct="1">
+              <a:lnSpc>
+                <a:spcPct val="90000"/>
+              </a:lnSpc>
+              <a:spcBef>
+                <a:spcPts val="500"/>
+              </a:spcBef>
+              <a:buFont typeface="Arial" panose="020B0604020202020204" pitchFamily="34" charset="0"/>
+              <a:buNone/>
+              <a:defRPr sz="1600" kern="1200">
+                <a:solidFill>
+                  <a:schemeClr val="tx1"/>
+                </a:solidFill>
+                <a:latin typeface="+mn-lt"/>
+                <a:ea typeface="+mn-ea"/>
+                <a:cs typeface="+mn-cs"/>
+              </a:defRPr>
+            </a:lvl9pPr>
+          </a:lstStyle>
+          <a:p>
+            <a:pPr algn="l"/>
+            <a:endParaRPr lang="en-US" sz="1800">
+              <a:sym typeface="Wingdings" pitchFamily="2" charset="2"/>
+            </a:endParaRPr>
+          </a:p>
+        </p:txBody>
+      </p:sp>
+      <p:pic>
+        <p:nvPicPr>
+          <p:cNvPr id="2" name="Picture 1">
+            <a:extLst>
+              <a:ext uri="{FF2B5EF4-FFF2-40B4-BE49-F238E27FC236}">
+                <a16:creationId xmlns:a16="http://schemas.microsoft.com/office/drawing/2014/main" id="{65C0EC21-BFA1-9F5B-21F6-85E293865188}"/>
+              </a:ext>
+            </a:extLst>
+          </p:cNvPr>
+          <p:cNvPicPr>
+            <a:picLocks noChangeAspect="1"/>
+          </p:cNvPicPr>
+          <p:nvPr/>
+        </p:nvPicPr>
+        <p:blipFill>
+          <a:blip r:embed="rId3"/>
+          <a:stretch>
+            <a:fillRect/>
+          </a:stretch>
+        </p:blipFill>
+        <p:spPr>
+          <a:xfrm>
+            <a:off x="3431270" y="473731"/>
+            <a:ext cx="4665427" cy="6384269"/>
+          </a:xfrm>
+          <a:prstGeom prst="rect">
+            <a:avLst/>
+          </a:prstGeom>
+        </p:spPr>
+      </p:pic>
+      <p:sp>
+        <p:nvSpPr>
+          <p:cNvPr id="5" name="Rectangle 4">
+            <a:extLst>
+              <a:ext uri="{FF2B5EF4-FFF2-40B4-BE49-F238E27FC236}">
+                <a16:creationId xmlns:a16="http://schemas.microsoft.com/office/drawing/2014/main" id="{6D8A5374-DB36-4845-7612-79E5BA4AFB8D}"/>
+              </a:ext>
+            </a:extLst>
+          </p:cNvPr>
+          <p:cNvSpPr/>
+          <p:nvPr/>
+        </p:nvSpPr>
+        <p:spPr>
+          <a:xfrm>
+            <a:off x="5285678" y="959005"/>
+            <a:ext cx="2811019" cy="5430644"/>
+          </a:xfrm>
+          <a:prstGeom prst="rect">
+            <a:avLst/>
+          </a:prstGeom>
+        </p:spPr>
+        <p:style>
+          <a:lnRef idx="2">
+            <a:schemeClr val="accent1">
+              <a:shade val="15000"/>
+            </a:schemeClr>
+          </a:lnRef>
+          <a:fillRef idx="1">
+            <a:schemeClr val="accent1"/>
+          </a:fillRef>
+          <a:effectRef idx="0">
+            <a:schemeClr val="accent1"/>
+          </a:effectRef>
+          <a:fontRef idx="minor">
+            <a:schemeClr val="lt1"/>
+          </a:fontRef>
+        </p:style>
+        <p:txBody>
+          <a:bodyPr rtlCol="0" anchor="ctr"/>
+          <a:lstStyle/>
+          <a:p>
+            <a:pPr algn="ctr"/>
+            <a:endParaRPr lang="en-VN"/>
+          </a:p>
+        </p:txBody>
+      </p:sp>
+    </p:spTree>
+    <p:extLst>
+      <p:ext uri="{BB962C8B-B14F-4D97-AF65-F5344CB8AC3E}">
+        <p14:creationId xmlns:p14="http://schemas.microsoft.com/office/powerpoint/2010/main" val="1417681476"/>
+      </p:ext>
+    </p:extLst>
+  </p:cSld>
+  <p:clrMapOvr>
+    <a:masterClrMapping/>
+  </p:clrMapOvr>
+  <p:timing>
+    <p:tnLst>
+      <p:par>
+        <p:cTn id="1" dur="indefinite" restart="never" nodeType="tmRoot">
+          <p:childTnLst>
+            <p:seq concurrent="1" nextAc="seek">
+              <p:cTn id="2" dur="indefinite" nodeType="mainSeq">
+                <p:childTnLst>
+                  <p:par>
+                    <p:cTn id="3" fill="hold">
+                      <p:stCondLst>
+                        <p:cond delay="indefinite"/>
+                      </p:stCondLst>
+                      <p:childTnLst>
+                        <p:par>
+                          <p:cTn id="4" fill="hold">
+                            <p:stCondLst>
+                              <p:cond delay="0"/>
+                            </p:stCondLst>
+                            <p:childTnLst>
+                              <p:par>
+                                <p:cTn id="5" presetID="1" presetClass="entr" presetSubtype="0" fill="hold" nodeType="clickEffect" nodePh="1">
+                                  <p:stCondLst>
+                                    <p:cond delay="0"/>
+                                  </p:stCondLst>
+                                  <p:endCondLst>
+                                    <p:cond evt="begin" delay="0">
+                                      <p:tn val="5"/>
+                                    </p:cond>
+                                  </p:endCondLst>
+                                  <p:childTnLst>
+                                    <p:set>
+                                      <p:cBhvr>
+                                        <p:cTn id="6" dur="1" fill="hold">
+                                          <p:stCondLst>
+                                            <p:cond delay="0"/>
+                                          </p:stCondLst>
+                                        </p:cTn>
+                                        <p:tgtEl>
+                                          <p:spTgt spid="4">
+                                            <p:txEl>
+                                              <p:pRg st="0" end="0"/>
+                                            </p:txEl>
+                                          </p:spTgt>
+                                        </p:tgtEl>
+                                        <p:attrNameLst>
+                                          <p:attrName>style.visibility</p:attrName>
+                                        </p:attrNameLst>
+                                      </p:cBhvr>
+                                      <p:to>
+                                        <p:strVal val="visible"/>
+                                      </p:to>
+                                    </p:set>
+                                  </p:childTnLst>
+                                </p:cTn>
+                              </p:par>
+                            </p:childTnLst>
+                          </p:cTn>
+                        </p:par>
+                      </p:childTnLst>
+                    </p:cTn>
+                  </p:par>
+                </p:childTnLst>
+              </p:cTn>
+              <p:prevCondLst>
+                <p:cond evt="onPrev" delay="0">
+                  <p:tgtEl>
+                    <p:sldTgt/>
+                  </p:tgtEl>
+                </p:cond>
+              </p:prevCondLst>
+              <p:nextCondLst>
+                <p:cond evt="onNext" delay="0">
+                  <p:tgtEl>
+                    <p:sldTgt/>
+                  </p:tgtEl>
+                </p:cond>
+              </p:nextCondLst>
+            </p:seq>
+          </p:childTnLst>
+        </p:cTn>
+      </p:par>
+    </p:tnLst>
+  </p:timing>
+</p:sld>
+</file>
+
+<file path=ppt/slides/slide39.xml><?xml version="1.0" encoding="utf-8"?>
+<p:sld xmlns:a="http://schemas.openxmlformats.org/drawingml/2006/main" xmlns:r="http://schemas.openxmlformats.org/officeDocument/2006/relationships" xmlns:p="http://schemas.openxmlformats.org/presentationml/2006/main">
+  <p:cSld>
+    <p:spTree>
+      <p:nvGrpSpPr>
+        <p:cNvPr id="1" name="">
+          <a:extLst>
+            <a:ext uri="{FF2B5EF4-FFF2-40B4-BE49-F238E27FC236}">
+              <a16:creationId xmlns:a16="http://schemas.microsoft.com/office/drawing/2014/main" id="{82F68BE5-2A54-C0E2-3731-19EA3F337BF0}"/>
+            </a:ext>
+          </a:extLst>
+        </p:cNvPr>
+        <p:cNvGrpSpPr/>
+        <p:nvPr/>
+      </p:nvGrpSpPr>
+      <p:grpSpPr>
+        <a:xfrm>
+          <a:off x="0" y="0"/>
+          <a:ext cx="0" cy="0"/>
+          <a:chOff x="0" y="0"/>
+          <a:chExt cx="0" cy="0"/>
+        </a:xfrm>
+      </p:grpSpPr>
+      <p:sp>
+        <p:nvSpPr>
+          <p:cNvPr id="3" name="Subtitle 2">
+            <a:extLst>
+              <a:ext uri="{FF2B5EF4-FFF2-40B4-BE49-F238E27FC236}">
+                <a16:creationId xmlns:a16="http://schemas.microsoft.com/office/drawing/2014/main" id="{AA26AAFA-34A3-5D16-1D8C-FDCAD73CDC5A}"/>
+              </a:ext>
+            </a:extLst>
+          </p:cNvPr>
+          <p:cNvSpPr>
+            <a:spLocks noGrp="1"/>
+          </p:cNvSpPr>
+          <p:nvPr>
+            <p:ph type="subTitle" idx="1"/>
+          </p:nvPr>
+        </p:nvSpPr>
+        <p:spPr>
+          <a:xfrm>
+            <a:off x="152399" y="217488"/>
+            <a:ext cx="11223171" cy="303212"/>
+          </a:xfrm>
+        </p:spPr>
+        <p:txBody>
+          <a:bodyPr>
+            <a:normAutofit fontScale="92500" lnSpcReduction="20000"/>
+          </a:bodyPr>
+          <a:lstStyle/>
+          <a:p>
+            <a:r>
+              <a:rPr lang="en-US" sz="1800" b="1"/>
+              <a:t>Chapter 10 – Streams</a:t>
+            </a:r>
+          </a:p>
+        </p:txBody>
+      </p:sp>
+      <p:sp>
+        <p:nvSpPr>
+          <p:cNvPr id="4" name="Subtitle 2">
+            <a:extLst>
+              <a:ext uri="{FF2B5EF4-FFF2-40B4-BE49-F238E27FC236}">
+                <a16:creationId xmlns:a16="http://schemas.microsoft.com/office/drawing/2014/main" id="{BAF29C43-2B25-0419-2349-636104A2FA8D}"/>
+              </a:ext>
+            </a:extLst>
+          </p:cNvPr>
+          <p:cNvSpPr txBox="1">
+            <a:spLocks/>
+          </p:cNvSpPr>
+          <p:nvPr/>
+        </p:nvSpPr>
+        <p:spPr>
+          <a:xfrm>
+            <a:off x="0" y="820738"/>
+            <a:ext cx="12192000" cy="6037262"/>
+          </a:xfrm>
+          <a:prstGeom prst="rect">
+            <a:avLst/>
+          </a:prstGeom>
+        </p:spPr>
+        <p:txBody>
+          <a:bodyPr vert="horz" lIns="91440" tIns="45720" rIns="91440" bIns="45720" rtlCol="0">
+            <a:normAutofit/>
+          </a:bodyPr>
+          <a:lstStyle>
+            <a:lvl1pPr marL="0" indent="0" algn="ctr" defTabSz="914400" rtl="0" eaLnBrk="1" latinLnBrk="0" hangingPunct="1">
+              <a:lnSpc>
+                <a:spcPct val="90000"/>
+              </a:lnSpc>
+              <a:spcBef>
+                <a:spcPts val="1000"/>
+              </a:spcBef>
+              <a:buFont typeface="Arial" panose="020B0604020202020204" pitchFamily="34" charset="0"/>
+              <a:buNone/>
+              <a:defRPr sz="2400" kern="1200">
+                <a:solidFill>
+                  <a:schemeClr val="tx1"/>
+                </a:solidFill>
+                <a:latin typeface="+mn-lt"/>
+                <a:ea typeface="+mn-ea"/>
+                <a:cs typeface="+mn-cs"/>
+              </a:defRPr>
+            </a:lvl1pPr>
+            <a:lvl2pPr marL="457200" indent="0" algn="ctr" defTabSz="914400" rtl="0" eaLnBrk="1" latinLnBrk="0" hangingPunct="1">
+              <a:lnSpc>
+                <a:spcPct val="90000"/>
+              </a:lnSpc>
+              <a:spcBef>
+                <a:spcPts val="500"/>
+              </a:spcBef>
+              <a:buFont typeface="Arial" panose="020B0604020202020204" pitchFamily="34" charset="0"/>
+              <a:buNone/>
+              <a:defRPr sz="2000" kern="1200">
+                <a:solidFill>
+                  <a:schemeClr val="tx1"/>
+                </a:solidFill>
+                <a:latin typeface="+mn-lt"/>
+                <a:ea typeface="+mn-ea"/>
+                <a:cs typeface="+mn-cs"/>
+              </a:defRPr>
+            </a:lvl2pPr>
+            <a:lvl3pPr marL="914400" indent="0" algn="ctr" defTabSz="914400" rtl="0" eaLnBrk="1" latinLnBrk="0" hangingPunct="1">
+              <a:lnSpc>
+                <a:spcPct val="90000"/>
+              </a:lnSpc>
+              <a:spcBef>
+                <a:spcPts val="500"/>
+              </a:spcBef>
+              <a:buFont typeface="Arial" panose="020B0604020202020204" pitchFamily="34" charset="0"/>
+              <a:buNone/>
+              <a:defRPr sz="1800" kern="1200">
+                <a:solidFill>
+                  <a:schemeClr val="tx1"/>
+                </a:solidFill>
+                <a:latin typeface="+mn-lt"/>
+                <a:ea typeface="+mn-ea"/>
+                <a:cs typeface="+mn-cs"/>
+              </a:defRPr>
+            </a:lvl3pPr>
+            <a:lvl4pPr marL="1371600" indent="0" algn="ctr" defTabSz="914400" rtl="0" eaLnBrk="1" latinLnBrk="0" hangingPunct="1">
+              <a:lnSpc>
+                <a:spcPct val="90000"/>
+              </a:lnSpc>
+              <a:spcBef>
+                <a:spcPts val="500"/>
+              </a:spcBef>
+              <a:buFont typeface="Arial" panose="020B0604020202020204" pitchFamily="34" charset="0"/>
+              <a:buNone/>
+              <a:defRPr sz="1600" kern="1200">
+                <a:solidFill>
+                  <a:schemeClr val="tx1"/>
+                </a:solidFill>
+                <a:latin typeface="+mn-lt"/>
+                <a:ea typeface="+mn-ea"/>
+                <a:cs typeface="+mn-cs"/>
+              </a:defRPr>
+            </a:lvl4pPr>
+            <a:lvl5pPr marL="1828800" indent="0" algn="ctr" defTabSz="914400" rtl="0" eaLnBrk="1" latinLnBrk="0" hangingPunct="1">
+              <a:lnSpc>
+                <a:spcPct val="90000"/>
+              </a:lnSpc>
+              <a:spcBef>
+                <a:spcPts val="500"/>
+              </a:spcBef>
+              <a:buFont typeface="Arial" panose="020B0604020202020204" pitchFamily="34" charset="0"/>
+              <a:buNone/>
+              <a:defRPr sz="1600" kern="1200">
+                <a:solidFill>
+                  <a:schemeClr val="tx1"/>
+                </a:solidFill>
+                <a:latin typeface="+mn-lt"/>
+                <a:ea typeface="+mn-ea"/>
+                <a:cs typeface="+mn-cs"/>
+              </a:defRPr>
+            </a:lvl5pPr>
+            <a:lvl6pPr marL="2286000" indent="0" algn="ctr" defTabSz="914400" rtl="0" eaLnBrk="1" latinLnBrk="0" hangingPunct="1">
+              <a:lnSpc>
+                <a:spcPct val="90000"/>
+              </a:lnSpc>
+              <a:spcBef>
+                <a:spcPts val="500"/>
+              </a:spcBef>
+              <a:buFont typeface="Arial" panose="020B0604020202020204" pitchFamily="34" charset="0"/>
+              <a:buNone/>
+              <a:defRPr sz="1600" kern="1200">
+                <a:solidFill>
+                  <a:schemeClr val="tx1"/>
+                </a:solidFill>
+                <a:latin typeface="+mn-lt"/>
+                <a:ea typeface="+mn-ea"/>
+                <a:cs typeface="+mn-cs"/>
+              </a:defRPr>
+            </a:lvl6pPr>
+            <a:lvl7pPr marL="2743200" indent="0" algn="ctr" defTabSz="914400" rtl="0" eaLnBrk="1" latinLnBrk="0" hangingPunct="1">
+              <a:lnSpc>
+                <a:spcPct val="90000"/>
+              </a:lnSpc>
+              <a:spcBef>
+                <a:spcPts val="500"/>
+              </a:spcBef>
+              <a:buFont typeface="Arial" panose="020B0604020202020204" pitchFamily="34" charset="0"/>
+              <a:buNone/>
+              <a:defRPr sz="1600" kern="1200">
+                <a:solidFill>
+                  <a:schemeClr val="tx1"/>
+                </a:solidFill>
+                <a:latin typeface="+mn-lt"/>
+                <a:ea typeface="+mn-ea"/>
+                <a:cs typeface="+mn-cs"/>
+              </a:defRPr>
+            </a:lvl7pPr>
+            <a:lvl8pPr marL="3200400" indent="0" algn="ctr" defTabSz="914400" rtl="0" eaLnBrk="1" latinLnBrk="0" hangingPunct="1">
+              <a:lnSpc>
+                <a:spcPct val="90000"/>
+              </a:lnSpc>
+              <a:spcBef>
+                <a:spcPts val="500"/>
+              </a:spcBef>
+              <a:buFont typeface="Arial" panose="020B0604020202020204" pitchFamily="34" charset="0"/>
+              <a:buNone/>
+              <a:defRPr sz="1600" kern="1200">
+                <a:solidFill>
+                  <a:schemeClr val="tx1"/>
+                </a:solidFill>
+                <a:latin typeface="+mn-lt"/>
+                <a:ea typeface="+mn-ea"/>
+                <a:cs typeface="+mn-cs"/>
+              </a:defRPr>
+            </a:lvl8pPr>
+            <a:lvl9pPr marL="3657600" indent="0" algn="ctr" defTabSz="914400" rtl="0" eaLnBrk="1" latinLnBrk="0" hangingPunct="1">
+              <a:lnSpc>
+                <a:spcPct val="90000"/>
+              </a:lnSpc>
+              <a:spcBef>
+                <a:spcPts val="500"/>
+              </a:spcBef>
+              <a:buFont typeface="Arial" panose="020B0604020202020204" pitchFamily="34" charset="0"/>
+              <a:buNone/>
+              <a:defRPr sz="1600" kern="1200">
+                <a:solidFill>
+                  <a:schemeClr val="tx1"/>
+                </a:solidFill>
+                <a:latin typeface="+mn-lt"/>
+                <a:ea typeface="+mn-ea"/>
+                <a:cs typeface="+mn-cs"/>
+              </a:defRPr>
+            </a:lvl9pPr>
+          </a:lstStyle>
+          <a:p>
+            <a:pPr algn="l"/>
+            <a:endParaRPr lang="en-US" sz="1800">
+              <a:sym typeface="Wingdings" pitchFamily="2" charset="2"/>
+            </a:endParaRPr>
+          </a:p>
+        </p:txBody>
+      </p:sp>
+      <p:pic>
+        <p:nvPicPr>
+          <p:cNvPr id="6" name="Picture 5">
+            <a:extLst>
+              <a:ext uri="{FF2B5EF4-FFF2-40B4-BE49-F238E27FC236}">
+                <a16:creationId xmlns:a16="http://schemas.microsoft.com/office/drawing/2014/main" id="{E3833A4D-5630-21CC-F799-D94DD5879DF8}"/>
+              </a:ext>
+            </a:extLst>
+          </p:cNvPr>
+          <p:cNvPicPr>
+            <a:picLocks noChangeAspect="1"/>
+          </p:cNvPicPr>
+          <p:nvPr/>
+        </p:nvPicPr>
+        <p:blipFill>
+          <a:blip r:embed="rId3"/>
+          <a:stretch>
+            <a:fillRect/>
+          </a:stretch>
+        </p:blipFill>
+        <p:spPr>
+          <a:xfrm>
+            <a:off x="1861057" y="631842"/>
+            <a:ext cx="7805853" cy="5908189"/>
+          </a:xfrm>
+          <a:prstGeom prst="rect">
+            <a:avLst/>
+          </a:prstGeom>
+        </p:spPr>
+      </p:pic>
+      <p:sp>
+        <p:nvSpPr>
+          <p:cNvPr id="7" name="Rectangle 6">
+            <a:extLst>
+              <a:ext uri="{FF2B5EF4-FFF2-40B4-BE49-F238E27FC236}">
+                <a16:creationId xmlns:a16="http://schemas.microsoft.com/office/drawing/2014/main" id="{53177C9E-8AE5-7296-84DD-40BC3063D6FE}"/>
+              </a:ext>
+            </a:extLst>
+          </p:cNvPr>
+          <p:cNvSpPr/>
+          <p:nvPr/>
+        </p:nvSpPr>
+        <p:spPr>
+          <a:xfrm>
+            <a:off x="5006898" y="1483112"/>
+            <a:ext cx="3311912" cy="4817327"/>
+          </a:xfrm>
+          <a:prstGeom prst="rect">
+            <a:avLst/>
+          </a:prstGeom>
+        </p:spPr>
+        <p:style>
+          <a:lnRef idx="2">
+            <a:schemeClr val="accent1">
+              <a:shade val="15000"/>
+            </a:schemeClr>
+          </a:lnRef>
+          <a:fillRef idx="1">
+            <a:schemeClr val="accent1"/>
+          </a:fillRef>
+          <a:effectRef idx="0">
+            <a:schemeClr val="accent1"/>
+          </a:effectRef>
+          <a:fontRef idx="minor">
+            <a:schemeClr val="lt1"/>
+          </a:fontRef>
+        </p:style>
+        <p:txBody>
+          <a:bodyPr rtlCol="0" anchor="ctr"/>
+          <a:lstStyle/>
+          <a:p>
+            <a:pPr algn="ctr"/>
+            <a:endParaRPr lang="en-VN"/>
+          </a:p>
+        </p:txBody>
+      </p:sp>
+    </p:spTree>
+    <p:extLst>
+      <p:ext uri="{BB962C8B-B14F-4D97-AF65-F5344CB8AC3E}">
+        <p14:creationId xmlns:p14="http://schemas.microsoft.com/office/powerpoint/2010/main" val="1522124625"/>
+      </p:ext>
+    </p:extLst>
+  </p:cSld>
+  <p:clrMapOvr>
+    <a:masterClrMapping/>
+  </p:clrMapOvr>
+  <p:timing>
+    <p:tnLst>
+      <p:par>
+        <p:cTn id="1" dur="indefinite" restart="never" nodeType="tmRoot">
+          <p:childTnLst>
+            <p:seq concurrent="1" nextAc="seek">
+              <p:cTn id="2" dur="indefinite" nodeType="mainSeq">
+                <p:childTnLst>
+                  <p:par>
+                    <p:cTn id="3" fill="hold">
+                      <p:stCondLst>
+                        <p:cond delay="indefinite"/>
+                      </p:stCondLst>
+                      <p:childTnLst>
+                        <p:par>
+                          <p:cTn id="4" fill="hold">
+                            <p:stCondLst>
+                              <p:cond delay="0"/>
+                            </p:stCondLst>
+                            <p:childTnLst>
+                              <p:par>
+                                <p:cTn id="5" presetID="1" presetClass="entr" presetSubtype="0" fill="hold" nodeType="clickEffect" nodePh="1">
+                                  <p:stCondLst>
+                                    <p:cond delay="0"/>
+                                  </p:stCondLst>
+                                  <p:endCondLst>
+                                    <p:cond evt="begin" delay="0">
+                                      <p:tn val="5"/>
+                                    </p:cond>
+                                  </p:endCondLst>
+                                  <p:childTnLst>
+                                    <p:set>
+                                      <p:cBhvr>
+                                        <p:cTn id="6" dur="1" fill="hold">
+                                          <p:stCondLst>
+                                            <p:cond delay="0"/>
+                                          </p:stCondLst>
+                                        </p:cTn>
+                                        <p:tgtEl>
+                                          <p:spTgt spid="4">
+                                            <p:txEl>
+                                              <p:pRg st="0" end="0"/>
+                                            </p:txEl>
+                                          </p:spTgt>
+                                        </p:tgtEl>
+                                        <p:attrNameLst>
+                                          <p:attrName>style.visibility</p:attrName>
+                                        </p:attrNameLst>
+                                      </p:cBhvr>
+                                      <p:to>
+                                        <p:strVal val="visible"/>
+                                      </p:to>
+                                    </p:set>
+                                  </p:childTnLst>
+                                </p:cTn>
+                              </p:par>
+                            </p:childTnLst>
+                          </p:cTn>
+                        </p:par>
+                      </p:childTnLst>
+                    </p:cTn>
+                  </p:par>
+                </p:childTnLst>
+              </p:cTn>
+              <p:prevCondLst>
+                <p:cond evt="onPrev" delay="0">
+                  <p:tgtEl>
+                    <p:sldTgt/>
+                  </p:tgtEl>
+                </p:cond>
+              </p:prevCondLst>
+              <p:nextCondLst>
+                <p:cond evt="onNext" delay="0">
+                  <p:tgtEl>
+                    <p:sldTgt/>
+                  </p:tgtEl>
+                </p:cond>
+              </p:nextCondLst>
+            </p:seq>
+          </p:childTnLst>
+        </p:cTn>
+      </p:par>
+    </p:tnLst>
+  </p:timing>
+</p:sld>
+</file>
+
 <file path=ppt/slides/slide4.xml><?xml version="1.0" encoding="utf-8"?>
 <p:sld xmlns:a="http://schemas.openxmlformats.org/drawingml/2006/main" xmlns:r="http://schemas.openxmlformats.org/officeDocument/2006/relationships" xmlns:p="http://schemas.openxmlformats.org/presentationml/2006/main">
   <p:cSld>
@@ -33949,6 +36290,4164 @@
                                           <p:spTgt spid="4">
                                             <p:txEl>
                                               <p:pRg st="0" end="0"/>
+                                            </p:txEl>
+                                          </p:spTgt>
+                                        </p:tgtEl>
+                                        <p:attrNameLst>
+                                          <p:attrName>style.visibility</p:attrName>
+                                        </p:attrNameLst>
+                                      </p:cBhvr>
+                                      <p:to>
+                                        <p:strVal val="visible"/>
+                                      </p:to>
+                                    </p:set>
+                                  </p:childTnLst>
+                                </p:cTn>
+                              </p:par>
+                            </p:childTnLst>
+                          </p:cTn>
+                        </p:par>
+                      </p:childTnLst>
+                    </p:cTn>
+                  </p:par>
+                </p:childTnLst>
+              </p:cTn>
+              <p:prevCondLst>
+                <p:cond evt="onPrev" delay="0">
+                  <p:tgtEl>
+                    <p:sldTgt/>
+                  </p:tgtEl>
+                </p:cond>
+              </p:prevCondLst>
+              <p:nextCondLst>
+                <p:cond evt="onNext" delay="0">
+                  <p:tgtEl>
+                    <p:sldTgt/>
+                  </p:tgtEl>
+                </p:cond>
+              </p:nextCondLst>
+            </p:seq>
+          </p:childTnLst>
+        </p:cTn>
+      </p:par>
+    </p:tnLst>
+  </p:timing>
+</p:sld>
+</file>
+
+<file path=ppt/slides/slide40.xml><?xml version="1.0" encoding="utf-8"?>
+<p:sld xmlns:a="http://schemas.openxmlformats.org/drawingml/2006/main" xmlns:r="http://schemas.openxmlformats.org/officeDocument/2006/relationships" xmlns:p="http://schemas.openxmlformats.org/presentationml/2006/main">
+  <p:cSld>
+    <p:spTree>
+      <p:nvGrpSpPr>
+        <p:cNvPr id="1" name="">
+          <a:extLst>
+            <a:ext uri="{FF2B5EF4-FFF2-40B4-BE49-F238E27FC236}">
+              <a16:creationId xmlns:a16="http://schemas.microsoft.com/office/drawing/2014/main" id="{65A3F68F-AD56-854A-1AFB-5F208EE31BD3}"/>
+            </a:ext>
+          </a:extLst>
+        </p:cNvPr>
+        <p:cNvGrpSpPr/>
+        <p:nvPr/>
+      </p:nvGrpSpPr>
+      <p:grpSpPr>
+        <a:xfrm>
+          <a:off x="0" y="0"/>
+          <a:ext cx="0" cy="0"/>
+          <a:chOff x="0" y="0"/>
+          <a:chExt cx="0" cy="0"/>
+        </a:xfrm>
+      </p:grpSpPr>
+      <p:sp>
+        <p:nvSpPr>
+          <p:cNvPr id="3" name="Subtitle 2">
+            <a:extLst>
+              <a:ext uri="{FF2B5EF4-FFF2-40B4-BE49-F238E27FC236}">
+                <a16:creationId xmlns:a16="http://schemas.microsoft.com/office/drawing/2014/main" id="{817F5BC9-FCBF-99EC-8815-81320D4A4D31}"/>
+              </a:ext>
+            </a:extLst>
+          </p:cNvPr>
+          <p:cNvSpPr>
+            <a:spLocks noGrp="1"/>
+          </p:cNvSpPr>
+          <p:nvPr>
+            <p:ph type="subTitle" idx="1"/>
+          </p:nvPr>
+        </p:nvSpPr>
+        <p:spPr>
+          <a:xfrm>
+            <a:off x="152399" y="217488"/>
+            <a:ext cx="11223171" cy="303212"/>
+          </a:xfrm>
+        </p:spPr>
+        <p:txBody>
+          <a:bodyPr>
+            <a:normAutofit fontScale="92500" lnSpcReduction="20000"/>
+          </a:bodyPr>
+          <a:lstStyle/>
+          <a:p>
+            <a:r>
+              <a:rPr lang="en-US" sz="1800" b="1"/>
+              <a:t>Chapter 10 – Streams</a:t>
+            </a:r>
+          </a:p>
+        </p:txBody>
+      </p:sp>
+      <p:sp>
+        <p:nvSpPr>
+          <p:cNvPr id="4" name="Subtitle 2">
+            <a:extLst>
+              <a:ext uri="{FF2B5EF4-FFF2-40B4-BE49-F238E27FC236}">
+                <a16:creationId xmlns:a16="http://schemas.microsoft.com/office/drawing/2014/main" id="{A4DDBB7A-B273-C47F-BEB4-D43040DF40B8}"/>
+              </a:ext>
+            </a:extLst>
+          </p:cNvPr>
+          <p:cNvSpPr txBox="1">
+            <a:spLocks/>
+          </p:cNvSpPr>
+          <p:nvPr/>
+        </p:nvSpPr>
+        <p:spPr>
+          <a:xfrm>
+            <a:off x="0" y="820738"/>
+            <a:ext cx="12192000" cy="6037262"/>
+          </a:xfrm>
+          <a:prstGeom prst="rect">
+            <a:avLst/>
+          </a:prstGeom>
+        </p:spPr>
+        <p:txBody>
+          <a:bodyPr vert="horz" lIns="91440" tIns="45720" rIns="91440" bIns="45720" rtlCol="0">
+            <a:normAutofit/>
+          </a:bodyPr>
+          <a:lstStyle>
+            <a:lvl1pPr marL="0" indent="0" algn="ctr" defTabSz="914400" rtl="0" eaLnBrk="1" latinLnBrk="0" hangingPunct="1">
+              <a:lnSpc>
+                <a:spcPct val="90000"/>
+              </a:lnSpc>
+              <a:spcBef>
+                <a:spcPts val="1000"/>
+              </a:spcBef>
+              <a:buFont typeface="Arial" panose="020B0604020202020204" pitchFamily="34" charset="0"/>
+              <a:buNone/>
+              <a:defRPr sz="2400" kern="1200">
+                <a:solidFill>
+                  <a:schemeClr val="tx1"/>
+                </a:solidFill>
+                <a:latin typeface="+mn-lt"/>
+                <a:ea typeface="+mn-ea"/>
+                <a:cs typeface="+mn-cs"/>
+              </a:defRPr>
+            </a:lvl1pPr>
+            <a:lvl2pPr marL="457200" indent="0" algn="ctr" defTabSz="914400" rtl="0" eaLnBrk="1" latinLnBrk="0" hangingPunct="1">
+              <a:lnSpc>
+                <a:spcPct val="90000"/>
+              </a:lnSpc>
+              <a:spcBef>
+                <a:spcPts val="500"/>
+              </a:spcBef>
+              <a:buFont typeface="Arial" panose="020B0604020202020204" pitchFamily="34" charset="0"/>
+              <a:buNone/>
+              <a:defRPr sz="2000" kern="1200">
+                <a:solidFill>
+                  <a:schemeClr val="tx1"/>
+                </a:solidFill>
+                <a:latin typeface="+mn-lt"/>
+                <a:ea typeface="+mn-ea"/>
+                <a:cs typeface="+mn-cs"/>
+              </a:defRPr>
+            </a:lvl2pPr>
+            <a:lvl3pPr marL="914400" indent="0" algn="ctr" defTabSz="914400" rtl="0" eaLnBrk="1" latinLnBrk="0" hangingPunct="1">
+              <a:lnSpc>
+                <a:spcPct val="90000"/>
+              </a:lnSpc>
+              <a:spcBef>
+                <a:spcPts val="500"/>
+              </a:spcBef>
+              <a:buFont typeface="Arial" panose="020B0604020202020204" pitchFamily="34" charset="0"/>
+              <a:buNone/>
+              <a:defRPr sz="1800" kern="1200">
+                <a:solidFill>
+                  <a:schemeClr val="tx1"/>
+                </a:solidFill>
+                <a:latin typeface="+mn-lt"/>
+                <a:ea typeface="+mn-ea"/>
+                <a:cs typeface="+mn-cs"/>
+              </a:defRPr>
+            </a:lvl3pPr>
+            <a:lvl4pPr marL="1371600" indent="0" algn="ctr" defTabSz="914400" rtl="0" eaLnBrk="1" latinLnBrk="0" hangingPunct="1">
+              <a:lnSpc>
+                <a:spcPct val="90000"/>
+              </a:lnSpc>
+              <a:spcBef>
+                <a:spcPts val="500"/>
+              </a:spcBef>
+              <a:buFont typeface="Arial" panose="020B0604020202020204" pitchFamily="34" charset="0"/>
+              <a:buNone/>
+              <a:defRPr sz="1600" kern="1200">
+                <a:solidFill>
+                  <a:schemeClr val="tx1"/>
+                </a:solidFill>
+                <a:latin typeface="+mn-lt"/>
+                <a:ea typeface="+mn-ea"/>
+                <a:cs typeface="+mn-cs"/>
+              </a:defRPr>
+            </a:lvl4pPr>
+            <a:lvl5pPr marL="1828800" indent="0" algn="ctr" defTabSz="914400" rtl="0" eaLnBrk="1" latinLnBrk="0" hangingPunct="1">
+              <a:lnSpc>
+                <a:spcPct val="90000"/>
+              </a:lnSpc>
+              <a:spcBef>
+                <a:spcPts val="500"/>
+              </a:spcBef>
+              <a:buFont typeface="Arial" panose="020B0604020202020204" pitchFamily="34" charset="0"/>
+              <a:buNone/>
+              <a:defRPr sz="1600" kern="1200">
+                <a:solidFill>
+                  <a:schemeClr val="tx1"/>
+                </a:solidFill>
+                <a:latin typeface="+mn-lt"/>
+                <a:ea typeface="+mn-ea"/>
+                <a:cs typeface="+mn-cs"/>
+              </a:defRPr>
+            </a:lvl5pPr>
+            <a:lvl6pPr marL="2286000" indent="0" algn="ctr" defTabSz="914400" rtl="0" eaLnBrk="1" latinLnBrk="0" hangingPunct="1">
+              <a:lnSpc>
+                <a:spcPct val="90000"/>
+              </a:lnSpc>
+              <a:spcBef>
+                <a:spcPts val="500"/>
+              </a:spcBef>
+              <a:buFont typeface="Arial" panose="020B0604020202020204" pitchFamily="34" charset="0"/>
+              <a:buNone/>
+              <a:defRPr sz="1600" kern="1200">
+                <a:solidFill>
+                  <a:schemeClr val="tx1"/>
+                </a:solidFill>
+                <a:latin typeface="+mn-lt"/>
+                <a:ea typeface="+mn-ea"/>
+                <a:cs typeface="+mn-cs"/>
+              </a:defRPr>
+            </a:lvl6pPr>
+            <a:lvl7pPr marL="2743200" indent="0" algn="ctr" defTabSz="914400" rtl="0" eaLnBrk="1" latinLnBrk="0" hangingPunct="1">
+              <a:lnSpc>
+                <a:spcPct val="90000"/>
+              </a:lnSpc>
+              <a:spcBef>
+                <a:spcPts val="500"/>
+              </a:spcBef>
+              <a:buFont typeface="Arial" panose="020B0604020202020204" pitchFamily="34" charset="0"/>
+              <a:buNone/>
+              <a:defRPr sz="1600" kern="1200">
+                <a:solidFill>
+                  <a:schemeClr val="tx1"/>
+                </a:solidFill>
+                <a:latin typeface="+mn-lt"/>
+                <a:ea typeface="+mn-ea"/>
+                <a:cs typeface="+mn-cs"/>
+              </a:defRPr>
+            </a:lvl7pPr>
+            <a:lvl8pPr marL="3200400" indent="0" algn="ctr" defTabSz="914400" rtl="0" eaLnBrk="1" latinLnBrk="0" hangingPunct="1">
+              <a:lnSpc>
+                <a:spcPct val="90000"/>
+              </a:lnSpc>
+              <a:spcBef>
+                <a:spcPts val="500"/>
+              </a:spcBef>
+              <a:buFont typeface="Arial" panose="020B0604020202020204" pitchFamily="34" charset="0"/>
+              <a:buNone/>
+              <a:defRPr sz="1600" kern="1200">
+                <a:solidFill>
+                  <a:schemeClr val="tx1"/>
+                </a:solidFill>
+                <a:latin typeface="+mn-lt"/>
+                <a:ea typeface="+mn-ea"/>
+                <a:cs typeface="+mn-cs"/>
+              </a:defRPr>
+            </a:lvl8pPr>
+            <a:lvl9pPr marL="3657600" indent="0" algn="ctr" defTabSz="914400" rtl="0" eaLnBrk="1" latinLnBrk="0" hangingPunct="1">
+              <a:lnSpc>
+                <a:spcPct val="90000"/>
+              </a:lnSpc>
+              <a:spcBef>
+                <a:spcPts val="500"/>
+              </a:spcBef>
+              <a:buFont typeface="Arial" panose="020B0604020202020204" pitchFamily="34" charset="0"/>
+              <a:buNone/>
+              <a:defRPr sz="1600" kern="1200">
+                <a:solidFill>
+                  <a:schemeClr val="tx1"/>
+                </a:solidFill>
+                <a:latin typeface="+mn-lt"/>
+                <a:ea typeface="+mn-ea"/>
+                <a:cs typeface="+mn-cs"/>
+              </a:defRPr>
+            </a:lvl9pPr>
+          </a:lstStyle>
+          <a:p>
+            <a:pPr algn="l"/>
+            <a:r>
+              <a:rPr lang="en-US" sz="1800" b="1">
+                <a:sym typeface="Wingdings" pitchFamily="2" charset="2"/>
+              </a:rPr>
+              <a:t>Collecting Results</a:t>
+            </a:r>
+            <a:endParaRPr lang="en-US" sz="1800">
+              <a:sym typeface="Wingdings" pitchFamily="2" charset="2"/>
+            </a:endParaRPr>
+          </a:p>
+          <a:p>
+            <a:pPr algn="l"/>
+            <a:r>
+              <a:rPr lang="en-US" sz="1800">
+                <a:sym typeface="Wingdings" pitchFamily="2" charset="2"/>
+              </a:rPr>
+              <a:t>- In the last part of Stream, we will talk about ... result. But first we will need to talk about some other ... methods in ... class</a:t>
+            </a:r>
+          </a:p>
+          <a:p>
+            <a:pPr algn="l"/>
+            <a:r>
+              <a:rPr lang="en-US" sz="1800">
+                <a:sym typeface="Wingdings" pitchFamily="2" charset="2"/>
+              </a:rPr>
+              <a:t>(These methods have been ... for simplicity ...)</a:t>
+            </a:r>
+          </a:p>
+          <a:p>
+            <a:pPr algn="l"/>
+            <a:r>
+              <a:rPr lang="en-US" sz="1800">
+                <a:sym typeface="Wingdings" pitchFamily="2" charset="2"/>
+              </a:rPr>
+              <a:t>- A special .... reduction(). This is used when all ...</a:t>
+            </a:r>
+          </a:p>
+          <a:p>
+            <a:pPr algn="l"/>
+            <a:r>
+              <a:rPr lang="en-US" sz="1800" b="1">
+                <a:sym typeface="Wingdings" pitchFamily="2" charset="2"/>
+              </a:rPr>
+              <a:t>Using Basic Collectors</a:t>
+            </a:r>
+            <a:endParaRPr lang="en-US" sz="1800">
+              <a:sym typeface="Wingdings" pitchFamily="2" charset="2"/>
+            </a:endParaRPr>
+          </a:p>
+          <a:p>
+            <a:pPr algn="l"/>
+            <a:r>
+              <a:rPr lang="en-US" sz="1800" b="1">
+                <a:sym typeface="Wingdings" pitchFamily="2" charset="2"/>
+              </a:rPr>
+              <a:t>joining()</a:t>
+            </a:r>
+            <a:endParaRPr lang="en-US" sz="1800">
+              <a:sym typeface="Wingdings" pitchFamily="2" charset="2"/>
+            </a:endParaRPr>
+          </a:p>
+          <a:p>
+            <a:pPr algn="l"/>
+            <a:r>
+              <a:rPr lang="en-US" sz="1800">
+                <a:sym typeface="Wingdings" pitchFamily="2" charset="2"/>
+              </a:rPr>
+              <a:t>(code illustration snippet 83)</a:t>
+            </a:r>
+          </a:p>
+          <a:p>
+            <a:pPr algn="l"/>
+            <a:r>
+              <a:rPr lang="en-US" sz="1800">
+                <a:sym typeface="Wingdings" pitchFamily="2" charset="2"/>
+              </a:rPr>
+              <a:t>(code illustration snippet 84)</a:t>
+            </a:r>
+          </a:p>
+          <a:p>
+            <a:pPr algn="l"/>
+            <a:r>
+              <a:rPr lang="en-US" sz="1800">
+                <a:sym typeface="Wingdings" pitchFamily="2" charset="2"/>
+              </a:rPr>
+              <a:t>– Enterprise codebase doesn't usually use ... No problem, we can use ... and then ... back</a:t>
+            </a:r>
+          </a:p>
+          <a:p>
+            <a:pPr algn="l"/>
+            <a:r>
+              <a:rPr lang="en-US" sz="1800">
+                <a:sym typeface="Wingdings" pitchFamily="2" charset="2"/>
+              </a:rPr>
+              <a:t>(code illustration snippet 85)</a:t>
+            </a:r>
+          </a:p>
+          <a:p>
+            <a:pPr algn="l"/>
+            <a:r>
+              <a:rPr lang="en-US" sz="1800" b="1">
+                <a:sym typeface="Wingdings" pitchFamily="2" charset="2"/>
+              </a:rPr>
+              <a:t>Collecting into Maps</a:t>
+            </a:r>
+          </a:p>
+          <a:p>
+            <a:pPr algn="l"/>
+            <a:r>
+              <a:rPr lang="en-US" sz="1800">
+                <a:sym typeface="Wingdings" pitchFamily="2" charset="2"/>
+              </a:rPr>
+              <a:t>- Code that relates Collections with ... is usually more ... than ...</a:t>
+            </a:r>
+          </a:p>
+          <a:p>
+            <a:pPr algn="l"/>
+            <a:r>
+              <a:rPr lang="en-US" sz="1800">
+                <a:sym typeface="Wingdings" pitchFamily="2" charset="2"/>
+              </a:rPr>
+              <a:t>(code illustration snippet 86)</a:t>
+            </a:r>
+          </a:p>
+          <a:p>
+            <a:pPr algn="l"/>
+            <a:r>
+              <a:rPr lang="en-US" sz="1800">
+                <a:sym typeface="Wingdings" pitchFamily="2" charset="2"/>
+              </a:rPr>
+              <a:t>- Note: If we want to pass the same ... into ... , we can use Function... However, shorter doesn't mean ... so please ...</a:t>
+            </a:r>
+          </a:p>
+          <a:p>
+            <a:pPr algn="l"/>
+            <a:r>
+              <a:rPr lang="en-US" sz="1800">
+                <a:sym typeface="Wingdings" pitchFamily="2" charset="2"/>
+              </a:rPr>
+              <a:t>(code illustration snippet 87)</a:t>
+            </a:r>
+          </a:p>
+          <a:p>
+            <a:pPr algn="l"/>
+            <a:endParaRPr lang="en-US" sz="1800">
+              <a:sym typeface="Wingdings" pitchFamily="2" charset="2"/>
+            </a:endParaRPr>
+          </a:p>
+        </p:txBody>
+      </p:sp>
+    </p:spTree>
+    <p:extLst>
+      <p:ext uri="{BB962C8B-B14F-4D97-AF65-F5344CB8AC3E}">
+        <p14:creationId xmlns:p14="http://schemas.microsoft.com/office/powerpoint/2010/main" val="2302613966"/>
+      </p:ext>
+    </p:extLst>
+  </p:cSld>
+  <p:clrMapOvr>
+    <a:masterClrMapping/>
+  </p:clrMapOvr>
+  <p:timing>
+    <p:tnLst>
+      <p:par>
+        <p:cTn id="1" dur="indefinite" restart="never" nodeType="tmRoot">
+          <p:childTnLst>
+            <p:seq concurrent="1" nextAc="seek">
+              <p:cTn id="2" dur="indefinite" nodeType="mainSeq">
+                <p:childTnLst>
+                  <p:par>
+                    <p:cTn id="3" fill="hold">
+                      <p:stCondLst>
+                        <p:cond delay="indefinite"/>
+                      </p:stCondLst>
+                      <p:childTnLst>
+                        <p:par>
+                          <p:cTn id="4" fill="hold">
+                            <p:stCondLst>
+                              <p:cond delay="0"/>
+                            </p:stCondLst>
+                            <p:childTnLst>
+                              <p:par>
+                                <p:cTn id="5" presetID="1" presetClass="entr" presetSubtype="0" fill="hold" nodeType="clickEffect">
+                                  <p:stCondLst>
+                                    <p:cond delay="0"/>
+                                  </p:stCondLst>
+                                  <p:childTnLst>
+                                    <p:set>
+                                      <p:cBhvr>
+                                        <p:cTn id="6" dur="1" fill="hold">
+                                          <p:stCondLst>
+                                            <p:cond delay="0"/>
+                                          </p:stCondLst>
+                                        </p:cTn>
+                                        <p:tgtEl>
+                                          <p:spTgt spid="4">
+                                            <p:txEl>
+                                              <p:pRg st="0" end="0"/>
+                                            </p:txEl>
+                                          </p:spTgt>
+                                        </p:tgtEl>
+                                        <p:attrNameLst>
+                                          <p:attrName>style.visibility</p:attrName>
+                                        </p:attrNameLst>
+                                      </p:cBhvr>
+                                      <p:to>
+                                        <p:strVal val="visible"/>
+                                      </p:to>
+                                    </p:set>
+                                  </p:childTnLst>
+                                </p:cTn>
+                              </p:par>
+                            </p:childTnLst>
+                          </p:cTn>
+                        </p:par>
+                      </p:childTnLst>
+                    </p:cTn>
+                  </p:par>
+                  <p:par>
+                    <p:cTn id="7" fill="hold">
+                      <p:stCondLst>
+                        <p:cond delay="indefinite"/>
+                      </p:stCondLst>
+                      <p:childTnLst>
+                        <p:par>
+                          <p:cTn id="8" fill="hold">
+                            <p:stCondLst>
+                              <p:cond delay="0"/>
+                            </p:stCondLst>
+                            <p:childTnLst>
+                              <p:par>
+                                <p:cTn id="9" presetID="1" presetClass="entr" presetSubtype="0" fill="hold" nodeType="clickEffect">
+                                  <p:stCondLst>
+                                    <p:cond delay="0"/>
+                                  </p:stCondLst>
+                                  <p:childTnLst>
+                                    <p:set>
+                                      <p:cBhvr>
+                                        <p:cTn id="10" dur="1" fill="hold">
+                                          <p:stCondLst>
+                                            <p:cond delay="0"/>
+                                          </p:stCondLst>
+                                        </p:cTn>
+                                        <p:tgtEl>
+                                          <p:spTgt spid="4">
+                                            <p:txEl>
+                                              <p:pRg st="1" end="1"/>
+                                            </p:txEl>
+                                          </p:spTgt>
+                                        </p:tgtEl>
+                                        <p:attrNameLst>
+                                          <p:attrName>style.visibility</p:attrName>
+                                        </p:attrNameLst>
+                                      </p:cBhvr>
+                                      <p:to>
+                                        <p:strVal val="visible"/>
+                                      </p:to>
+                                    </p:set>
+                                  </p:childTnLst>
+                                </p:cTn>
+                              </p:par>
+                            </p:childTnLst>
+                          </p:cTn>
+                        </p:par>
+                      </p:childTnLst>
+                    </p:cTn>
+                  </p:par>
+                  <p:par>
+                    <p:cTn id="11" fill="hold">
+                      <p:stCondLst>
+                        <p:cond delay="indefinite"/>
+                      </p:stCondLst>
+                      <p:childTnLst>
+                        <p:par>
+                          <p:cTn id="12" fill="hold">
+                            <p:stCondLst>
+                              <p:cond delay="0"/>
+                            </p:stCondLst>
+                            <p:childTnLst>
+                              <p:par>
+                                <p:cTn id="13" presetID="1" presetClass="entr" presetSubtype="0" fill="hold" nodeType="clickEffect">
+                                  <p:stCondLst>
+                                    <p:cond delay="0"/>
+                                  </p:stCondLst>
+                                  <p:childTnLst>
+                                    <p:set>
+                                      <p:cBhvr>
+                                        <p:cTn id="14" dur="1" fill="hold">
+                                          <p:stCondLst>
+                                            <p:cond delay="0"/>
+                                          </p:stCondLst>
+                                        </p:cTn>
+                                        <p:tgtEl>
+                                          <p:spTgt spid="4">
+                                            <p:txEl>
+                                              <p:pRg st="2" end="2"/>
+                                            </p:txEl>
+                                          </p:spTgt>
+                                        </p:tgtEl>
+                                        <p:attrNameLst>
+                                          <p:attrName>style.visibility</p:attrName>
+                                        </p:attrNameLst>
+                                      </p:cBhvr>
+                                      <p:to>
+                                        <p:strVal val="visible"/>
+                                      </p:to>
+                                    </p:set>
+                                  </p:childTnLst>
+                                </p:cTn>
+                              </p:par>
+                            </p:childTnLst>
+                          </p:cTn>
+                        </p:par>
+                      </p:childTnLst>
+                    </p:cTn>
+                  </p:par>
+                  <p:par>
+                    <p:cTn id="15" fill="hold">
+                      <p:stCondLst>
+                        <p:cond delay="indefinite"/>
+                      </p:stCondLst>
+                      <p:childTnLst>
+                        <p:par>
+                          <p:cTn id="16" fill="hold">
+                            <p:stCondLst>
+                              <p:cond delay="0"/>
+                            </p:stCondLst>
+                            <p:childTnLst>
+                              <p:par>
+                                <p:cTn id="17" presetID="1" presetClass="entr" presetSubtype="0" fill="hold" nodeType="clickEffect">
+                                  <p:stCondLst>
+                                    <p:cond delay="0"/>
+                                  </p:stCondLst>
+                                  <p:childTnLst>
+                                    <p:set>
+                                      <p:cBhvr>
+                                        <p:cTn id="18" dur="1" fill="hold">
+                                          <p:stCondLst>
+                                            <p:cond delay="0"/>
+                                          </p:stCondLst>
+                                        </p:cTn>
+                                        <p:tgtEl>
+                                          <p:spTgt spid="4">
+                                            <p:txEl>
+                                              <p:pRg st="3" end="3"/>
+                                            </p:txEl>
+                                          </p:spTgt>
+                                        </p:tgtEl>
+                                        <p:attrNameLst>
+                                          <p:attrName>style.visibility</p:attrName>
+                                        </p:attrNameLst>
+                                      </p:cBhvr>
+                                      <p:to>
+                                        <p:strVal val="visible"/>
+                                      </p:to>
+                                    </p:set>
+                                  </p:childTnLst>
+                                </p:cTn>
+                              </p:par>
+                            </p:childTnLst>
+                          </p:cTn>
+                        </p:par>
+                      </p:childTnLst>
+                    </p:cTn>
+                  </p:par>
+                  <p:par>
+                    <p:cTn id="19" fill="hold">
+                      <p:stCondLst>
+                        <p:cond delay="indefinite"/>
+                      </p:stCondLst>
+                      <p:childTnLst>
+                        <p:par>
+                          <p:cTn id="20" fill="hold">
+                            <p:stCondLst>
+                              <p:cond delay="0"/>
+                            </p:stCondLst>
+                            <p:childTnLst>
+                              <p:par>
+                                <p:cTn id="21" presetID="1" presetClass="entr" presetSubtype="0" fill="hold" nodeType="clickEffect">
+                                  <p:stCondLst>
+                                    <p:cond delay="0"/>
+                                  </p:stCondLst>
+                                  <p:childTnLst>
+                                    <p:set>
+                                      <p:cBhvr>
+                                        <p:cTn id="22" dur="1" fill="hold">
+                                          <p:stCondLst>
+                                            <p:cond delay="0"/>
+                                          </p:stCondLst>
+                                        </p:cTn>
+                                        <p:tgtEl>
+                                          <p:spTgt spid="4">
+                                            <p:txEl>
+                                              <p:pRg st="4" end="4"/>
+                                            </p:txEl>
+                                          </p:spTgt>
+                                        </p:tgtEl>
+                                        <p:attrNameLst>
+                                          <p:attrName>style.visibility</p:attrName>
+                                        </p:attrNameLst>
+                                      </p:cBhvr>
+                                      <p:to>
+                                        <p:strVal val="visible"/>
+                                      </p:to>
+                                    </p:set>
+                                  </p:childTnLst>
+                                </p:cTn>
+                              </p:par>
+                            </p:childTnLst>
+                          </p:cTn>
+                        </p:par>
+                      </p:childTnLst>
+                    </p:cTn>
+                  </p:par>
+                  <p:par>
+                    <p:cTn id="23" fill="hold">
+                      <p:stCondLst>
+                        <p:cond delay="indefinite"/>
+                      </p:stCondLst>
+                      <p:childTnLst>
+                        <p:par>
+                          <p:cTn id="24" fill="hold">
+                            <p:stCondLst>
+                              <p:cond delay="0"/>
+                            </p:stCondLst>
+                            <p:childTnLst>
+                              <p:par>
+                                <p:cTn id="25" presetID="1" presetClass="entr" presetSubtype="0" fill="hold" nodeType="clickEffect">
+                                  <p:stCondLst>
+                                    <p:cond delay="0"/>
+                                  </p:stCondLst>
+                                  <p:childTnLst>
+                                    <p:set>
+                                      <p:cBhvr>
+                                        <p:cTn id="26" dur="1" fill="hold">
+                                          <p:stCondLst>
+                                            <p:cond delay="0"/>
+                                          </p:stCondLst>
+                                        </p:cTn>
+                                        <p:tgtEl>
+                                          <p:spTgt spid="4">
+                                            <p:txEl>
+                                              <p:pRg st="5" end="5"/>
+                                            </p:txEl>
+                                          </p:spTgt>
+                                        </p:tgtEl>
+                                        <p:attrNameLst>
+                                          <p:attrName>style.visibility</p:attrName>
+                                        </p:attrNameLst>
+                                      </p:cBhvr>
+                                      <p:to>
+                                        <p:strVal val="visible"/>
+                                      </p:to>
+                                    </p:set>
+                                  </p:childTnLst>
+                                </p:cTn>
+                              </p:par>
+                            </p:childTnLst>
+                          </p:cTn>
+                        </p:par>
+                      </p:childTnLst>
+                    </p:cTn>
+                  </p:par>
+                  <p:par>
+                    <p:cTn id="27" fill="hold">
+                      <p:stCondLst>
+                        <p:cond delay="indefinite"/>
+                      </p:stCondLst>
+                      <p:childTnLst>
+                        <p:par>
+                          <p:cTn id="28" fill="hold">
+                            <p:stCondLst>
+                              <p:cond delay="0"/>
+                            </p:stCondLst>
+                            <p:childTnLst>
+                              <p:par>
+                                <p:cTn id="29" presetID="1" presetClass="entr" presetSubtype="0" fill="hold" nodeType="clickEffect">
+                                  <p:stCondLst>
+                                    <p:cond delay="0"/>
+                                  </p:stCondLst>
+                                  <p:childTnLst>
+                                    <p:set>
+                                      <p:cBhvr>
+                                        <p:cTn id="30" dur="1" fill="hold">
+                                          <p:stCondLst>
+                                            <p:cond delay="0"/>
+                                          </p:stCondLst>
+                                        </p:cTn>
+                                        <p:tgtEl>
+                                          <p:spTgt spid="4">
+                                            <p:txEl>
+                                              <p:pRg st="6" end="6"/>
+                                            </p:txEl>
+                                          </p:spTgt>
+                                        </p:tgtEl>
+                                        <p:attrNameLst>
+                                          <p:attrName>style.visibility</p:attrName>
+                                        </p:attrNameLst>
+                                      </p:cBhvr>
+                                      <p:to>
+                                        <p:strVal val="visible"/>
+                                      </p:to>
+                                    </p:set>
+                                  </p:childTnLst>
+                                </p:cTn>
+                              </p:par>
+                            </p:childTnLst>
+                          </p:cTn>
+                        </p:par>
+                      </p:childTnLst>
+                    </p:cTn>
+                  </p:par>
+                  <p:par>
+                    <p:cTn id="31" fill="hold">
+                      <p:stCondLst>
+                        <p:cond delay="indefinite"/>
+                      </p:stCondLst>
+                      <p:childTnLst>
+                        <p:par>
+                          <p:cTn id="32" fill="hold">
+                            <p:stCondLst>
+                              <p:cond delay="0"/>
+                            </p:stCondLst>
+                            <p:childTnLst>
+                              <p:par>
+                                <p:cTn id="33" presetID="1" presetClass="entr" presetSubtype="0" fill="hold" nodeType="clickEffect">
+                                  <p:stCondLst>
+                                    <p:cond delay="0"/>
+                                  </p:stCondLst>
+                                  <p:childTnLst>
+                                    <p:set>
+                                      <p:cBhvr>
+                                        <p:cTn id="34" dur="1" fill="hold">
+                                          <p:stCondLst>
+                                            <p:cond delay="0"/>
+                                          </p:stCondLst>
+                                        </p:cTn>
+                                        <p:tgtEl>
+                                          <p:spTgt spid="4">
+                                            <p:txEl>
+                                              <p:pRg st="7" end="7"/>
+                                            </p:txEl>
+                                          </p:spTgt>
+                                        </p:tgtEl>
+                                        <p:attrNameLst>
+                                          <p:attrName>style.visibility</p:attrName>
+                                        </p:attrNameLst>
+                                      </p:cBhvr>
+                                      <p:to>
+                                        <p:strVal val="visible"/>
+                                      </p:to>
+                                    </p:set>
+                                  </p:childTnLst>
+                                </p:cTn>
+                              </p:par>
+                            </p:childTnLst>
+                          </p:cTn>
+                        </p:par>
+                      </p:childTnLst>
+                    </p:cTn>
+                  </p:par>
+                  <p:par>
+                    <p:cTn id="35" fill="hold">
+                      <p:stCondLst>
+                        <p:cond delay="indefinite"/>
+                      </p:stCondLst>
+                      <p:childTnLst>
+                        <p:par>
+                          <p:cTn id="36" fill="hold">
+                            <p:stCondLst>
+                              <p:cond delay="0"/>
+                            </p:stCondLst>
+                            <p:childTnLst>
+                              <p:par>
+                                <p:cTn id="37" presetID="1" presetClass="entr" presetSubtype="0" fill="hold" nodeType="clickEffect">
+                                  <p:stCondLst>
+                                    <p:cond delay="0"/>
+                                  </p:stCondLst>
+                                  <p:childTnLst>
+                                    <p:set>
+                                      <p:cBhvr>
+                                        <p:cTn id="38" dur="1" fill="hold">
+                                          <p:stCondLst>
+                                            <p:cond delay="0"/>
+                                          </p:stCondLst>
+                                        </p:cTn>
+                                        <p:tgtEl>
+                                          <p:spTgt spid="4">
+                                            <p:txEl>
+                                              <p:pRg st="8" end="8"/>
+                                            </p:txEl>
+                                          </p:spTgt>
+                                        </p:tgtEl>
+                                        <p:attrNameLst>
+                                          <p:attrName>style.visibility</p:attrName>
+                                        </p:attrNameLst>
+                                      </p:cBhvr>
+                                      <p:to>
+                                        <p:strVal val="visible"/>
+                                      </p:to>
+                                    </p:set>
+                                  </p:childTnLst>
+                                </p:cTn>
+                              </p:par>
+                            </p:childTnLst>
+                          </p:cTn>
+                        </p:par>
+                      </p:childTnLst>
+                    </p:cTn>
+                  </p:par>
+                  <p:par>
+                    <p:cTn id="39" fill="hold">
+                      <p:stCondLst>
+                        <p:cond delay="indefinite"/>
+                      </p:stCondLst>
+                      <p:childTnLst>
+                        <p:par>
+                          <p:cTn id="40" fill="hold">
+                            <p:stCondLst>
+                              <p:cond delay="0"/>
+                            </p:stCondLst>
+                            <p:childTnLst>
+                              <p:par>
+                                <p:cTn id="41" presetID="1" presetClass="entr" presetSubtype="0" fill="hold" nodeType="clickEffect">
+                                  <p:stCondLst>
+                                    <p:cond delay="0"/>
+                                  </p:stCondLst>
+                                  <p:childTnLst>
+                                    <p:set>
+                                      <p:cBhvr>
+                                        <p:cTn id="42" dur="1" fill="hold">
+                                          <p:stCondLst>
+                                            <p:cond delay="0"/>
+                                          </p:stCondLst>
+                                        </p:cTn>
+                                        <p:tgtEl>
+                                          <p:spTgt spid="4">
+                                            <p:txEl>
+                                              <p:pRg st="9" end="9"/>
+                                            </p:txEl>
+                                          </p:spTgt>
+                                        </p:tgtEl>
+                                        <p:attrNameLst>
+                                          <p:attrName>style.visibility</p:attrName>
+                                        </p:attrNameLst>
+                                      </p:cBhvr>
+                                      <p:to>
+                                        <p:strVal val="visible"/>
+                                      </p:to>
+                                    </p:set>
+                                  </p:childTnLst>
+                                </p:cTn>
+                              </p:par>
+                            </p:childTnLst>
+                          </p:cTn>
+                        </p:par>
+                      </p:childTnLst>
+                    </p:cTn>
+                  </p:par>
+                  <p:par>
+                    <p:cTn id="43" fill="hold">
+                      <p:stCondLst>
+                        <p:cond delay="indefinite"/>
+                      </p:stCondLst>
+                      <p:childTnLst>
+                        <p:par>
+                          <p:cTn id="44" fill="hold">
+                            <p:stCondLst>
+                              <p:cond delay="0"/>
+                            </p:stCondLst>
+                            <p:childTnLst>
+                              <p:par>
+                                <p:cTn id="45" presetID="1" presetClass="entr" presetSubtype="0" fill="hold" nodeType="clickEffect">
+                                  <p:stCondLst>
+                                    <p:cond delay="0"/>
+                                  </p:stCondLst>
+                                  <p:childTnLst>
+                                    <p:set>
+                                      <p:cBhvr>
+                                        <p:cTn id="46" dur="1" fill="hold">
+                                          <p:stCondLst>
+                                            <p:cond delay="0"/>
+                                          </p:stCondLst>
+                                        </p:cTn>
+                                        <p:tgtEl>
+                                          <p:spTgt spid="4">
+                                            <p:txEl>
+                                              <p:pRg st="10" end="10"/>
+                                            </p:txEl>
+                                          </p:spTgt>
+                                        </p:tgtEl>
+                                        <p:attrNameLst>
+                                          <p:attrName>style.visibility</p:attrName>
+                                        </p:attrNameLst>
+                                      </p:cBhvr>
+                                      <p:to>
+                                        <p:strVal val="visible"/>
+                                      </p:to>
+                                    </p:set>
+                                  </p:childTnLst>
+                                </p:cTn>
+                              </p:par>
+                            </p:childTnLst>
+                          </p:cTn>
+                        </p:par>
+                      </p:childTnLst>
+                    </p:cTn>
+                  </p:par>
+                  <p:par>
+                    <p:cTn id="47" fill="hold">
+                      <p:stCondLst>
+                        <p:cond delay="indefinite"/>
+                      </p:stCondLst>
+                      <p:childTnLst>
+                        <p:par>
+                          <p:cTn id="48" fill="hold">
+                            <p:stCondLst>
+                              <p:cond delay="0"/>
+                            </p:stCondLst>
+                            <p:childTnLst>
+                              <p:par>
+                                <p:cTn id="49" presetID="1" presetClass="entr" presetSubtype="0" fill="hold" nodeType="clickEffect">
+                                  <p:stCondLst>
+                                    <p:cond delay="0"/>
+                                  </p:stCondLst>
+                                  <p:childTnLst>
+                                    <p:set>
+                                      <p:cBhvr>
+                                        <p:cTn id="50" dur="1" fill="hold">
+                                          <p:stCondLst>
+                                            <p:cond delay="0"/>
+                                          </p:stCondLst>
+                                        </p:cTn>
+                                        <p:tgtEl>
+                                          <p:spTgt spid="4">
+                                            <p:txEl>
+                                              <p:pRg st="11" end="11"/>
+                                            </p:txEl>
+                                          </p:spTgt>
+                                        </p:tgtEl>
+                                        <p:attrNameLst>
+                                          <p:attrName>style.visibility</p:attrName>
+                                        </p:attrNameLst>
+                                      </p:cBhvr>
+                                      <p:to>
+                                        <p:strVal val="visible"/>
+                                      </p:to>
+                                    </p:set>
+                                  </p:childTnLst>
+                                </p:cTn>
+                              </p:par>
+                            </p:childTnLst>
+                          </p:cTn>
+                        </p:par>
+                      </p:childTnLst>
+                    </p:cTn>
+                  </p:par>
+                  <p:par>
+                    <p:cTn id="51" fill="hold">
+                      <p:stCondLst>
+                        <p:cond delay="indefinite"/>
+                      </p:stCondLst>
+                      <p:childTnLst>
+                        <p:par>
+                          <p:cTn id="52" fill="hold">
+                            <p:stCondLst>
+                              <p:cond delay="0"/>
+                            </p:stCondLst>
+                            <p:childTnLst>
+                              <p:par>
+                                <p:cTn id="53" presetID="1" presetClass="entr" presetSubtype="0" fill="hold" nodeType="clickEffect">
+                                  <p:stCondLst>
+                                    <p:cond delay="0"/>
+                                  </p:stCondLst>
+                                  <p:childTnLst>
+                                    <p:set>
+                                      <p:cBhvr>
+                                        <p:cTn id="54" dur="1" fill="hold">
+                                          <p:stCondLst>
+                                            <p:cond delay="0"/>
+                                          </p:stCondLst>
+                                        </p:cTn>
+                                        <p:tgtEl>
+                                          <p:spTgt spid="4">
+                                            <p:txEl>
+                                              <p:pRg st="12" end="12"/>
+                                            </p:txEl>
+                                          </p:spTgt>
+                                        </p:tgtEl>
+                                        <p:attrNameLst>
+                                          <p:attrName>style.visibility</p:attrName>
+                                        </p:attrNameLst>
+                                      </p:cBhvr>
+                                      <p:to>
+                                        <p:strVal val="visible"/>
+                                      </p:to>
+                                    </p:set>
+                                  </p:childTnLst>
+                                </p:cTn>
+                              </p:par>
+                            </p:childTnLst>
+                          </p:cTn>
+                        </p:par>
+                      </p:childTnLst>
+                    </p:cTn>
+                  </p:par>
+                  <p:par>
+                    <p:cTn id="55" fill="hold">
+                      <p:stCondLst>
+                        <p:cond delay="indefinite"/>
+                      </p:stCondLst>
+                      <p:childTnLst>
+                        <p:par>
+                          <p:cTn id="56" fill="hold">
+                            <p:stCondLst>
+                              <p:cond delay="0"/>
+                            </p:stCondLst>
+                            <p:childTnLst>
+                              <p:par>
+                                <p:cTn id="57" presetID="1" presetClass="entr" presetSubtype="0" fill="hold" nodeType="clickEffect">
+                                  <p:stCondLst>
+                                    <p:cond delay="0"/>
+                                  </p:stCondLst>
+                                  <p:childTnLst>
+                                    <p:set>
+                                      <p:cBhvr>
+                                        <p:cTn id="58" dur="1" fill="hold">
+                                          <p:stCondLst>
+                                            <p:cond delay="0"/>
+                                          </p:stCondLst>
+                                        </p:cTn>
+                                        <p:tgtEl>
+                                          <p:spTgt spid="4">
+                                            <p:txEl>
+                                              <p:pRg st="13" end="13"/>
+                                            </p:txEl>
+                                          </p:spTgt>
+                                        </p:tgtEl>
+                                        <p:attrNameLst>
+                                          <p:attrName>style.visibility</p:attrName>
+                                        </p:attrNameLst>
+                                      </p:cBhvr>
+                                      <p:to>
+                                        <p:strVal val="visible"/>
+                                      </p:to>
+                                    </p:set>
+                                  </p:childTnLst>
+                                </p:cTn>
+                              </p:par>
+                            </p:childTnLst>
+                          </p:cTn>
+                        </p:par>
+                      </p:childTnLst>
+                    </p:cTn>
+                  </p:par>
+                  <p:par>
+                    <p:cTn id="59" fill="hold">
+                      <p:stCondLst>
+                        <p:cond delay="indefinite"/>
+                      </p:stCondLst>
+                      <p:childTnLst>
+                        <p:par>
+                          <p:cTn id="60" fill="hold">
+                            <p:stCondLst>
+                              <p:cond delay="0"/>
+                            </p:stCondLst>
+                            <p:childTnLst>
+                              <p:par>
+                                <p:cTn id="61" presetID="1" presetClass="entr" presetSubtype="0" fill="hold" nodeType="clickEffect">
+                                  <p:stCondLst>
+                                    <p:cond delay="0"/>
+                                  </p:stCondLst>
+                                  <p:childTnLst>
+                                    <p:set>
+                                      <p:cBhvr>
+                                        <p:cTn id="62" dur="1" fill="hold">
+                                          <p:stCondLst>
+                                            <p:cond delay="0"/>
+                                          </p:stCondLst>
+                                        </p:cTn>
+                                        <p:tgtEl>
+                                          <p:spTgt spid="4">
+                                            <p:txEl>
+                                              <p:pRg st="14" end="14"/>
+                                            </p:txEl>
+                                          </p:spTgt>
+                                        </p:tgtEl>
+                                        <p:attrNameLst>
+                                          <p:attrName>style.visibility</p:attrName>
+                                        </p:attrNameLst>
+                                      </p:cBhvr>
+                                      <p:to>
+                                        <p:strVal val="visible"/>
+                                      </p:to>
+                                    </p:set>
+                                  </p:childTnLst>
+                                </p:cTn>
+                              </p:par>
+                            </p:childTnLst>
+                          </p:cTn>
+                        </p:par>
+                      </p:childTnLst>
+                    </p:cTn>
+                  </p:par>
+                </p:childTnLst>
+              </p:cTn>
+              <p:prevCondLst>
+                <p:cond evt="onPrev" delay="0">
+                  <p:tgtEl>
+                    <p:sldTgt/>
+                  </p:tgtEl>
+                </p:cond>
+              </p:prevCondLst>
+              <p:nextCondLst>
+                <p:cond evt="onNext" delay="0">
+                  <p:tgtEl>
+                    <p:sldTgt/>
+                  </p:tgtEl>
+                </p:cond>
+              </p:nextCondLst>
+            </p:seq>
+          </p:childTnLst>
+        </p:cTn>
+      </p:par>
+    </p:tnLst>
+  </p:timing>
+</p:sld>
+</file>
+
+<file path=ppt/slides/slide41.xml><?xml version="1.0" encoding="utf-8"?>
+<p:sld xmlns:a="http://schemas.openxmlformats.org/drawingml/2006/main" xmlns:r="http://schemas.openxmlformats.org/officeDocument/2006/relationships" xmlns:p="http://schemas.openxmlformats.org/presentationml/2006/main">
+  <p:cSld>
+    <p:spTree>
+      <p:nvGrpSpPr>
+        <p:cNvPr id="1" name="">
+          <a:extLst>
+            <a:ext uri="{FF2B5EF4-FFF2-40B4-BE49-F238E27FC236}">
+              <a16:creationId xmlns:a16="http://schemas.microsoft.com/office/drawing/2014/main" id="{F0F76EDD-05E7-DBF5-3FB0-C25433CCE82F}"/>
+            </a:ext>
+          </a:extLst>
+        </p:cNvPr>
+        <p:cNvGrpSpPr/>
+        <p:nvPr/>
+      </p:nvGrpSpPr>
+      <p:grpSpPr>
+        <a:xfrm>
+          <a:off x="0" y="0"/>
+          <a:ext cx="0" cy="0"/>
+          <a:chOff x="0" y="0"/>
+          <a:chExt cx="0" cy="0"/>
+        </a:xfrm>
+      </p:grpSpPr>
+      <p:sp>
+        <p:nvSpPr>
+          <p:cNvPr id="3" name="Subtitle 2">
+            <a:extLst>
+              <a:ext uri="{FF2B5EF4-FFF2-40B4-BE49-F238E27FC236}">
+                <a16:creationId xmlns:a16="http://schemas.microsoft.com/office/drawing/2014/main" id="{10284A31-16BF-13AC-4112-0E33CF38CB4E}"/>
+              </a:ext>
+            </a:extLst>
+          </p:cNvPr>
+          <p:cNvSpPr>
+            <a:spLocks noGrp="1"/>
+          </p:cNvSpPr>
+          <p:nvPr>
+            <p:ph type="subTitle" idx="1"/>
+          </p:nvPr>
+        </p:nvSpPr>
+        <p:spPr>
+          <a:xfrm>
+            <a:off x="152399" y="217488"/>
+            <a:ext cx="11223171" cy="303212"/>
+          </a:xfrm>
+        </p:spPr>
+        <p:txBody>
+          <a:bodyPr>
+            <a:normAutofit fontScale="92500" lnSpcReduction="20000"/>
+          </a:bodyPr>
+          <a:lstStyle/>
+          <a:p>
+            <a:r>
+              <a:rPr lang="en-US" sz="1800" b="1"/>
+              <a:t>Chapter 10 – Streams</a:t>
+            </a:r>
+          </a:p>
+        </p:txBody>
+      </p:sp>
+      <p:sp>
+        <p:nvSpPr>
+          <p:cNvPr id="4" name="Subtitle 2">
+            <a:extLst>
+              <a:ext uri="{FF2B5EF4-FFF2-40B4-BE49-F238E27FC236}">
+                <a16:creationId xmlns:a16="http://schemas.microsoft.com/office/drawing/2014/main" id="{EC8284B1-48BD-9DDF-C1A9-5158F9F61298}"/>
+              </a:ext>
+            </a:extLst>
+          </p:cNvPr>
+          <p:cNvSpPr txBox="1">
+            <a:spLocks/>
+          </p:cNvSpPr>
+          <p:nvPr/>
+        </p:nvSpPr>
+        <p:spPr>
+          <a:xfrm>
+            <a:off x="0" y="820738"/>
+            <a:ext cx="12192000" cy="6037262"/>
+          </a:xfrm>
+          <a:prstGeom prst="rect">
+            <a:avLst/>
+          </a:prstGeom>
+        </p:spPr>
+        <p:txBody>
+          <a:bodyPr vert="horz" lIns="91440" tIns="45720" rIns="91440" bIns="45720" rtlCol="0">
+            <a:normAutofit/>
+          </a:bodyPr>
+          <a:lstStyle>
+            <a:lvl1pPr marL="0" indent="0" algn="ctr" defTabSz="914400" rtl="0" eaLnBrk="1" latinLnBrk="0" hangingPunct="1">
+              <a:lnSpc>
+                <a:spcPct val="90000"/>
+              </a:lnSpc>
+              <a:spcBef>
+                <a:spcPts val="1000"/>
+              </a:spcBef>
+              <a:buFont typeface="Arial" panose="020B0604020202020204" pitchFamily="34" charset="0"/>
+              <a:buNone/>
+              <a:defRPr sz="2400" kern="1200">
+                <a:solidFill>
+                  <a:schemeClr val="tx1"/>
+                </a:solidFill>
+                <a:latin typeface="+mn-lt"/>
+                <a:ea typeface="+mn-ea"/>
+                <a:cs typeface="+mn-cs"/>
+              </a:defRPr>
+            </a:lvl1pPr>
+            <a:lvl2pPr marL="457200" indent="0" algn="ctr" defTabSz="914400" rtl="0" eaLnBrk="1" latinLnBrk="0" hangingPunct="1">
+              <a:lnSpc>
+                <a:spcPct val="90000"/>
+              </a:lnSpc>
+              <a:spcBef>
+                <a:spcPts val="500"/>
+              </a:spcBef>
+              <a:buFont typeface="Arial" panose="020B0604020202020204" pitchFamily="34" charset="0"/>
+              <a:buNone/>
+              <a:defRPr sz="2000" kern="1200">
+                <a:solidFill>
+                  <a:schemeClr val="tx1"/>
+                </a:solidFill>
+                <a:latin typeface="+mn-lt"/>
+                <a:ea typeface="+mn-ea"/>
+                <a:cs typeface="+mn-cs"/>
+              </a:defRPr>
+            </a:lvl2pPr>
+            <a:lvl3pPr marL="914400" indent="0" algn="ctr" defTabSz="914400" rtl="0" eaLnBrk="1" latinLnBrk="0" hangingPunct="1">
+              <a:lnSpc>
+                <a:spcPct val="90000"/>
+              </a:lnSpc>
+              <a:spcBef>
+                <a:spcPts val="500"/>
+              </a:spcBef>
+              <a:buFont typeface="Arial" panose="020B0604020202020204" pitchFamily="34" charset="0"/>
+              <a:buNone/>
+              <a:defRPr sz="1800" kern="1200">
+                <a:solidFill>
+                  <a:schemeClr val="tx1"/>
+                </a:solidFill>
+                <a:latin typeface="+mn-lt"/>
+                <a:ea typeface="+mn-ea"/>
+                <a:cs typeface="+mn-cs"/>
+              </a:defRPr>
+            </a:lvl3pPr>
+            <a:lvl4pPr marL="1371600" indent="0" algn="ctr" defTabSz="914400" rtl="0" eaLnBrk="1" latinLnBrk="0" hangingPunct="1">
+              <a:lnSpc>
+                <a:spcPct val="90000"/>
+              </a:lnSpc>
+              <a:spcBef>
+                <a:spcPts val="500"/>
+              </a:spcBef>
+              <a:buFont typeface="Arial" panose="020B0604020202020204" pitchFamily="34" charset="0"/>
+              <a:buNone/>
+              <a:defRPr sz="1600" kern="1200">
+                <a:solidFill>
+                  <a:schemeClr val="tx1"/>
+                </a:solidFill>
+                <a:latin typeface="+mn-lt"/>
+                <a:ea typeface="+mn-ea"/>
+                <a:cs typeface="+mn-cs"/>
+              </a:defRPr>
+            </a:lvl4pPr>
+            <a:lvl5pPr marL="1828800" indent="0" algn="ctr" defTabSz="914400" rtl="0" eaLnBrk="1" latinLnBrk="0" hangingPunct="1">
+              <a:lnSpc>
+                <a:spcPct val="90000"/>
+              </a:lnSpc>
+              <a:spcBef>
+                <a:spcPts val="500"/>
+              </a:spcBef>
+              <a:buFont typeface="Arial" panose="020B0604020202020204" pitchFamily="34" charset="0"/>
+              <a:buNone/>
+              <a:defRPr sz="1600" kern="1200">
+                <a:solidFill>
+                  <a:schemeClr val="tx1"/>
+                </a:solidFill>
+                <a:latin typeface="+mn-lt"/>
+                <a:ea typeface="+mn-ea"/>
+                <a:cs typeface="+mn-cs"/>
+              </a:defRPr>
+            </a:lvl5pPr>
+            <a:lvl6pPr marL="2286000" indent="0" algn="ctr" defTabSz="914400" rtl="0" eaLnBrk="1" latinLnBrk="0" hangingPunct="1">
+              <a:lnSpc>
+                <a:spcPct val="90000"/>
+              </a:lnSpc>
+              <a:spcBef>
+                <a:spcPts val="500"/>
+              </a:spcBef>
+              <a:buFont typeface="Arial" panose="020B0604020202020204" pitchFamily="34" charset="0"/>
+              <a:buNone/>
+              <a:defRPr sz="1600" kern="1200">
+                <a:solidFill>
+                  <a:schemeClr val="tx1"/>
+                </a:solidFill>
+                <a:latin typeface="+mn-lt"/>
+                <a:ea typeface="+mn-ea"/>
+                <a:cs typeface="+mn-cs"/>
+              </a:defRPr>
+            </a:lvl6pPr>
+            <a:lvl7pPr marL="2743200" indent="0" algn="ctr" defTabSz="914400" rtl="0" eaLnBrk="1" latinLnBrk="0" hangingPunct="1">
+              <a:lnSpc>
+                <a:spcPct val="90000"/>
+              </a:lnSpc>
+              <a:spcBef>
+                <a:spcPts val="500"/>
+              </a:spcBef>
+              <a:buFont typeface="Arial" panose="020B0604020202020204" pitchFamily="34" charset="0"/>
+              <a:buNone/>
+              <a:defRPr sz="1600" kern="1200">
+                <a:solidFill>
+                  <a:schemeClr val="tx1"/>
+                </a:solidFill>
+                <a:latin typeface="+mn-lt"/>
+                <a:ea typeface="+mn-ea"/>
+                <a:cs typeface="+mn-cs"/>
+              </a:defRPr>
+            </a:lvl7pPr>
+            <a:lvl8pPr marL="3200400" indent="0" algn="ctr" defTabSz="914400" rtl="0" eaLnBrk="1" latinLnBrk="0" hangingPunct="1">
+              <a:lnSpc>
+                <a:spcPct val="90000"/>
+              </a:lnSpc>
+              <a:spcBef>
+                <a:spcPts val="500"/>
+              </a:spcBef>
+              <a:buFont typeface="Arial" panose="020B0604020202020204" pitchFamily="34" charset="0"/>
+              <a:buNone/>
+              <a:defRPr sz="1600" kern="1200">
+                <a:solidFill>
+                  <a:schemeClr val="tx1"/>
+                </a:solidFill>
+                <a:latin typeface="+mn-lt"/>
+                <a:ea typeface="+mn-ea"/>
+                <a:cs typeface="+mn-cs"/>
+              </a:defRPr>
+            </a:lvl8pPr>
+            <a:lvl9pPr marL="3657600" indent="0" algn="ctr" defTabSz="914400" rtl="0" eaLnBrk="1" latinLnBrk="0" hangingPunct="1">
+              <a:lnSpc>
+                <a:spcPct val="90000"/>
+              </a:lnSpc>
+              <a:spcBef>
+                <a:spcPts val="500"/>
+              </a:spcBef>
+              <a:buFont typeface="Arial" panose="020B0604020202020204" pitchFamily="34" charset="0"/>
+              <a:buNone/>
+              <a:defRPr sz="1600" kern="1200">
+                <a:solidFill>
+                  <a:schemeClr val="tx1"/>
+                </a:solidFill>
+                <a:latin typeface="+mn-lt"/>
+                <a:ea typeface="+mn-ea"/>
+                <a:cs typeface="+mn-cs"/>
+              </a:defRPr>
+            </a:lvl9pPr>
+          </a:lstStyle>
+          <a:p>
+            <a:pPr algn="l"/>
+            <a:r>
+              <a:rPr lang="en-US" sz="1800">
+                <a:sym typeface="Wingdings" pitchFamily="2" charset="2"/>
+              </a:rPr>
+              <a:t>(code illustration snippet 88)</a:t>
+            </a:r>
+          </a:p>
+          <a:p>
+            <a:pPr algn="l"/>
+            <a:r>
+              <a:rPr lang="en-US" sz="1800">
+                <a:sym typeface="Wingdings" pitchFamily="2" charset="2"/>
+              </a:rPr>
+              <a:t>- Most of the time, the returned type of .... is ... However, this action is not ...</a:t>
+            </a:r>
+          </a:p>
+          <a:p>
+            <a:pPr algn="l"/>
+            <a:r>
+              <a:rPr lang="en-US" sz="1800">
+                <a:sym typeface="Wingdings" pitchFamily="2" charset="2"/>
+              </a:rPr>
+              <a:t>– We can certainly change this by ...</a:t>
+            </a:r>
+          </a:p>
+          <a:p>
+            <a:pPr algn="l"/>
+            <a:r>
+              <a:rPr lang="en-US" sz="1800">
+                <a:sym typeface="Wingdings" pitchFamily="2" charset="2"/>
+              </a:rPr>
+              <a:t>(code illustration snippet 89)</a:t>
+            </a:r>
+            <a:endParaRPr lang="en-US" sz="1800" b="1">
+              <a:sym typeface="Wingdings" pitchFamily="2" charset="2"/>
+            </a:endParaRPr>
+          </a:p>
+          <a:p>
+            <a:pPr algn="l"/>
+            <a:r>
+              <a:rPr lang="en-US" sz="1800" b="1">
+                <a:sym typeface="Wingdings" pitchFamily="2" charset="2"/>
+              </a:rPr>
+              <a:t>Grouping, Partitioning, and Mapping</a:t>
+            </a:r>
+          </a:p>
+          <a:p>
+            <a:pPr algn="l"/>
+            <a:r>
+              <a:rPr lang="en-US" sz="1800">
+                <a:sym typeface="Wingdings" pitchFamily="2" charset="2"/>
+              </a:rPr>
+              <a:t>- What if we want to ... element according ... length ...</a:t>
+            </a:r>
+          </a:p>
+          <a:p>
+            <a:pPr algn="l"/>
+            <a:r>
+              <a:rPr lang="en-US" sz="1800">
+                <a:sym typeface="Wingdings" pitchFamily="2" charset="2"/>
+              </a:rPr>
+              <a:t>(code illustration snippet 90)</a:t>
+            </a:r>
+          </a:p>
+          <a:p>
+            <a:pPr algn="l"/>
+            <a:r>
+              <a:rPr lang="en-US" sz="1800">
+                <a:sym typeface="Wingdings" pitchFamily="2" charset="2"/>
+              </a:rPr>
+              <a:t>- Note: The function that create ... must not ...because Java doesnt allow ...</a:t>
+            </a:r>
+          </a:p>
+          <a:p>
+            <a:pPr algn="l"/>
+            <a:r>
+              <a:rPr lang="en-US" sz="1800">
+                <a:sym typeface="Wingdings" pitchFamily="2" charset="2"/>
+              </a:rPr>
+              <a:t>- Also, if we don't want a ... to be returned ... we can ... use an optional ...</a:t>
+            </a:r>
+          </a:p>
+          <a:p>
+            <a:pPr algn="l"/>
+            <a:r>
+              <a:rPr lang="en-US" sz="1800">
+                <a:sym typeface="Wingdings" pitchFamily="2" charset="2"/>
+              </a:rPr>
+              <a:t>(code illustration snippet 91, 92)</a:t>
+            </a:r>
+          </a:p>
+          <a:p>
+            <a:pPr algn="l"/>
+            <a:r>
+              <a:rPr lang="en-US" sz="1800">
+                <a:sym typeface="Wingdings" pitchFamily="2" charset="2"/>
+              </a:rPr>
+              <a:t>- If we want to change .. but not the ... inside ...</a:t>
+            </a:r>
+          </a:p>
+          <a:p>
+            <a:pPr algn="l"/>
+            <a:r>
+              <a:rPr lang="en-US" sz="1800">
+                <a:sym typeface="Wingdings" pitchFamily="2" charset="2"/>
+              </a:rPr>
+              <a:t>(code illustration snippet 93)</a:t>
+            </a:r>
+          </a:p>
+          <a:p>
+            <a:pPr algn="l"/>
+            <a:r>
+              <a:rPr lang="en-US" sz="1800">
+                <a:sym typeface="Wingdings" pitchFamily="2" charset="2"/>
+              </a:rPr>
+              <a:t>- Partitioning is ... special ... of ... For partitioning, there are only 2 ... ... and ...</a:t>
+            </a:r>
+          </a:p>
+          <a:p>
+            <a:pPr algn="l"/>
+            <a:r>
+              <a:rPr lang="en-US" sz="1800">
+                <a:sym typeface="Wingdings" pitchFamily="2" charset="2"/>
+              </a:rPr>
+              <a:t>- Partitioning is the same as ...stream into ... pieces </a:t>
+            </a:r>
+          </a:p>
+          <a:p>
+            <a:pPr algn="l"/>
+            <a:r>
+              <a:rPr lang="en-US" sz="1800">
+                <a:sym typeface="Wingdings" pitchFamily="2" charset="2"/>
+              </a:rPr>
+              <a:t>- For example, we have 2 types of ... 1 is ... and 1 is ... =&gt; We can ... Stream base on this ...</a:t>
+            </a:r>
+          </a:p>
+          <a:p>
+            <a:pPr algn="l"/>
+            <a:r>
+              <a:rPr lang="en-US" sz="1800">
+                <a:sym typeface="Wingdings" pitchFamily="2" charset="2"/>
+              </a:rPr>
+              <a:t>(code illustration snippet 94,95)</a:t>
+            </a:r>
+          </a:p>
+        </p:txBody>
+      </p:sp>
+    </p:spTree>
+    <p:extLst>
+      <p:ext uri="{BB962C8B-B14F-4D97-AF65-F5344CB8AC3E}">
+        <p14:creationId xmlns:p14="http://schemas.microsoft.com/office/powerpoint/2010/main" val="3446771301"/>
+      </p:ext>
+    </p:extLst>
+  </p:cSld>
+  <p:clrMapOvr>
+    <a:masterClrMapping/>
+  </p:clrMapOvr>
+  <p:timing>
+    <p:tnLst>
+      <p:par>
+        <p:cTn id="1" dur="indefinite" restart="never" nodeType="tmRoot">
+          <p:childTnLst>
+            <p:seq concurrent="1" nextAc="seek">
+              <p:cTn id="2" dur="indefinite" nodeType="mainSeq">
+                <p:childTnLst>
+                  <p:par>
+                    <p:cTn id="3" fill="hold">
+                      <p:stCondLst>
+                        <p:cond delay="indefinite"/>
+                      </p:stCondLst>
+                      <p:childTnLst>
+                        <p:par>
+                          <p:cTn id="4" fill="hold">
+                            <p:stCondLst>
+                              <p:cond delay="0"/>
+                            </p:stCondLst>
+                            <p:childTnLst>
+                              <p:par>
+                                <p:cTn id="5" presetID="1" presetClass="entr" presetSubtype="0" fill="hold" nodeType="clickEffect">
+                                  <p:stCondLst>
+                                    <p:cond delay="0"/>
+                                  </p:stCondLst>
+                                  <p:childTnLst>
+                                    <p:set>
+                                      <p:cBhvr>
+                                        <p:cTn id="6" dur="1" fill="hold">
+                                          <p:stCondLst>
+                                            <p:cond delay="0"/>
+                                          </p:stCondLst>
+                                        </p:cTn>
+                                        <p:tgtEl>
+                                          <p:spTgt spid="4">
+                                            <p:txEl>
+                                              <p:pRg st="0" end="0"/>
+                                            </p:txEl>
+                                          </p:spTgt>
+                                        </p:tgtEl>
+                                        <p:attrNameLst>
+                                          <p:attrName>style.visibility</p:attrName>
+                                        </p:attrNameLst>
+                                      </p:cBhvr>
+                                      <p:to>
+                                        <p:strVal val="visible"/>
+                                      </p:to>
+                                    </p:set>
+                                  </p:childTnLst>
+                                </p:cTn>
+                              </p:par>
+                            </p:childTnLst>
+                          </p:cTn>
+                        </p:par>
+                      </p:childTnLst>
+                    </p:cTn>
+                  </p:par>
+                  <p:par>
+                    <p:cTn id="7" fill="hold">
+                      <p:stCondLst>
+                        <p:cond delay="indefinite"/>
+                      </p:stCondLst>
+                      <p:childTnLst>
+                        <p:par>
+                          <p:cTn id="8" fill="hold">
+                            <p:stCondLst>
+                              <p:cond delay="0"/>
+                            </p:stCondLst>
+                            <p:childTnLst>
+                              <p:par>
+                                <p:cTn id="9" presetID="1" presetClass="entr" presetSubtype="0" fill="hold" nodeType="clickEffect">
+                                  <p:stCondLst>
+                                    <p:cond delay="0"/>
+                                  </p:stCondLst>
+                                  <p:childTnLst>
+                                    <p:set>
+                                      <p:cBhvr>
+                                        <p:cTn id="10" dur="1" fill="hold">
+                                          <p:stCondLst>
+                                            <p:cond delay="0"/>
+                                          </p:stCondLst>
+                                        </p:cTn>
+                                        <p:tgtEl>
+                                          <p:spTgt spid="4">
+                                            <p:txEl>
+                                              <p:pRg st="1" end="1"/>
+                                            </p:txEl>
+                                          </p:spTgt>
+                                        </p:tgtEl>
+                                        <p:attrNameLst>
+                                          <p:attrName>style.visibility</p:attrName>
+                                        </p:attrNameLst>
+                                      </p:cBhvr>
+                                      <p:to>
+                                        <p:strVal val="visible"/>
+                                      </p:to>
+                                    </p:set>
+                                  </p:childTnLst>
+                                </p:cTn>
+                              </p:par>
+                            </p:childTnLst>
+                          </p:cTn>
+                        </p:par>
+                      </p:childTnLst>
+                    </p:cTn>
+                  </p:par>
+                  <p:par>
+                    <p:cTn id="11" fill="hold">
+                      <p:stCondLst>
+                        <p:cond delay="indefinite"/>
+                      </p:stCondLst>
+                      <p:childTnLst>
+                        <p:par>
+                          <p:cTn id="12" fill="hold">
+                            <p:stCondLst>
+                              <p:cond delay="0"/>
+                            </p:stCondLst>
+                            <p:childTnLst>
+                              <p:par>
+                                <p:cTn id="13" presetID="1" presetClass="entr" presetSubtype="0" fill="hold" nodeType="clickEffect">
+                                  <p:stCondLst>
+                                    <p:cond delay="0"/>
+                                  </p:stCondLst>
+                                  <p:childTnLst>
+                                    <p:set>
+                                      <p:cBhvr>
+                                        <p:cTn id="14" dur="1" fill="hold">
+                                          <p:stCondLst>
+                                            <p:cond delay="0"/>
+                                          </p:stCondLst>
+                                        </p:cTn>
+                                        <p:tgtEl>
+                                          <p:spTgt spid="4">
+                                            <p:txEl>
+                                              <p:pRg st="2" end="2"/>
+                                            </p:txEl>
+                                          </p:spTgt>
+                                        </p:tgtEl>
+                                        <p:attrNameLst>
+                                          <p:attrName>style.visibility</p:attrName>
+                                        </p:attrNameLst>
+                                      </p:cBhvr>
+                                      <p:to>
+                                        <p:strVal val="visible"/>
+                                      </p:to>
+                                    </p:set>
+                                  </p:childTnLst>
+                                </p:cTn>
+                              </p:par>
+                            </p:childTnLst>
+                          </p:cTn>
+                        </p:par>
+                      </p:childTnLst>
+                    </p:cTn>
+                  </p:par>
+                  <p:par>
+                    <p:cTn id="15" fill="hold">
+                      <p:stCondLst>
+                        <p:cond delay="indefinite"/>
+                      </p:stCondLst>
+                      <p:childTnLst>
+                        <p:par>
+                          <p:cTn id="16" fill="hold">
+                            <p:stCondLst>
+                              <p:cond delay="0"/>
+                            </p:stCondLst>
+                            <p:childTnLst>
+                              <p:par>
+                                <p:cTn id="17" presetID="1" presetClass="entr" presetSubtype="0" fill="hold" nodeType="clickEffect">
+                                  <p:stCondLst>
+                                    <p:cond delay="0"/>
+                                  </p:stCondLst>
+                                  <p:childTnLst>
+                                    <p:set>
+                                      <p:cBhvr>
+                                        <p:cTn id="18" dur="1" fill="hold">
+                                          <p:stCondLst>
+                                            <p:cond delay="0"/>
+                                          </p:stCondLst>
+                                        </p:cTn>
+                                        <p:tgtEl>
+                                          <p:spTgt spid="4">
+                                            <p:txEl>
+                                              <p:pRg st="3" end="3"/>
+                                            </p:txEl>
+                                          </p:spTgt>
+                                        </p:tgtEl>
+                                        <p:attrNameLst>
+                                          <p:attrName>style.visibility</p:attrName>
+                                        </p:attrNameLst>
+                                      </p:cBhvr>
+                                      <p:to>
+                                        <p:strVal val="visible"/>
+                                      </p:to>
+                                    </p:set>
+                                  </p:childTnLst>
+                                </p:cTn>
+                              </p:par>
+                            </p:childTnLst>
+                          </p:cTn>
+                        </p:par>
+                      </p:childTnLst>
+                    </p:cTn>
+                  </p:par>
+                  <p:par>
+                    <p:cTn id="19" fill="hold">
+                      <p:stCondLst>
+                        <p:cond delay="indefinite"/>
+                      </p:stCondLst>
+                      <p:childTnLst>
+                        <p:par>
+                          <p:cTn id="20" fill="hold">
+                            <p:stCondLst>
+                              <p:cond delay="0"/>
+                            </p:stCondLst>
+                            <p:childTnLst>
+                              <p:par>
+                                <p:cTn id="21" presetID="1" presetClass="entr" presetSubtype="0" fill="hold" nodeType="clickEffect">
+                                  <p:stCondLst>
+                                    <p:cond delay="0"/>
+                                  </p:stCondLst>
+                                  <p:childTnLst>
+                                    <p:set>
+                                      <p:cBhvr>
+                                        <p:cTn id="22" dur="1" fill="hold">
+                                          <p:stCondLst>
+                                            <p:cond delay="0"/>
+                                          </p:stCondLst>
+                                        </p:cTn>
+                                        <p:tgtEl>
+                                          <p:spTgt spid="4">
+                                            <p:txEl>
+                                              <p:pRg st="4" end="4"/>
+                                            </p:txEl>
+                                          </p:spTgt>
+                                        </p:tgtEl>
+                                        <p:attrNameLst>
+                                          <p:attrName>style.visibility</p:attrName>
+                                        </p:attrNameLst>
+                                      </p:cBhvr>
+                                      <p:to>
+                                        <p:strVal val="visible"/>
+                                      </p:to>
+                                    </p:set>
+                                  </p:childTnLst>
+                                </p:cTn>
+                              </p:par>
+                            </p:childTnLst>
+                          </p:cTn>
+                        </p:par>
+                      </p:childTnLst>
+                    </p:cTn>
+                  </p:par>
+                  <p:par>
+                    <p:cTn id="23" fill="hold">
+                      <p:stCondLst>
+                        <p:cond delay="indefinite"/>
+                      </p:stCondLst>
+                      <p:childTnLst>
+                        <p:par>
+                          <p:cTn id="24" fill="hold">
+                            <p:stCondLst>
+                              <p:cond delay="0"/>
+                            </p:stCondLst>
+                            <p:childTnLst>
+                              <p:par>
+                                <p:cTn id="25" presetID="1" presetClass="entr" presetSubtype="0" fill="hold" nodeType="clickEffect">
+                                  <p:stCondLst>
+                                    <p:cond delay="0"/>
+                                  </p:stCondLst>
+                                  <p:childTnLst>
+                                    <p:set>
+                                      <p:cBhvr>
+                                        <p:cTn id="26" dur="1" fill="hold">
+                                          <p:stCondLst>
+                                            <p:cond delay="0"/>
+                                          </p:stCondLst>
+                                        </p:cTn>
+                                        <p:tgtEl>
+                                          <p:spTgt spid="4">
+                                            <p:txEl>
+                                              <p:pRg st="5" end="5"/>
+                                            </p:txEl>
+                                          </p:spTgt>
+                                        </p:tgtEl>
+                                        <p:attrNameLst>
+                                          <p:attrName>style.visibility</p:attrName>
+                                        </p:attrNameLst>
+                                      </p:cBhvr>
+                                      <p:to>
+                                        <p:strVal val="visible"/>
+                                      </p:to>
+                                    </p:set>
+                                  </p:childTnLst>
+                                </p:cTn>
+                              </p:par>
+                            </p:childTnLst>
+                          </p:cTn>
+                        </p:par>
+                      </p:childTnLst>
+                    </p:cTn>
+                  </p:par>
+                  <p:par>
+                    <p:cTn id="27" fill="hold">
+                      <p:stCondLst>
+                        <p:cond delay="indefinite"/>
+                      </p:stCondLst>
+                      <p:childTnLst>
+                        <p:par>
+                          <p:cTn id="28" fill="hold">
+                            <p:stCondLst>
+                              <p:cond delay="0"/>
+                            </p:stCondLst>
+                            <p:childTnLst>
+                              <p:par>
+                                <p:cTn id="29" presetID="1" presetClass="entr" presetSubtype="0" fill="hold" nodeType="clickEffect">
+                                  <p:stCondLst>
+                                    <p:cond delay="0"/>
+                                  </p:stCondLst>
+                                  <p:childTnLst>
+                                    <p:set>
+                                      <p:cBhvr>
+                                        <p:cTn id="30" dur="1" fill="hold">
+                                          <p:stCondLst>
+                                            <p:cond delay="0"/>
+                                          </p:stCondLst>
+                                        </p:cTn>
+                                        <p:tgtEl>
+                                          <p:spTgt spid="4">
+                                            <p:txEl>
+                                              <p:pRg st="6" end="6"/>
+                                            </p:txEl>
+                                          </p:spTgt>
+                                        </p:tgtEl>
+                                        <p:attrNameLst>
+                                          <p:attrName>style.visibility</p:attrName>
+                                        </p:attrNameLst>
+                                      </p:cBhvr>
+                                      <p:to>
+                                        <p:strVal val="visible"/>
+                                      </p:to>
+                                    </p:set>
+                                  </p:childTnLst>
+                                </p:cTn>
+                              </p:par>
+                            </p:childTnLst>
+                          </p:cTn>
+                        </p:par>
+                      </p:childTnLst>
+                    </p:cTn>
+                  </p:par>
+                  <p:par>
+                    <p:cTn id="31" fill="hold">
+                      <p:stCondLst>
+                        <p:cond delay="indefinite"/>
+                      </p:stCondLst>
+                      <p:childTnLst>
+                        <p:par>
+                          <p:cTn id="32" fill="hold">
+                            <p:stCondLst>
+                              <p:cond delay="0"/>
+                            </p:stCondLst>
+                            <p:childTnLst>
+                              <p:par>
+                                <p:cTn id="33" presetID="1" presetClass="entr" presetSubtype="0" fill="hold" nodeType="clickEffect">
+                                  <p:stCondLst>
+                                    <p:cond delay="0"/>
+                                  </p:stCondLst>
+                                  <p:childTnLst>
+                                    <p:set>
+                                      <p:cBhvr>
+                                        <p:cTn id="34" dur="1" fill="hold">
+                                          <p:stCondLst>
+                                            <p:cond delay="0"/>
+                                          </p:stCondLst>
+                                        </p:cTn>
+                                        <p:tgtEl>
+                                          <p:spTgt spid="4">
+                                            <p:txEl>
+                                              <p:pRg st="7" end="7"/>
+                                            </p:txEl>
+                                          </p:spTgt>
+                                        </p:tgtEl>
+                                        <p:attrNameLst>
+                                          <p:attrName>style.visibility</p:attrName>
+                                        </p:attrNameLst>
+                                      </p:cBhvr>
+                                      <p:to>
+                                        <p:strVal val="visible"/>
+                                      </p:to>
+                                    </p:set>
+                                  </p:childTnLst>
+                                </p:cTn>
+                              </p:par>
+                            </p:childTnLst>
+                          </p:cTn>
+                        </p:par>
+                      </p:childTnLst>
+                    </p:cTn>
+                  </p:par>
+                  <p:par>
+                    <p:cTn id="35" fill="hold">
+                      <p:stCondLst>
+                        <p:cond delay="indefinite"/>
+                      </p:stCondLst>
+                      <p:childTnLst>
+                        <p:par>
+                          <p:cTn id="36" fill="hold">
+                            <p:stCondLst>
+                              <p:cond delay="0"/>
+                            </p:stCondLst>
+                            <p:childTnLst>
+                              <p:par>
+                                <p:cTn id="37" presetID="1" presetClass="entr" presetSubtype="0" fill="hold" nodeType="clickEffect">
+                                  <p:stCondLst>
+                                    <p:cond delay="0"/>
+                                  </p:stCondLst>
+                                  <p:childTnLst>
+                                    <p:set>
+                                      <p:cBhvr>
+                                        <p:cTn id="38" dur="1" fill="hold">
+                                          <p:stCondLst>
+                                            <p:cond delay="0"/>
+                                          </p:stCondLst>
+                                        </p:cTn>
+                                        <p:tgtEl>
+                                          <p:spTgt spid="4">
+                                            <p:txEl>
+                                              <p:pRg st="8" end="8"/>
+                                            </p:txEl>
+                                          </p:spTgt>
+                                        </p:tgtEl>
+                                        <p:attrNameLst>
+                                          <p:attrName>style.visibility</p:attrName>
+                                        </p:attrNameLst>
+                                      </p:cBhvr>
+                                      <p:to>
+                                        <p:strVal val="visible"/>
+                                      </p:to>
+                                    </p:set>
+                                  </p:childTnLst>
+                                </p:cTn>
+                              </p:par>
+                            </p:childTnLst>
+                          </p:cTn>
+                        </p:par>
+                      </p:childTnLst>
+                    </p:cTn>
+                  </p:par>
+                  <p:par>
+                    <p:cTn id="39" fill="hold">
+                      <p:stCondLst>
+                        <p:cond delay="indefinite"/>
+                      </p:stCondLst>
+                      <p:childTnLst>
+                        <p:par>
+                          <p:cTn id="40" fill="hold">
+                            <p:stCondLst>
+                              <p:cond delay="0"/>
+                            </p:stCondLst>
+                            <p:childTnLst>
+                              <p:par>
+                                <p:cTn id="41" presetID="1" presetClass="entr" presetSubtype="0" fill="hold" nodeType="clickEffect">
+                                  <p:stCondLst>
+                                    <p:cond delay="0"/>
+                                  </p:stCondLst>
+                                  <p:childTnLst>
+                                    <p:set>
+                                      <p:cBhvr>
+                                        <p:cTn id="42" dur="1" fill="hold">
+                                          <p:stCondLst>
+                                            <p:cond delay="0"/>
+                                          </p:stCondLst>
+                                        </p:cTn>
+                                        <p:tgtEl>
+                                          <p:spTgt spid="4">
+                                            <p:txEl>
+                                              <p:pRg st="9" end="9"/>
+                                            </p:txEl>
+                                          </p:spTgt>
+                                        </p:tgtEl>
+                                        <p:attrNameLst>
+                                          <p:attrName>style.visibility</p:attrName>
+                                        </p:attrNameLst>
+                                      </p:cBhvr>
+                                      <p:to>
+                                        <p:strVal val="visible"/>
+                                      </p:to>
+                                    </p:set>
+                                  </p:childTnLst>
+                                </p:cTn>
+                              </p:par>
+                            </p:childTnLst>
+                          </p:cTn>
+                        </p:par>
+                      </p:childTnLst>
+                    </p:cTn>
+                  </p:par>
+                  <p:par>
+                    <p:cTn id="43" fill="hold">
+                      <p:stCondLst>
+                        <p:cond delay="indefinite"/>
+                      </p:stCondLst>
+                      <p:childTnLst>
+                        <p:par>
+                          <p:cTn id="44" fill="hold">
+                            <p:stCondLst>
+                              <p:cond delay="0"/>
+                            </p:stCondLst>
+                            <p:childTnLst>
+                              <p:par>
+                                <p:cTn id="45" presetID="1" presetClass="entr" presetSubtype="0" fill="hold" nodeType="clickEffect">
+                                  <p:stCondLst>
+                                    <p:cond delay="0"/>
+                                  </p:stCondLst>
+                                  <p:childTnLst>
+                                    <p:set>
+                                      <p:cBhvr>
+                                        <p:cTn id="46" dur="1" fill="hold">
+                                          <p:stCondLst>
+                                            <p:cond delay="0"/>
+                                          </p:stCondLst>
+                                        </p:cTn>
+                                        <p:tgtEl>
+                                          <p:spTgt spid="4">
+                                            <p:txEl>
+                                              <p:pRg st="10" end="10"/>
+                                            </p:txEl>
+                                          </p:spTgt>
+                                        </p:tgtEl>
+                                        <p:attrNameLst>
+                                          <p:attrName>style.visibility</p:attrName>
+                                        </p:attrNameLst>
+                                      </p:cBhvr>
+                                      <p:to>
+                                        <p:strVal val="visible"/>
+                                      </p:to>
+                                    </p:set>
+                                  </p:childTnLst>
+                                </p:cTn>
+                              </p:par>
+                            </p:childTnLst>
+                          </p:cTn>
+                        </p:par>
+                      </p:childTnLst>
+                    </p:cTn>
+                  </p:par>
+                  <p:par>
+                    <p:cTn id="47" fill="hold">
+                      <p:stCondLst>
+                        <p:cond delay="indefinite"/>
+                      </p:stCondLst>
+                      <p:childTnLst>
+                        <p:par>
+                          <p:cTn id="48" fill="hold">
+                            <p:stCondLst>
+                              <p:cond delay="0"/>
+                            </p:stCondLst>
+                            <p:childTnLst>
+                              <p:par>
+                                <p:cTn id="49" presetID="1" presetClass="entr" presetSubtype="0" fill="hold" nodeType="clickEffect">
+                                  <p:stCondLst>
+                                    <p:cond delay="0"/>
+                                  </p:stCondLst>
+                                  <p:childTnLst>
+                                    <p:set>
+                                      <p:cBhvr>
+                                        <p:cTn id="50" dur="1" fill="hold">
+                                          <p:stCondLst>
+                                            <p:cond delay="0"/>
+                                          </p:stCondLst>
+                                        </p:cTn>
+                                        <p:tgtEl>
+                                          <p:spTgt spid="4">
+                                            <p:txEl>
+                                              <p:pRg st="11" end="11"/>
+                                            </p:txEl>
+                                          </p:spTgt>
+                                        </p:tgtEl>
+                                        <p:attrNameLst>
+                                          <p:attrName>style.visibility</p:attrName>
+                                        </p:attrNameLst>
+                                      </p:cBhvr>
+                                      <p:to>
+                                        <p:strVal val="visible"/>
+                                      </p:to>
+                                    </p:set>
+                                  </p:childTnLst>
+                                </p:cTn>
+                              </p:par>
+                            </p:childTnLst>
+                          </p:cTn>
+                        </p:par>
+                      </p:childTnLst>
+                    </p:cTn>
+                  </p:par>
+                  <p:par>
+                    <p:cTn id="51" fill="hold">
+                      <p:stCondLst>
+                        <p:cond delay="indefinite"/>
+                      </p:stCondLst>
+                      <p:childTnLst>
+                        <p:par>
+                          <p:cTn id="52" fill="hold">
+                            <p:stCondLst>
+                              <p:cond delay="0"/>
+                            </p:stCondLst>
+                            <p:childTnLst>
+                              <p:par>
+                                <p:cTn id="53" presetID="1" presetClass="entr" presetSubtype="0" fill="hold" nodeType="clickEffect">
+                                  <p:stCondLst>
+                                    <p:cond delay="0"/>
+                                  </p:stCondLst>
+                                  <p:childTnLst>
+                                    <p:set>
+                                      <p:cBhvr>
+                                        <p:cTn id="54" dur="1" fill="hold">
+                                          <p:stCondLst>
+                                            <p:cond delay="0"/>
+                                          </p:stCondLst>
+                                        </p:cTn>
+                                        <p:tgtEl>
+                                          <p:spTgt spid="4">
+                                            <p:txEl>
+                                              <p:pRg st="12" end="12"/>
+                                            </p:txEl>
+                                          </p:spTgt>
+                                        </p:tgtEl>
+                                        <p:attrNameLst>
+                                          <p:attrName>style.visibility</p:attrName>
+                                        </p:attrNameLst>
+                                      </p:cBhvr>
+                                      <p:to>
+                                        <p:strVal val="visible"/>
+                                      </p:to>
+                                    </p:set>
+                                  </p:childTnLst>
+                                </p:cTn>
+                              </p:par>
+                            </p:childTnLst>
+                          </p:cTn>
+                        </p:par>
+                      </p:childTnLst>
+                    </p:cTn>
+                  </p:par>
+                  <p:par>
+                    <p:cTn id="55" fill="hold">
+                      <p:stCondLst>
+                        <p:cond delay="indefinite"/>
+                      </p:stCondLst>
+                      <p:childTnLst>
+                        <p:par>
+                          <p:cTn id="56" fill="hold">
+                            <p:stCondLst>
+                              <p:cond delay="0"/>
+                            </p:stCondLst>
+                            <p:childTnLst>
+                              <p:par>
+                                <p:cTn id="57" presetID="1" presetClass="entr" presetSubtype="0" fill="hold" nodeType="clickEffect">
+                                  <p:stCondLst>
+                                    <p:cond delay="0"/>
+                                  </p:stCondLst>
+                                  <p:childTnLst>
+                                    <p:set>
+                                      <p:cBhvr>
+                                        <p:cTn id="58" dur="1" fill="hold">
+                                          <p:stCondLst>
+                                            <p:cond delay="0"/>
+                                          </p:stCondLst>
+                                        </p:cTn>
+                                        <p:tgtEl>
+                                          <p:spTgt spid="4">
+                                            <p:txEl>
+                                              <p:pRg st="13" end="13"/>
+                                            </p:txEl>
+                                          </p:spTgt>
+                                        </p:tgtEl>
+                                        <p:attrNameLst>
+                                          <p:attrName>style.visibility</p:attrName>
+                                        </p:attrNameLst>
+                                      </p:cBhvr>
+                                      <p:to>
+                                        <p:strVal val="visible"/>
+                                      </p:to>
+                                    </p:set>
+                                  </p:childTnLst>
+                                </p:cTn>
+                              </p:par>
+                            </p:childTnLst>
+                          </p:cTn>
+                        </p:par>
+                      </p:childTnLst>
+                    </p:cTn>
+                  </p:par>
+                  <p:par>
+                    <p:cTn id="59" fill="hold">
+                      <p:stCondLst>
+                        <p:cond delay="indefinite"/>
+                      </p:stCondLst>
+                      <p:childTnLst>
+                        <p:par>
+                          <p:cTn id="60" fill="hold">
+                            <p:stCondLst>
+                              <p:cond delay="0"/>
+                            </p:stCondLst>
+                            <p:childTnLst>
+                              <p:par>
+                                <p:cTn id="61" presetID="1" presetClass="entr" presetSubtype="0" fill="hold" nodeType="clickEffect">
+                                  <p:stCondLst>
+                                    <p:cond delay="0"/>
+                                  </p:stCondLst>
+                                  <p:childTnLst>
+                                    <p:set>
+                                      <p:cBhvr>
+                                        <p:cTn id="62" dur="1" fill="hold">
+                                          <p:stCondLst>
+                                            <p:cond delay="0"/>
+                                          </p:stCondLst>
+                                        </p:cTn>
+                                        <p:tgtEl>
+                                          <p:spTgt spid="4">
+                                            <p:txEl>
+                                              <p:pRg st="14" end="14"/>
+                                            </p:txEl>
+                                          </p:spTgt>
+                                        </p:tgtEl>
+                                        <p:attrNameLst>
+                                          <p:attrName>style.visibility</p:attrName>
+                                        </p:attrNameLst>
+                                      </p:cBhvr>
+                                      <p:to>
+                                        <p:strVal val="visible"/>
+                                      </p:to>
+                                    </p:set>
+                                  </p:childTnLst>
+                                </p:cTn>
+                              </p:par>
+                            </p:childTnLst>
+                          </p:cTn>
+                        </p:par>
+                      </p:childTnLst>
+                    </p:cTn>
+                  </p:par>
+                  <p:par>
+                    <p:cTn id="63" fill="hold">
+                      <p:stCondLst>
+                        <p:cond delay="indefinite"/>
+                      </p:stCondLst>
+                      <p:childTnLst>
+                        <p:par>
+                          <p:cTn id="64" fill="hold">
+                            <p:stCondLst>
+                              <p:cond delay="0"/>
+                            </p:stCondLst>
+                            <p:childTnLst>
+                              <p:par>
+                                <p:cTn id="65" presetID="1" presetClass="entr" presetSubtype="0" fill="hold" nodeType="clickEffect">
+                                  <p:stCondLst>
+                                    <p:cond delay="0"/>
+                                  </p:stCondLst>
+                                  <p:childTnLst>
+                                    <p:set>
+                                      <p:cBhvr>
+                                        <p:cTn id="66" dur="1" fill="hold">
+                                          <p:stCondLst>
+                                            <p:cond delay="0"/>
+                                          </p:stCondLst>
+                                        </p:cTn>
+                                        <p:tgtEl>
+                                          <p:spTgt spid="4">
+                                            <p:txEl>
+                                              <p:pRg st="15" end="15"/>
+                                            </p:txEl>
+                                          </p:spTgt>
+                                        </p:tgtEl>
+                                        <p:attrNameLst>
+                                          <p:attrName>style.visibility</p:attrName>
+                                        </p:attrNameLst>
+                                      </p:cBhvr>
+                                      <p:to>
+                                        <p:strVal val="visible"/>
+                                      </p:to>
+                                    </p:set>
+                                  </p:childTnLst>
+                                </p:cTn>
+                              </p:par>
+                            </p:childTnLst>
+                          </p:cTn>
+                        </p:par>
+                      </p:childTnLst>
+                    </p:cTn>
+                  </p:par>
+                </p:childTnLst>
+              </p:cTn>
+              <p:prevCondLst>
+                <p:cond evt="onPrev" delay="0">
+                  <p:tgtEl>
+                    <p:sldTgt/>
+                  </p:tgtEl>
+                </p:cond>
+              </p:prevCondLst>
+              <p:nextCondLst>
+                <p:cond evt="onNext" delay="0">
+                  <p:tgtEl>
+                    <p:sldTgt/>
+                  </p:tgtEl>
+                </p:cond>
+              </p:nextCondLst>
+            </p:seq>
+          </p:childTnLst>
+        </p:cTn>
+      </p:par>
+    </p:tnLst>
+  </p:timing>
+</p:sld>
+</file>
+
+<file path=ppt/slides/slide42.xml><?xml version="1.0" encoding="utf-8"?>
+<p:sld xmlns:a="http://schemas.openxmlformats.org/drawingml/2006/main" xmlns:r="http://schemas.openxmlformats.org/officeDocument/2006/relationships" xmlns:p="http://schemas.openxmlformats.org/presentationml/2006/main">
+  <p:cSld>
+    <p:spTree>
+      <p:nvGrpSpPr>
+        <p:cNvPr id="1" name="">
+          <a:extLst>
+            <a:ext uri="{FF2B5EF4-FFF2-40B4-BE49-F238E27FC236}">
+              <a16:creationId xmlns:a16="http://schemas.microsoft.com/office/drawing/2014/main" id="{29D9F32D-A427-AD55-9E92-EFB711B7F2CD}"/>
+            </a:ext>
+          </a:extLst>
+        </p:cNvPr>
+        <p:cNvGrpSpPr/>
+        <p:nvPr/>
+      </p:nvGrpSpPr>
+      <p:grpSpPr>
+        <a:xfrm>
+          <a:off x="0" y="0"/>
+          <a:ext cx="0" cy="0"/>
+          <a:chOff x="0" y="0"/>
+          <a:chExt cx="0" cy="0"/>
+        </a:xfrm>
+      </p:grpSpPr>
+      <p:sp>
+        <p:nvSpPr>
+          <p:cNvPr id="3" name="Subtitle 2">
+            <a:extLst>
+              <a:ext uri="{FF2B5EF4-FFF2-40B4-BE49-F238E27FC236}">
+                <a16:creationId xmlns:a16="http://schemas.microsoft.com/office/drawing/2014/main" id="{E21D6B68-C183-2C40-4348-7041279C0C84}"/>
+              </a:ext>
+            </a:extLst>
+          </p:cNvPr>
+          <p:cNvSpPr>
+            <a:spLocks noGrp="1"/>
+          </p:cNvSpPr>
+          <p:nvPr>
+            <p:ph type="subTitle" idx="1"/>
+          </p:nvPr>
+        </p:nvSpPr>
+        <p:spPr>
+          <a:xfrm>
+            <a:off x="152399" y="217488"/>
+            <a:ext cx="11223171" cy="303212"/>
+          </a:xfrm>
+        </p:spPr>
+        <p:txBody>
+          <a:bodyPr>
+            <a:normAutofit fontScale="92500" lnSpcReduction="20000"/>
+          </a:bodyPr>
+          <a:lstStyle/>
+          <a:p>
+            <a:r>
+              <a:rPr lang="en-US" sz="1800" b="1"/>
+              <a:t>Chapter 10 – Streams</a:t>
+            </a:r>
+          </a:p>
+        </p:txBody>
+      </p:sp>
+      <p:sp>
+        <p:nvSpPr>
+          <p:cNvPr id="4" name="Subtitle 2">
+            <a:extLst>
+              <a:ext uri="{FF2B5EF4-FFF2-40B4-BE49-F238E27FC236}">
+                <a16:creationId xmlns:a16="http://schemas.microsoft.com/office/drawing/2014/main" id="{77A95032-84A3-6F5B-1A94-46423E5D35EB}"/>
+              </a:ext>
+            </a:extLst>
+          </p:cNvPr>
+          <p:cNvSpPr txBox="1">
+            <a:spLocks/>
+          </p:cNvSpPr>
+          <p:nvPr/>
+        </p:nvSpPr>
+        <p:spPr>
+          <a:xfrm>
+            <a:off x="0" y="820738"/>
+            <a:ext cx="12192000" cy="6037262"/>
+          </a:xfrm>
+          <a:prstGeom prst="rect">
+            <a:avLst/>
+          </a:prstGeom>
+        </p:spPr>
+        <p:txBody>
+          <a:bodyPr vert="horz" lIns="91440" tIns="45720" rIns="91440" bIns="45720" rtlCol="0">
+            <a:normAutofit/>
+          </a:bodyPr>
+          <a:lstStyle>
+            <a:lvl1pPr marL="0" indent="0" algn="ctr" defTabSz="914400" rtl="0" eaLnBrk="1" latinLnBrk="0" hangingPunct="1">
+              <a:lnSpc>
+                <a:spcPct val="90000"/>
+              </a:lnSpc>
+              <a:spcBef>
+                <a:spcPts val="1000"/>
+              </a:spcBef>
+              <a:buFont typeface="Arial" panose="020B0604020202020204" pitchFamily="34" charset="0"/>
+              <a:buNone/>
+              <a:defRPr sz="2400" kern="1200">
+                <a:solidFill>
+                  <a:schemeClr val="tx1"/>
+                </a:solidFill>
+                <a:latin typeface="+mn-lt"/>
+                <a:ea typeface="+mn-ea"/>
+                <a:cs typeface="+mn-cs"/>
+              </a:defRPr>
+            </a:lvl1pPr>
+            <a:lvl2pPr marL="457200" indent="0" algn="ctr" defTabSz="914400" rtl="0" eaLnBrk="1" latinLnBrk="0" hangingPunct="1">
+              <a:lnSpc>
+                <a:spcPct val="90000"/>
+              </a:lnSpc>
+              <a:spcBef>
+                <a:spcPts val="500"/>
+              </a:spcBef>
+              <a:buFont typeface="Arial" panose="020B0604020202020204" pitchFamily="34" charset="0"/>
+              <a:buNone/>
+              <a:defRPr sz="2000" kern="1200">
+                <a:solidFill>
+                  <a:schemeClr val="tx1"/>
+                </a:solidFill>
+                <a:latin typeface="+mn-lt"/>
+                <a:ea typeface="+mn-ea"/>
+                <a:cs typeface="+mn-cs"/>
+              </a:defRPr>
+            </a:lvl2pPr>
+            <a:lvl3pPr marL="914400" indent="0" algn="ctr" defTabSz="914400" rtl="0" eaLnBrk="1" latinLnBrk="0" hangingPunct="1">
+              <a:lnSpc>
+                <a:spcPct val="90000"/>
+              </a:lnSpc>
+              <a:spcBef>
+                <a:spcPts val="500"/>
+              </a:spcBef>
+              <a:buFont typeface="Arial" panose="020B0604020202020204" pitchFamily="34" charset="0"/>
+              <a:buNone/>
+              <a:defRPr sz="1800" kern="1200">
+                <a:solidFill>
+                  <a:schemeClr val="tx1"/>
+                </a:solidFill>
+                <a:latin typeface="+mn-lt"/>
+                <a:ea typeface="+mn-ea"/>
+                <a:cs typeface="+mn-cs"/>
+              </a:defRPr>
+            </a:lvl3pPr>
+            <a:lvl4pPr marL="1371600" indent="0" algn="ctr" defTabSz="914400" rtl="0" eaLnBrk="1" latinLnBrk="0" hangingPunct="1">
+              <a:lnSpc>
+                <a:spcPct val="90000"/>
+              </a:lnSpc>
+              <a:spcBef>
+                <a:spcPts val="500"/>
+              </a:spcBef>
+              <a:buFont typeface="Arial" panose="020B0604020202020204" pitchFamily="34" charset="0"/>
+              <a:buNone/>
+              <a:defRPr sz="1600" kern="1200">
+                <a:solidFill>
+                  <a:schemeClr val="tx1"/>
+                </a:solidFill>
+                <a:latin typeface="+mn-lt"/>
+                <a:ea typeface="+mn-ea"/>
+                <a:cs typeface="+mn-cs"/>
+              </a:defRPr>
+            </a:lvl4pPr>
+            <a:lvl5pPr marL="1828800" indent="0" algn="ctr" defTabSz="914400" rtl="0" eaLnBrk="1" latinLnBrk="0" hangingPunct="1">
+              <a:lnSpc>
+                <a:spcPct val="90000"/>
+              </a:lnSpc>
+              <a:spcBef>
+                <a:spcPts val="500"/>
+              </a:spcBef>
+              <a:buFont typeface="Arial" panose="020B0604020202020204" pitchFamily="34" charset="0"/>
+              <a:buNone/>
+              <a:defRPr sz="1600" kern="1200">
+                <a:solidFill>
+                  <a:schemeClr val="tx1"/>
+                </a:solidFill>
+                <a:latin typeface="+mn-lt"/>
+                <a:ea typeface="+mn-ea"/>
+                <a:cs typeface="+mn-cs"/>
+              </a:defRPr>
+            </a:lvl5pPr>
+            <a:lvl6pPr marL="2286000" indent="0" algn="ctr" defTabSz="914400" rtl="0" eaLnBrk="1" latinLnBrk="0" hangingPunct="1">
+              <a:lnSpc>
+                <a:spcPct val="90000"/>
+              </a:lnSpc>
+              <a:spcBef>
+                <a:spcPts val="500"/>
+              </a:spcBef>
+              <a:buFont typeface="Arial" panose="020B0604020202020204" pitchFamily="34" charset="0"/>
+              <a:buNone/>
+              <a:defRPr sz="1600" kern="1200">
+                <a:solidFill>
+                  <a:schemeClr val="tx1"/>
+                </a:solidFill>
+                <a:latin typeface="+mn-lt"/>
+                <a:ea typeface="+mn-ea"/>
+                <a:cs typeface="+mn-cs"/>
+              </a:defRPr>
+            </a:lvl6pPr>
+            <a:lvl7pPr marL="2743200" indent="0" algn="ctr" defTabSz="914400" rtl="0" eaLnBrk="1" latinLnBrk="0" hangingPunct="1">
+              <a:lnSpc>
+                <a:spcPct val="90000"/>
+              </a:lnSpc>
+              <a:spcBef>
+                <a:spcPts val="500"/>
+              </a:spcBef>
+              <a:buFont typeface="Arial" panose="020B0604020202020204" pitchFamily="34" charset="0"/>
+              <a:buNone/>
+              <a:defRPr sz="1600" kern="1200">
+                <a:solidFill>
+                  <a:schemeClr val="tx1"/>
+                </a:solidFill>
+                <a:latin typeface="+mn-lt"/>
+                <a:ea typeface="+mn-ea"/>
+                <a:cs typeface="+mn-cs"/>
+              </a:defRPr>
+            </a:lvl7pPr>
+            <a:lvl8pPr marL="3200400" indent="0" algn="ctr" defTabSz="914400" rtl="0" eaLnBrk="1" latinLnBrk="0" hangingPunct="1">
+              <a:lnSpc>
+                <a:spcPct val="90000"/>
+              </a:lnSpc>
+              <a:spcBef>
+                <a:spcPts val="500"/>
+              </a:spcBef>
+              <a:buFont typeface="Arial" panose="020B0604020202020204" pitchFamily="34" charset="0"/>
+              <a:buNone/>
+              <a:defRPr sz="1600" kern="1200">
+                <a:solidFill>
+                  <a:schemeClr val="tx1"/>
+                </a:solidFill>
+                <a:latin typeface="+mn-lt"/>
+                <a:ea typeface="+mn-ea"/>
+                <a:cs typeface="+mn-cs"/>
+              </a:defRPr>
+            </a:lvl8pPr>
+            <a:lvl9pPr marL="3657600" indent="0" algn="ctr" defTabSz="914400" rtl="0" eaLnBrk="1" latinLnBrk="0" hangingPunct="1">
+              <a:lnSpc>
+                <a:spcPct val="90000"/>
+              </a:lnSpc>
+              <a:spcBef>
+                <a:spcPts val="500"/>
+              </a:spcBef>
+              <a:buFont typeface="Arial" panose="020B0604020202020204" pitchFamily="34" charset="0"/>
+              <a:buNone/>
+              <a:defRPr sz="1600" kern="1200">
+                <a:solidFill>
+                  <a:schemeClr val="tx1"/>
+                </a:solidFill>
+                <a:latin typeface="+mn-lt"/>
+                <a:ea typeface="+mn-ea"/>
+                <a:cs typeface="+mn-cs"/>
+              </a:defRPr>
+            </a:lvl9pPr>
+          </a:lstStyle>
+          <a:p>
+            <a:pPr algn="l"/>
+            <a:r>
+              <a:rPr lang="en-US" sz="1800">
+                <a:sym typeface="Wingdings" pitchFamily="2" charset="2"/>
+              </a:rPr>
+              <a:t>- Note: In all ... partitioning always has ... ... and ... </a:t>
+            </a:r>
+          </a:p>
+          <a:p>
+            <a:pPr algn="l"/>
+            <a:r>
+              <a:rPr lang="en-US" sz="1800">
+                <a:sym typeface="Wingdings" pitchFamily="2" charset="2"/>
+              </a:rPr>
+              <a:t>(code illustration snippet 96)</a:t>
+            </a:r>
+          </a:p>
+          <a:p>
+            <a:pPr algn="l"/>
+            <a:r>
+              <a:rPr lang="en-US" sz="1800">
+                <a:sym typeface="Wingdings" pitchFamily="2" charset="2"/>
+              </a:rPr>
+              <a:t>- we can't change the type ... in ...</a:t>
+            </a:r>
+          </a:p>
+          <a:p>
+            <a:pPr algn="l"/>
+            <a:r>
+              <a:rPr lang="en-US" sz="1800">
+                <a:sym typeface="Wingdings" pitchFamily="2" charset="2"/>
+              </a:rPr>
+              <a:t>- Other than chaning the ... inside ... we can do other ...</a:t>
+            </a:r>
+          </a:p>
+          <a:p>
+            <a:pPr algn="l"/>
+            <a:r>
+              <a:rPr lang="en-US" sz="1800">
+                <a:sym typeface="Wingdings" pitchFamily="2" charset="2"/>
+              </a:rPr>
+              <a:t>(code illustration snippet 97)</a:t>
+            </a:r>
+          </a:p>
+          <a:p>
+            <a:pPr algn="l"/>
+            <a:r>
+              <a:rPr lang="en-US" sz="1800" b="1">
+                <a:sym typeface="Wingdings" pitchFamily="2" charset="2"/>
+              </a:rPr>
+              <a:t>Debugging Complicated Generics</a:t>
+            </a:r>
+          </a:p>
+          <a:p>
+            <a:pPr algn="l"/>
+            <a:r>
+              <a:rPr lang="en-US" sz="1800">
+                <a:sym typeface="Wingdings" pitchFamily="2" charset="2"/>
+              </a:rPr>
+              <a:t>- When we working with ..., we can see that there are ... layers of complicated ... =&gt; It can be too complicated that the ... error is unread...</a:t>
+            </a:r>
+          </a:p>
+          <a:p>
+            <a:pPr algn="l"/>
+            <a:r>
+              <a:rPr lang="en-US" sz="1800">
+                <a:sym typeface="Wingdings" pitchFamily="2" charset="2"/>
+              </a:rPr>
+              <a:t>- Here are some way to ...</a:t>
+            </a:r>
+          </a:p>
+          <a:p>
+            <a:pPr algn="l"/>
+            <a:r>
+              <a:rPr lang="en-US" sz="1800">
+                <a:sym typeface="Wingdings" pitchFamily="2" charset="2"/>
+              </a:rPr>
+              <a:t>+) Don't add all ... code ...</a:t>
+            </a:r>
+          </a:p>
+          <a:p>
+            <a:pPr algn="l"/>
+            <a:r>
+              <a:rPr lang="en-US" sz="1800">
+                <a:sym typeface="Wingdings" pitchFamily="2" charset="2"/>
+              </a:rPr>
+              <a:t>+) Separate ... statements ...</a:t>
+            </a:r>
+          </a:p>
+          <a:p>
+            <a:pPr algn="l"/>
+            <a:r>
+              <a:rPr lang="en-US" sz="1800">
+                <a:sym typeface="Wingdings" pitchFamily="2" charset="2"/>
+              </a:rPr>
+              <a:t>+) We can use ... generic to determine the ... if it compiles ... then ...</a:t>
+            </a:r>
+          </a:p>
+          <a:p>
+            <a:pPr algn="l"/>
+            <a:r>
+              <a:rPr lang="en-US" sz="1800">
+                <a:sym typeface="Wingdings" pitchFamily="2" charset="2"/>
+              </a:rPr>
+              <a:t>– Back to the ..., the final method ... mapping() </a:t>
+            </a:r>
+          </a:p>
+          <a:p>
+            <a:pPr algn="l"/>
+            <a:r>
+              <a:rPr lang="en-US" sz="1800">
+                <a:sym typeface="Wingdings" pitchFamily="2" charset="2"/>
+              </a:rPr>
+              <a:t>- mapping() adds another ...</a:t>
+            </a:r>
+          </a:p>
+          <a:p>
+            <a:pPr algn="l"/>
+            <a:r>
+              <a:rPr lang="en-US" sz="1800">
+                <a:sym typeface="Wingdings" pitchFamily="2" charset="2"/>
+              </a:rPr>
+              <a:t>(code illustration snippet 98,99) </a:t>
+            </a:r>
+          </a:p>
+        </p:txBody>
+      </p:sp>
+    </p:spTree>
+    <p:extLst>
+      <p:ext uri="{BB962C8B-B14F-4D97-AF65-F5344CB8AC3E}">
+        <p14:creationId xmlns:p14="http://schemas.microsoft.com/office/powerpoint/2010/main" val="1730414504"/>
+      </p:ext>
+    </p:extLst>
+  </p:cSld>
+  <p:clrMapOvr>
+    <a:masterClrMapping/>
+  </p:clrMapOvr>
+  <p:timing>
+    <p:tnLst>
+      <p:par>
+        <p:cTn id="1" dur="indefinite" restart="never" nodeType="tmRoot">
+          <p:childTnLst>
+            <p:seq concurrent="1" nextAc="seek">
+              <p:cTn id="2" dur="indefinite" nodeType="mainSeq">
+                <p:childTnLst>
+                  <p:par>
+                    <p:cTn id="3" fill="hold">
+                      <p:stCondLst>
+                        <p:cond delay="indefinite"/>
+                      </p:stCondLst>
+                      <p:childTnLst>
+                        <p:par>
+                          <p:cTn id="4" fill="hold">
+                            <p:stCondLst>
+                              <p:cond delay="0"/>
+                            </p:stCondLst>
+                            <p:childTnLst>
+                              <p:par>
+                                <p:cTn id="5" presetID="1" presetClass="entr" presetSubtype="0" fill="hold" nodeType="clickEffect">
+                                  <p:stCondLst>
+                                    <p:cond delay="0"/>
+                                  </p:stCondLst>
+                                  <p:childTnLst>
+                                    <p:set>
+                                      <p:cBhvr>
+                                        <p:cTn id="6" dur="1" fill="hold">
+                                          <p:stCondLst>
+                                            <p:cond delay="0"/>
+                                          </p:stCondLst>
+                                        </p:cTn>
+                                        <p:tgtEl>
+                                          <p:spTgt spid="4">
+                                            <p:txEl>
+                                              <p:pRg st="0" end="0"/>
+                                            </p:txEl>
+                                          </p:spTgt>
+                                        </p:tgtEl>
+                                        <p:attrNameLst>
+                                          <p:attrName>style.visibility</p:attrName>
+                                        </p:attrNameLst>
+                                      </p:cBhvr>
+                                      <p:to>
+                                        <p:strVal val="visible"/>
+                                      </p:to>
+                                    </p:set>
+                                  </p:childTnLst>
+                                </p:cTn>
+                              </p:par>
+                            </p:childTnLst>
+                          </p:cTn>
+                        </p:par>
+                      </p:childTnLst>
+                    </p:cTn>
+                  </p:par>
+                  <p:par>
+                    <p:cTn id="7" fill="hold">
+                      <p:stCondLst>
+                        <p:cond delay="indefinite"/>
+                      </p:stCondLst>
+                      <p:childTnLst>
+                        <p:par>
+                          <p:cTn id="8" fill="hold">
+                            <p:stCondLst>
+                              <p:cond delay="0"/>
+                            </p:stCondLst>
+                            <p:childTnLst>
+                              <p:par>
+                                <p:cTn id="9" presetID="1" presetClass="entr" presetSubtype="0" fill="hold" nodeType="clickEffect">
+                                  <p:stCondLst>
+                                    <p:cond delay="0"/>
+                                  </p:stCondLst>
+                                  <p:childTnLst>
+                                    <p:set>
+                                      <p:cBhvr>
+                                        <p:cTn id="10" dur="1" fill="hold">
+                                          <p:stCondLst>
+                                            <p:cond delay="0"/>
+                                          </p:stCondLst>
+                                        </p:cTn>
+                                        <p:tgtEl>
+                                          <p:spTgt spid="4">
+                                            <p:txEl>
+                                              <p:pRg st="1" end="1"/>
+                                            </p:txEl>
+                                          </p:spTgt>
+                                        </p:tgtEl>
+                                        <p:attrNameLst>
+                                          <p:attrName>style.visibility</p:attrName>
+                                        </p:attrNameLst>
+                                      </p:cBhvr>
+                                      <p:to>
+                                        <p:strVal val="visible"/>
+                                      </p:to>
+                                    </p:set>
+                                  </p:childTnLst>
+                                </p:cTn>
+                              </p:par>
+                            </p:childTnLst>
+                          </p:cTn>
+                        </p:par>
+                      </p:childTnLst>
+                    </p:cTn>
+                  </p:par>
+                  <p:par>
+                    <p:cTn id="11" fill="hold">
+                      <p:stCondLst>
+                        <p:cond delay="indefinite"/>
+                      </p:stCondLst>
+                      <p:childTnLst>
+                        <p:par>
+                          <p:cTn id="12" fill="hold">
+                            <p:stCondLst>
+                              <p:cond delay="0"/>
+                            </p:stCondLst>
+                            <p:childTnLst>
+                              <p:par>
+                                <p:cTn id="13" presetID="1" presetClass="entr" presetSubtype="0" fill="hold" nodeType="clickEffect">
+                                  <p:stCondLst>
+                                    <p:cond delay="0"/>
+                                  </p:stCondLst>
+                                  <p:childTnLst>
+                                    <p:set>
+                                      <p:cBhvr>
+                                        <p:cTn id="14" dur="1" fill="hold">
+                                          <p:stCondLst>
+                                            <p:cond delay="0"/>
+                                          </p:stCondLst>
+                                        </p:cTn>
+                                        <p:tgtEl>
+                                          <p:spTgt spid="4">
+                                            <p:txEl>
+                                              <p:pRg st="2" end="2"/>
+                                            </p:txEl>
+                                          </p:spTgt>
+                                        </p:tgtEl>
+                                        <p:attrNameLst>
+                                          <p:attrName>style.visibility</p:attrName>
+                                        </p:attrNameLst>
+                                      </p:cBhvr>
+                                      <p:to>
+                                        <p:strVal val="visible"/>
+                                      </p:to>
+                                    </p:set>
+                                  </p:childTnLst>
+                                </p:cTn>
+                              </p:par>
+                            </p:childTnLst>
+                          </p:cTn>
+                        </p:par>
+                      </p:childTnLst>
+                    </p:cTn>
+                  </p:par>
+                  <p:par>
+                    <p:cTn id="15" fill="hold">
+                      <p:stCondLst>
+                        <p:cond delay="indefinite"/>
+                      </p:stCondLst>
+                      <p:childTnLst>
+                        <p:par>
+                          <p:cTn id="16" fill="hold">
+                            <p:stCondLst>
+                              <p:cond delay="0"/>
+                            </p:stCondLst>
+                            <p:childTnLst>
+                              <p:par>
+                                <p:cTn id="17" presetID="1" presetClass="entr" presetSubtype="0" fill="hold" nodeType="clickEffect">
+                                  <p:stCondLst>
+                                    <p:cond delay="0"/>
+                                  </p:stCondLst>
+                                  <p:childTnLst>
+                                    <p:set>
+                                      <p:cBhvr>
+                                        <p:cTn id="18" dur="1" fill="hold">
+                                          <p:stCondLst>
+                                            <p:cond delay="0"/>
+                                          </p:stCondLst>
+                                        </p:cTn>
+                                        <p:tgtEl>
+                                          <p:spTgt spid="4">
+                                            <p:txEl>
+                                              <p:pRg st="3" end="3"/>
+                                            </p:txEl>
+                                          </p:spTgt>
+                                        </p:tgtEl>
+                                        <p:attrNameLst>
+                                          <p:attrName>style.visibility</p:attrName>
+                                        </p:attrNameLst>
+                                      </p:cBhvr>
+                                      <p:to>
+                                        <p:strVal val="visible"/>
+                                      </p:to>
+                                    </p:set>
+                                  </p:childTnLst>
+                                </p:cTn>
+                              </p:par>
+                            </p:childTnLst>
+                          </p:cTn>
+                        </p:par>
+                      </p:childTnLst>
+                    </p:cTn>
+                  </p:par>
+                  <p:par>
+                    <p:cTn id="19" fill="hold">
+                      <p:stCondLst>
+                        <p:cond delay="indefinite"/>
+                      </p:stCondLst>
+                      <p:childTnLst>
+                        <p:par>
+                          <p:cTn id="20" fill="hold">
+                            <p:stCondLst>
+                              <p:cond delay="0"/>
+                            </p:stCondLst>
+                            <p:childTnLst>
+                              <p:par>
+                                <p:cTn id="21" presetID="1" presetClass="entr" presetSubtype="0" fill="hold" nodeType="clickEffect">
+                                  <p:stCondLst>
+                                    <p:cond delay="0"/>
+                                  </p:stCondLst>
+                                  <p:childTnLst>
+                                    <p:set>
+                                      <p:cBhvr>
+                                        <p:cTn id="22" dur="1" fill="hold">
+                                          <p:stCondLst>
+                                            <p:cond delay="0"/>
+                                          </p:stCondLst>
+                                        </p:cTn>
+                                        <p:tgtEl>
+                                          <p:spTgt spid="4">
+                                            <p:txEl>
+                                              <p:pRg st="4" end="4"/>
+                                            </p:txEl>
+                                          </p:spTgt>
+                                        </p:tgtEl>
+                                        <p:attrNameLst>
+                                          <p:attrName>style.visibility</p:attrName>
+                                        </p:attrNameLst>
+                                      </p:cBhvr>
+                                      <p:to>
+                                        <p:strVal val="visible"/>
+                                      </p:to>
+                                    </p:set>
+                                  </p:childTnLst>
+                                </p:cTn>
+                              </p:par>
+                            </p:childTnLst>
+                          </p:cTn>
+                        </p:par>
+                      </p:childTnLst>
+                    </p:cTn>
+                  </p:par>
+                  <p:par>
+                    <p:cTn id="23" fill="hold">
+                      <p:stCondLst>
+                        <p:cond delay="indefinite"/>
+                      </p:stCondLst>
+                      <p:childTnLst>
+                        <p:par>
+                          <p:cTn id="24" fill="hold">
+                            <p:stCondLst>
+                              <p:cond delay="0"/>
+                            </p:stCondLst>
+                            <p:childTnLst>
+                              <p:par>
+                                <p:cTn id="25" presetID="1" presetClass="entr" presetSubtype="0" fill="hold" nodeType="clickEffect">
+                                  <p:stCondLst>
+                                    <p:cond delay="0"/>
+                                  </p:stCondLst>
+                                  <p:childTnLst>
+                                    <p:set>
+                                      <p:cBhvr>
+                                        <p:cTn id="26" dur="1" fill="hold">
+                                          <p:stCondLst>
+                                            <p:cond delay="0"/>
+                                          </p:stCondLst>
+                                        </p:cTn>
+                                        <p:tgtEl>
+                                          <p:spTgt spid="4">
+                                            <p:txEl>
+                                              <p:pRg st="5" end="5"/>
+                                            </p:txEl>
+                                          </p:spTgt>
+                                        </p:tgtEl>
+                                        <p:attrNameLst>
+                                          <p:attrName>style.visibility</p:attrName>
+                                        </p:attrNameLst>
+                                      </p:cBhvr>
+                                      <p:to>
+                                        <p:strVal val="visible"/>
+                                      </p:to>
+                                    </p:set>
+                                  </p:childTnLst>
+                                </p:cTn>
+                              </p:par>
+                            </p:childTnLst>
+                          </p:cTn>
+                        </p:par>
+                      </p:childTnLst>
+                    </p:cTn>
+                  </p:par>
+                  <p:par>
+                    <p:cTn id="27" fill="hold">
+                      <p:stCondLst>
+                        <p:cond delay="indefinite"/>
+                      </p:stCondLst>
+                      <p:childTnLst>
+                        <p:par>
+                          <p:cTn id="28" fill="hold">
+                            <p:stCondLst>
+                              <p:cond delay="0"/>
+                            </p:stCondLst>
+                            <p:childTnLst>
+                              <p:par>
+                                <p:cTn id="29" presetID="1" presetClass="entr" presetSubtype="0" fill="hold" nodeType="clickEffect">
+                                  <p:stCondLst>
+                                    <p:cond delay="0"/>
+                                  </p:stCondLst>
+                                  <p:childTnLst>
+                                    <p:set>
+                                      <p:cBhvr>
+                                        <p:cTn id="30" dur="1" fill="hold">
+                                          <p:stCondLst>
+                                            <p:cond delay="0"/>
+                                          </p:stCondLst>
+                                        </p:cTn>
+                                        <p:tgtEl>
+                                          <p:spTgt spid="4">
+                                            <p:txEl>
+                                              <p:pRg st="6" end="6"/>
+                                            </p:txEl>
+                                          </p:spTgt>
+                                        </p:tgtEl>
+                                        <p:attrNameLst>
+                                          <p:attrName>style.visibility</p:attrName>
+                                        </p:attrNameLst>
+                                      </p:cBhvr>
+                                      <p:to>
+                                        <p:strVal val="visible"/>
+                                      </p:to>
+                                    </p:set>
+                                  </p:childTnLst>
+                                </p:cTn>
+                              </p:par>
+                            </p:childTnLst>
+                          </p:cTn>
+                        </p:par>
+                      </p:childTnLst>
+                    </p:cTn>
+                  </p:par>
+                  <p:par>
+                    <p:cTn id="31" fill="hold">
+                      <p:stCondLst>
+                        <p:cond delay="indefinite"/>
+                      </p:stCondLst>
+                      <p:childTnLst>
+                        <p:par>
+                          <p:cTn id="32" fill="hold">
+                            <p:stCondLst>
+                              <p:cond delay="0"/>
+                            </p:stCondLst>
+                            <p:childTnLst>
+                              <p:par>
+                                <p:cTn id="33" presetID="1" presetClass="entr" presetSubtype="0" fill="hold" nodeType="clickEffect">
+                                  <p:stCondLst>
+                                    <p:cond delay="0"/>
+                                  </p:stCondLst>
+                                  <p:childTnLst>
+                                    <p:set>
+                                      <p:cBhvr>
+                                        <p:cTn id="34" dur="1" fill="hold">
+                                          <p:stCondLst>
+                                            <p:cond delay="0"/>
+                                          </p:stCondLst>
+                                        </p:cTn>
+                                        <p:tgtEl>
+                                          <p:spTgt spid="4">
+                                            <p:txEl>
+                                              <p:pRg st="7" end="7"/>
+                                            </p:txEl>
+                                          </p:spTgt>
+                                        </p:tgtEl>
+                                        <p:attrNameLst>
+                                          <p:attrName>style.visibility</p:attrName>
+                                        </p:attrNameLst>
+                                      </p:cBhvr>
+                                      <p:to>
+                                        <p:strVal val="visible"/>
+                                      </p:to>
+                                    </p:set>
+                                  </p:childTnLst>
+                                </p:cTn>
+                              </p:par>
+                            </p:childTnLst>
+                          </p:cTn>
+                        </p:par>
+                      </p:childTnLst>
+                    </p:cTn>
+                  </p:par>
+                  <p:par>
+                    <p:cTn id="35" fill="hold">
+                      <p:stCondLst>
+                        <p:cond delay="indefinite"/>
+                      </p:stCondLst>
+                      <p:childTnLst>
+                        <p:par>
+                          <p:cTn id="36" fill="hold">
+                            <p:stCondLst>
+                              <p:cond delay="0"/>
+                            </p:stCondLst>
+                            <p:childTnLst>
+                              <p:par>
+                                <p:cTn id="37" presetID="1" presetClass="entr" presetSubtype="0" fill="hold" nodeType="clickEffect">
+                                  <p:stCondLst>
+                                    <p:cond delay="0"/>
+                                  </p:stCondLst>
+                                  <p:childTnLst>
+                                    <p:set>
+                                      <p:cBhvr>
+                                        <p:cTn id="38" dur="1" fill="hold">
+                                          <p:stCondLst>
+                                            <p:cond delay="0"/>
+                                          </p:stCondLst>
+                                        </p:cTn>
+                                        <p:tgtEl>
+                                          <p:spTgt spid="4">
+                                            <p:txEl>
+                                              <p:pRg st="8" end="8"/>
+                                            </p:txEl>
+                                          </p:spTgt>
+                                        </p:tgtEl>
+                                        <p:attrNameLst>
+                                          <p:attrName>style.visibility</p:attrName>
+                                        </p:attrNameLst>
+                                      </p:cBhvr>
+                                      <p:to>
+                                        <p:strVal val="visible"/>
+                                      </p:to>
+                                    </p:set>
+                                  </p:childTnLst>
+                                </p:cTn>
+                              </p:par>
+                            </p:childTnLst>
+                          </p:cTn>
+                        </p:par>
+                      </p:childTnLst>
+                    </p:cTn>
+                  </p:par>
+                  <p:par>
+                    <p:cTn id="39" fill="hold">
+                      <p:stCondLst>
+                        <p:cond delay="indefinite"/>
+                      </p:stCondLst>
+                      <p:childTnLst>
+                        <p:par>
+                          <p:cTn id="40" fill="hold">
+                            <p:stCondLst>
+                              <p:cond delay="0"/>
+                            </p:stCondLst>
+                            <p:childTnLst>
+                              <p:par>
+                                <p:cTn id="41" presetID="1" presetClass="entr" presetSubtype="0" fill="hold" nodeType="clickEffect">
+                                  <p:stCondLst>
+                                    <p:cond delay="0"/>
+                                  </p:stCondLst>
+                                  <p:childTnLst>
+                                    <p:set>
+                                      <p:cBhvr>
+                                        <p:cTn id="42" dur="1" fill="hold">
+                                          <p:stCondLst>
+                                            <p:cond delay="0"/>
+                                          </p:stCondLst>
+                                        </p:cTn>
+                                        <p:tgtEl>
+                                          <p:spTgt spid="4">
+                                            <p:txEl>
+                                              <p:pRg st="9" end="9"/>
+                                            </p:txEl>
+                                          </p:spTgt>
+                                        </p:tgtEl>
+                                        <p:attrNameLst>
+                                          <p:attrName>style.visibility</p:attrName>
+                                        </p:attrNameLst>
+                                      </p:cBhvr>
+                                      <p:to>
+                                        <p:strVal val="visible"/>
+                                      </p:to>
+                                    </p:set>
+                                  </p:childTnLst>
+                                </p:cTn>
+                              </p:par>
+                            </p:childTnLst>
+                          </p:cTn>
+                        </p:par>
+                      </p:childTnLst>
+                    </p:cTn>
+                  </p:par>
+                  <p:par>
+                    <p:cTn id="43" fill="hold">
+                      <p:stCondLst>
+                        <p:cond delay="indefinite"/>
+                      </p:stCondLst>
+                      <p:childTnLst>
+                        <p:par>
+                          <p:cTn id="44" fill="hold">
+                            <p:stCondLst>
+                              <p:cond delay="0"/>
+                            </p:stCondLst>
+                            <p:childTnLst>
+                              <p:par>
+                                <p:cTn id="45" presetID="1" presetClass="entr" presetSubtype="0" fill="hold" nodeType="clickEffect">
+                                  <p:stCondLst>
+                                    <p:cond delay="0"/>
+                                  </p:stCondLst>
+                                  <p:childTnLst>
+                                    <p:set>
+                                      <p:cBhvr>
+                                        <p:cTn id="46" dur="1" fill="hold">
+                                          <p:stCondLst>
+                                            <p:cond delay="0"/>
+                                          </p:stCondLst>
+                                        </p:cTn>
+                                        <p:tgtEl>
+                                          <p:spTgt spid="4">
+                                            <p:txEl>
+                                              <p:pRg st="10" end="10"/>
+                                            </p:txEl>
+                                          </p:spTgt>
+                                        </p:tgtEl>
+                                        <p:attrNameLst>
+                                          <p:attrName>style.visibility</p:attrName>
+                                        </p:attrNameLst>
+                                      </p:cBhvr>
+                                      <p:to>
+                                        <p:strVal val="visible"/>
+                                      </p:to>
+                                    </p:set>
+                                  </p:childTnLst>
+                                </p:cTn>
+                              </p:par>
+                            </p:childTnLst>
+                          </p:cTn>
+                        </p:par>
+                      </p:childTnLst>
+                    </p:cTn>
+                  </p:par>
+                  <p:par>
+                    <p:cTn id="47" fill="hold">
+                      <p:stCondLst>
+                        <p:cond delay="indefinite"/>
+                      </p:stCondLst>
+                      <p:childTnLst>
+                        <p:par>
+                          <p:cTn id="48" fill="hold">
+                            <p:stCondLst>
+                              <p:cond delay="0"/>
+                            </p:stCondLst>
+                            <p:childTnLst>
+                              <p:par>
+                                <p:cTn id="49" presetID="1" presetClass="entr" presetSubtype="0" fill="hold" nodeType="clickEffect">
+                                  <p:stCondLst>
+                                    <p:cond delay="0"/>
+                                  </p:stCondLst>
+                                  <p:childTnLst>
+                                    <p:set>
+                                      <p:cBhvr>
+                                        <p:cTn id="50" dur="1" fill="hold">
+                                          <p:stCondLst>
+                                            <p:cond delay="0"/>
+                                          </p:stCondLst>
+                                        </p:cTn>
+                                        <p:tgtEl>
+                                          <p:spTgt spid="4">
+                                            <p:txEl>
+                                              <p:pRg st="11" end="11"/>
+                                            </p:txEl>
+                                          </p:spTgt>
+                                        </p:tgtEl>
+                                        <p:attrNameLst>
+                                          <p:attrName>style.visibility</p:attrName>
+                                        </p:attrNameLst>
+                                      </p:cBhvr>
+                                      <p:to>
+                                        <p:strVal val="visible"/>
+                                      </p:to>
+                                    </p:set>
+                                  </p:childTnLst>
+                                </p:cTn>
+                              </p:par>
+                            </p:childTnLst>
+                          </p:cTn>
+                        </p:par>
+                      </p:childTnLst>
+                    </p:cTn>
+                  </p:par>
+                  <p:par>
+                    <p:cTn id="51" fill="hold">
+                      <p:stCondLst>
+                        <p:cond delay="indefinite"/>
+                      </p:stCondLst>
+                      <p:childTnLst>
+                        <p:par>
+                          <p:cTn id="52" fill="hold">
+                            <p:stCondLst>
+                              <p:cond delay="0"/>
+                            </p:stCondLst>
+                            <p:childTnLst>
+                              <p:par>
+                                <p:cTn id="53" presetID="1" presetClass="entr" presetSubtype="0" fill="hold" nodeType="clickEffect">
+                                  <p:stCondLst>
+                                    <p:cond delay="0"/>
+                                  </p:stCondLst>
+                                  <p:childTnLst>
+                                    <p:set>
+                                      <p:cBhvr>
+                                        <p:cTn id="54" dur="1" fill="hold">
+                                          <p:stCondLst>
+                                            <p:cond delay="0"/>
+                                          </p:stCondLst>
+                                        </p:cTn>
+                                        <p:tgtEl>
+                                          <p:spTgt spid="4">
+                                            <p:txEl>
+                                              <p:pRg st="12" end="12"/>
+                                            </p:txEl>
+                                          </p:spTgt>
+                                        </p:tgtEl>
+                                        <p:attrNameLst>
+                                          <p:attrName>style.visibility</p:attrName>
+                                        </p:attrNameLst>
+                                      </p:cBhvr>
+                                      <p:to>
+                                        <p:strVal val="visible"/>
+                                      </p:to>
+                                    </p:set>
+                                  </p:childTnLst>
+                                </p:cTn>
+                              </p:par>
+                            </p:childTnLst>
+                          </p:cTn>
+                        </p:par>
+                      </p:childTnLst>
+                    </p:cTn>
+                  </p:par>
+                  <p:par>
+                    <p:cTn id="55" fill="hold">
+                      <p:stCondLst>
+                        <p:cond delay="indefinite"/>
+                      </p:stCondLst>
+                      <p:childTnLst>
+                        <p:par>
+                          <p:cTn id="56" fill="hold">
+                            <p:stCondLst>
+                              <p:cond delay="0"/>
+                            </p:stCondLst>
+                            <p:childTnLst>
+                              <p:par>
+                                <p:cTn id="57" presetID="1" presetClass="entr" presetSubtype="0" fill="hold" nodeType="clickEffect">
+                                  <p:stCondLst>
+                                    <p:cond delay="0"/>
+                                  </p:stCondLst>
+                                  <p:childTnLst>
+                                    <p:set>
+                                      <p:cBhvr>
+                                        <p:cTn id="58" dur="1" fill="hold">
+                                          <p:stCondLst>
+                                            <p:cond delay="0"/>
+                                          </p:stCondLst>
+                                        </p:cTn>
+                                        <p:tgtEl>
+                                          <p:spTgt spid="4">
+                                            <p:txEl>
+                                              <p:pRg st="13" end="13"/>
+                                            </p:txEl>
+                                          </p:spTgt>
+                                        </p:tgtEl>
+                                        <p:attrNameLst>
+                                          <p:attrName>style.visibility</p:attrName>
+                                        </p:attrNameLst>
+                                      </p:cBhvr>
+                                      <p:to>
+                                        <p:strVal val="visible"/>
+                                      </p:to>
+                                    </p:set>
+                                  </p:childTnLst>
+                                </p:cTn>
+                              </p:par>
+                            </p:childTnLst>
+                          </p:cTn>
+                        </p:par>
+                      </p:childTnLst>
+                    </p:cTn>
+                  </p:par>
+                </p:childTnLst>
+              </p:cTn>
+              <p:prevCondLst>
+                <p:cond evt="onPrev" delay="0">
+                  <p:tgtEl>
+                    <p:sldTgt/>
+                  </p:tgtEl>
+                </p:cond>
+              </p:prevCondLst>
+              <p:nextCondLst>
+                <p:cond evt="onNext" delay="0">
+                  <p:tgtEl>
+                    <p:sldTgt/>
+                  </p:tgtEl>
+                </p:cond>
+              </p:nextCondLst>
+            </p:seq>
+          </p:childTnLst>
+        </p:cTn>
+      </p:par>
+    </p:tnLst>
+  </p:timing>
+</p:sld>
+</file>
+
+<file path=ppt/slides/slide43.xml><?xml version="1.0" encoding="utf-8"?>
+<p:sld xmlns:a="http://schemas.openxmlformats.org/drawingml/2006/main" xmlns:r="http://schemas.openxmlformats.org/officeDocument/2006/relationships" xmlns:p="http://schemas.openxmlformats.org/presentationml/2006/main">
+  <p:cSld>
+    <p:spTree>
+      <p:nvGrpSpPr>
+        <p:cNvPr id="1" name="">
+          <a:extLst>
+            <a:ext uri="{FF2B5EF4-FFF2-40B4-BE49-F238E27FC236}">
+              <a16:creationId xmlns:a16="http://schemas.microsoft.com/office/drawing/2014/main" id="{615CB34A-868C-DE18-C784-F2DFEC8051EE}"/>
+            </a:ext>
+          </a:extLst>
+        </p:cNvPr>
+        <p:cNvGrpSpPr/>
+        <p:nvPr/>
+      </p:nvGrpSpPr>
+      <p:grpSpPr>
+        <a:xfrm>
+          <a:off x="0" y="0"/>
+          <a:ext cx="0" cy="0"/>
+          <a:chOff x="0" y="0"/>
+          <a:chExt cx="0" cy="0"/>
+        </a:xfrm>
+      </p:grpSpPr>
+      <p:sp>
+        <p:nvSpPr>
+          <p:cNvPr id="3" name="Subtitle 2">
+            <a:extLst>
+              <a:ext uri="{FF2B5EF4-FFF2-40B4-BE49-F238E27FC236}">
+                <a16:creationId xmlns:a16="http://schemas.microsoft.com/office/drawing/2014/main" id="{8ABAC1F4-307E-1A40-B89F-4CE0324C6F2C}"/>
+              </a:ext>
+            </a:extLst>
+          </p:cNvPr>
+          <p:cNvSpPr>
+            <a:spLocks noGrp="1"/>
+          </p:cNvSpPr>
+          <p:nvPr>
+            <p:ph type="subTitle" idx="1"/>
+          </p:nvPr>
+        </p:nvSpPr>
+        <p:spPr>
+          <a:xfrm>
+            <a:off x="152399" y="217488"/>
+            <a:ext cx="11223171" cy="303212"/>
+          </a:xfrm>
+        </p:spPr>
+        <p:txBody>
+          <a:bodyPr>
+            <a:normAutofit fontScale="92500" lnSpcReduction="20000"/>
+          </a:bodyPr>
+          <a:lstStyle/>
+          <a:p>
+            <a:r>
+              <a:rPr lang="en-US" sz="1800" b="1"/>
+              <a:t>Chapter 10 – Streams</a:t>
+            </a:r>
+          </a:p>
+        </p:txBody>
+      </p:sp>
+      <p:sp>
+        <p:nvSpPr>
+          <p:cNvPr id="4" name="Subtitle 2">
+            <a:extLst>
+              <a:ext uri="{FF2B5EF4-FFF2-40B4-BE49-F238E27FC236}">
+                <a16:creationId xmlns:a16="http://schemas.microsoft.com/office/drawing/2014/main" id="{6B4E452F-1A51-AB6F-5E8D-AE60DC955CE2}"/>
+              </a:ext>
+            </a:extLst>
+          </p:cNvPr>
+          <p:cNvSpPr txBox="1">
+            <a:spLocks/>
+          </p:cNvSpPr>
+          <p:nvPr/>
+        </p:nvSpPr>
+        <p:spPr>
+          <a:xfrm>
+            <a:off x="0" y="820738"/>
+            <a:ext cx="12192000" cy="6037262"/>
+          </a:xfrm>
+          <a:prstGeom prst="rect">
+            <a:avLst/>
+          </a:prstGeom>
+        </p:spPr>
+        <p:txBody>
+          <a:bodyPr vert="horz" lIns="91440" tIns="45720" rIns="91440" bIns="45720" rtlCol="0">
+            <a:normAutofit/>
+          </a:bodyPr>
+          <a:lstStyle>
+            <a:lvl1pPr marL="0" indent="0" algn="ctr" defTabSz="914400" rtl="0" eaLnBrk="1" latinLnBrk="0" hangingPunct="1">
+              <a:lnSpc>
+                <a:spcPct val="90000"/>
+              </a:lnSpc>
+              <a:spcBef>
+                <a:spcPts val="1000"/>
+              </a:spcBef>
+              <a:buFont typeface="Arial" panose="020B0604020202020204" pitchFamily="34" charset="0"/>
+              <a:buNone/>
+              <a:defRPr sz="2400" kern="1200">
+                <a:solidFill>
+                  <a:schemeClr val="tx1"/>
+                </a:solidFill>
+                <a:latin typeface="+mn-lt"/>
+                <a:ea typeface="+mn-ea"/>
+                <a:cs typeface="+mn-cs"/>
+              </a:defRPr>
+            </a:lvl1pPr>
+            <a:lvl2pPr marL="457200" indent="0" algn="ctr" defTabSz="914400" rtl="0" eaLnBrk="1" latinLnBrk="0" hangingPunct="1">
+              <a:lnSpc>
+                <a:spcPct val="90000"/>
+              </a:lnSpc>
+              <a:spcBef>
+                <a:spcPts val="500"/>
+              </a:spcBef>
+              <a:buFont typeface="Arial" panose="020B0604020202020204" pitchFamily="34" charset="0"/>
+              <a:buNone/>
+              <a:defRPr sz="2000" kern="1200">
+                <a:solidFill>
+                  <a:schemeClr val="tx1"/>
+                </a:solidFill>
+                <a:latin typeface="+mn-lt"/>
+                <a:ea typeface="+mn-ea"/>
+                <a:cs typeface="+mn-cs"/>
+              </a:defRPr>
+            </a:lvl2pPr>
+            <a:lvl3pPr marL="914400" indent="0" algn="ctr" defTabSz="914400" rtl="0" eaLnBrk="1" latinLnBrk="0" hangingPunct="1">
+              <a:lnSpc>
+                <a:spcPct val="90000"/>
+              </a:lnSpc>
+              <a:spcBef>
+                <a:spcPts val="500"/>
+              </a:spcBef>
+              <a:buFont typeface="Arial" panose="020B0604020202020204" pitchFamily="34" charset="0"/>
+              <a:buNone/>
+              <a:defRPr sz="1800" kern="1200">
+                <a:solidFill>
+                  <a:schemeClr val="tx1"/>
+                </a:solidFill>
+                <a:latin typeface="+mn-lt"/>
+                <a:ea typeface="+mn-ea"/>
+                <a:cs typeface="+mn-cs"/>
+              </a:defRPr>
+            </a:lvl3pPr>
+            <a:lvl4pPr marL="1371600" indent="0" algn="ctr" defTabSz="914400" rtl="0" eaLnBrk="1" latinLnBrk="0" hangingPunct="1">
+              <a:lnSpc>
+                <a:spcPct val="90000"/>
+              </a:lnSpc>
+              <a:spcBef>
+                <a:spcPts val="500"/>
+              </a:spcBef>
+              <a:buFont typeface="Arial" panose="020B0604020202020204" pitchFamily="34" charset="0"/>
+              <a:buNone/>
+              <a:defRPr sz="1600" kern="1200">
+                <a:solidFill>
+                  <a:schemeClr val="tx1"/>
+                </a:solidFill>
+                <a:latin typeface="+mn-lt"/>
+                <a:ea typeface="+mn-ea"/>
+                <a:cs typeface="+mn-cs"/>
+              </a:defRPr>
+            </a:lvl4pPr>
+            <a:lvl5pPr marL="1828800" indent="0" algn="ctr" defTabSz="914400" rtl="0" eaLnBrk="1" latinLnBrk="0" hangingPunct="1">
+              <a:lnSpc>
+                <a:spcPct val="90000"/>
+              </a:lnSpc>
+              <a:spcBef>
+                <a:spcPts val="500"/>
+              </a:spcBef>
+              <a:buFont typeface="Arial" panose="020B0604020202020204" pitchFamily="34" charset="0"/>
+              <a:buNone/>
+              <a:defRPr sz="1600" kern="1200">
+                <a:solidFill>
+                  <a:schemeClr val="tx1"/>
+                </a:solidFill>
+                <a:latin typeface="+mn-lt"/>
+                <a:ea typeface="+mn-ea"/>
+                <a:cs typeface="+mn-cs"/>
+              </a:defRPr>
+            </a:lvl5pPr>
+            <a:lvl6pPr marL="2286000" indent="0" algn="ctr" defTabSz="914400" rtl="0" eaLnBrk="1" latinLnBrk="0" hangingPunct="1">
+              <a:lnSpc>
+                <a:spcPct val="90000"/>
+              </a:lnSpc>
+              <a:spcBef>
+                <a:spcPts val="500"/>
+              </a:spcBef>
+              <a:buFont typeface="Arial" panose="020B0604020202020204" pitchFamily="34" charset="0"/>
+              <a:buNone/>
+              <a:defRPr sz="1600" kern="1200">
+                <a:solidFill>
+                  <a:schemeClr val="tx1"/>
+                </a:solidFill>
+                <a:latin typeface="+mn-lt"/>
+                <a:ea typeface="+mn-ea"/>
+                <a:cs typeface="+mn-cs"/>
+              </a:defRPr>
+            </a:lvl6pPr>
+            <a:lvl7pPr marL="2743200" indent="0" algn="ctr" defTabSz="914400" rtl="0" eaLnBrk="1" latinLnBrk="0" hangingPunct="1">
+              <a:lnSpc>
+                <a:spcPct val="90000"/>
+              </a:lnSpc>
+              <a:spcBef>
+                <a:spcPts val="500"/>
+              </a:spcBef>
+              <a:buFont typeface="Arial" panose="020B0604020202020204" pitchFamily="34" charset="0"/>
+              <a:buNone/>
+              <a:defRPr sz="1600" kern="1200">
+                <a:solidFill>
+                  <a:schemeClr val="tx1"/>
+                </a:solidFill>
+                <a:latin typeface="+mn-lt"/>
+                <a:ea typeface="+mn-ea"/>
+                <a:cs typeface="+mn-cs"/>
+              </a:defRPr>
+            </a:lvl7pPr>
+            <a:lvl8pPr marL="3200400" indent="0" algn="ctr" defTabSz="914400" rtl="0" eaLnBrk="1" latinLnBrk="0" hangingPunct="1">
+              <a:lnSpc>
+                <a:spcPct val="90000"/>
+              </a:lnSpc>
+              <a:spcBef>
+                <a:spcPts val="500"/>
+              </a:spcBef>
+              <a:buFont typeface="Arial" panose="020B0604020202020204" pitchFamily="34" charset="0"/>
+              <a:buNone/>
+              <a:defRPr sz="1600" kern="1200">
+                <a:solidFill>
+                  <a:schemeClr val="tx1"/>
+                </a:solidFill>
+                <a:latin typeface="+mn-lt"/>
+                <a:ea typeface="+mn-ea"/>
+                <a:cs typeface="+mn-cs"/>
+              </a:defRPr>
+            </a:lvl8pPr>
+            <a:lvl9pPr marL="3657600" indent="0" algn="ctr" defTabSz="914400" rtl="0" eaLnBrk="1" latinLnBrk="0" hangingPunct="1">
+              <a:lnSpc>
+                <a:spcPct val="90000"/>
+              </a:lnSpc>
+              <a:spcBef>
+                <a:spcPts val="500"/>
+              </a:spcBef>
+              <a:buFont typeface="Arial" panose="020B0604020202020204" pitchFamily="34" charset="0"/>
+              <a:buNone/>
+              <a:defRPr sz="1600" kern="1200">
+                <a:solidFill>
+                  <a:schemeClr val="tx1"/>
+                </a:solidFill>
+                <a:latin typeface="+mn-lt"/>
+                <a:ea typeface="+mn-ea"/>
+                <a:cs typeface="+mn-cs"/>
+              </a:defRPr>
+            </a:lvl9pPr>
+          </a:lstStyle>
+          <a:p>
+            <a:pPr algn="l"/>
+            <a:r>
+              <a:rPr lang="en-US" sz="1800" b="1">
+                <a:sym typeface="Wingdings" pitchFamily="2" charset="2"/>
+              </a:rPr>
+              <a:t>Teeing Collectors</a:t>
+            </a:r>
+          </a:p>
+          <a:p>
+            <a:pPr algn="l"/>
+            <a:r>
+              <a:rPr lang="en-US" sz="1800">
+                <a:sym typeface="Wingdings" pitchFamily="2" charset="2"/>
+              </a:rPr>
+              <a:t>- What if we want to return ... at once ? This is a hard ... with Stream because we can't ... once it is ...</a:t>
+            </a:r>
+          </a:p>
+          <a:p>
+            <a:pPr algn="l"/>
+            <a:r>
+              <a:rPr lang="en-US" sz="1800">
+                <a:sym typeface="Wingdings" pitchFamily="2" charset="2"/>
+              </a:rPr>
+              <a:t>– SummaryStatistic is ... but not ... for us ...</a:t>
+            </a:r>
+          </a:p>
+          <a:p>
+            <a:pPr algn="l"/>
+            <a:r>
+              <a:rPr lang="en-US" sz="1800">
+                <a:sym typeface="Wingdings" pitchFamily="2" charset="2"/>
+              </a:rPr>
+              <a:t>– ... teeing() ... works for .. multiple ...</a:t>
+            </a:r>
+          </a:p>
+          <a:p>
+            <a:pPr algn="l"/>
+            <a:r>
+              <a:rPr lang="en-US" sz="1800">
+                <a:sym typeface="Wingdings" pitchFamily="2" charset="2"/>
+              </a:rPr>
+              <a:t>(code illustration snippet 100)</a:t>
+            </a:r>
+          </a:p>
+          <a:p>
+            <a:pPr algn="l"/>
+            <a:r>
+              <a:rPr lang="en-US" sz="1800">
+                <a:sym typeface="Wingdings" pitchFamily="2" charset="2"/>
+              </a:rPr>
+              <a:t>- This code uses ... collectors, ... for ... and ... for</a:t>
+            </a:r>
+          </a:p>
+          <a:p>
+            <a:pPr algn="l"/>
+            <a:endParaRPr lang="en-US" sz="1800">
+              <a:sym typeface="Wingdings" pitchFamily="2" charset="2"/>
+            </a:endParaRPr>
+          </a:p>
+        </p:txBody>
+      </p:sp>
+    </p:spTree>
+    <p:extLst>
+      <p:ext uri="{BB962C8B-B14F-4D97-AF65-F5344CB8AC3E}">
+        <p14:creationId xmlns:p14="http://schemas.microsoft.com/office/powerpoint/2010/main" val="3397650580"/>
+      </p:ext>
+    </p:extLst>
+  </p:cSld>
+  <p:clrMapOvr>
+    <a:masterClrMapping/>
+  </p:clrMapOvr>
+  <p:timing>
+    <p:tnLst>
+      <p:par>
+        <p:cTn id="1" dur="indefinite" restart="never" nodeType="tmRoot">
+          <p:childTnLst>
+            <p:seq concurrent="1" nextAc="seek">
+              <p:cTn id="2" dur="indefinite" nodeType="mainSeq">
+                <p:childTnLst>
+                  <p:par>
+                    <p:cTn id="3" fill="hold">
+                      <p:stCondLst>
+                        <p:cond delay="indefinite"/>
+                      </p:stCondLst>
+                      <p:childTnLst>
+                        <p:par>
+                          <p:cTn id="4" fill="hold">
+                            <p:stCondLst>
+                              <p:cond delay="0"/>
+                            </p:stCondLst>
+                            <p:childTnLst>
+                              <p:par>
+                                <p:cTn id="5" presetID="1" presetClass="entr" presetSubtype="0" fill="hold" nodeType="clickEffect">
+                                  <p:stCondLst>
+                                    <p:cond delay="0"/>
+                                  </p:stCondLst>
+                                  <p:childTnLst>
+                                    <p:set>
+                                      <p:cBhvr>
+                                        <p:cTn id="6" dur="1" fill="hold">
+                                          <p:stCondLst>
+                                            <p:cond delay="0"/>
+                                          </p:stCondLst>
+                                        </p:cTn>
+                                        <p:tgtEl>
+                                          <p:spTgt spid="4">
+                                            <p:txEl>
+                                              <p:pRg st="0" end="0"/>
+                                            </p:txEl>
+                                          </p:spTgt>
+                                        </p:tgtEl>
+                                        <p:attrNameLst>
+                                          <p:attrName>style.visibility</p:attrName>
+                                        </p:attrNameLst>
+                                      </p:cBhvr>
+                                      <p:to>
+                                        <p:strVal val="visible"/>
+                                      </p:to>
+                                    </p:set>
+                                  </p:childTnLst>
+                                </p:cTn>
+                              </p:par>
+                            </p:childTnLst>
+                          </p:cTn>
+                        </p:par>
+                      </p:childTnLst>
+                    </p:cTn>
+                  </p:par>
+                  <p:par>
+                    <p:cTn id="7" fill="hold">
+                      <p:stCondLst>
+                        <p:cond delay="indefinite"/>
+                      </p:stCondLst>
+                      <p:childTnLst>
+                        <p:par>
+                          <p:cTn id="8" fill="hold">
+                            <p:stCondLst>
+                              <p:cond delay="0"/>
+                            </p:stCondLst>
+                            <p:childTnLst>
+                              <p:par>
+                                <p:cTn id="9" presetID="1" presetClass="entr" presetSubtype="0" fill="hold" nodeType="clickEffect">
+                                  <p:stCondLst>
+                                    <p:cond delay="0"/>
+                                  </p:stCondLst>
+                                  <p:childTnLst>
+                                    <p:set>
+                                      <p:cBhvr>
+                                        <p:cTn id="10" dur="1" fill="hold">
+                                          <p:stCondLst>
+                                            <p:cond delay="0"/>
+                                          </p:stCondLst>
+                                        </p:cTn>
+                                        <p:tgtEl>
+                                          <p:spTgt spid="4">
+                                            <p:txEl>
+                                              <p:pRg st="1" end="1"/>
+                                            </p:txEl>
+                                          </p:spTgt>
+                                        </p:tgtEl>
+                                        <p:attrNameLst>
+                                          <p:attrName>style.visibility</p:attrName>
+                                        </p:attrNameLst>
+                                      </p:cBhvr>
+                                      <p:to>
+                                        <p:strVal val="visible"/>
+                                      </p:to>
+                                    </p:set>
+                                  </p:childTnLst>
+                                </p:cTn>
+                              </p:par>
+                            </p:childTnLst>
+                          </p:cTn>
+                        </p:par>
+                      </p:childTnLst>
+                    </p:cTn>
+                  </p:par>
+                  <p:par>
+                    <p:cTn id="11" fill="hold">
+                      <p:stCondLst>
+                        <p:cond delay="indefinite"/>
+                      </p:stCondLst>
+                      <p:childTnLst>
+                        <p:par>
+                          <p:cTn id="12" fill="hold">
+                            <p:stCondLst>
+                              <p:cond delay="0"/>
+                            </p:stCondLst>
+                            <p:childTnLst>
+                              <p:par>
+                                <p:cTn id="13" presetID="1" presetClass="entr" presetSubtype="0" fill="hold" nodeType="clickEffect">
+                                  <p:stCondLst>
+                                    <p:cond delay="0"/>
+                                  </p:stCondLst>
+                                  <p:childTnLst>
+                                    <p:set>
+                                      <p:cBhvr>
+                                        <p:cTn id="14" dur="1" fill="hold">
+                                          <p:stCondLst>
+                                            <p:cond delay="0"/>
+                                          </p:stCondLst>
+                                        </p:cTn>
+                                        <p:tgtEl>
+                                          <p:spTgt spid="4">
+                                            <p:txEl>
+                                              <p:pRg st="2" end="2"/>
+                                            </p:txEl>
+                                          </p:spTgt>
+                                        </p:tgtEl>
+                                        <p:attrNameLst>
+                                          <p:attrName>style.visibility</p:attrName>
+                                        </p:attrNameLst>
+                                      </p:cBhvr>
+                                      <p:to>
+                                        <p:strVal val="visible"/>
+                                      </p:to>
+                                    </p:set>
+                                  </p:childTnLst>
+                                </p:cTn>
+                              </p:par>
+                            </p:childTnLst>
+                          </p:cTn>
+                        </p:par>
+                      </p:childTnLst>
+                    </p:cTn>
+                  </p:par>
+                  <p:par>
+                    <p:cTn id="15" fill="hold">
+                      <p:stCondLst>
+                        <p:cond delay="indefinite"/>
+                      </p:stCondLst>
+                      <p:childTnLst>
+                        <p:par>
+                          <p:cTn id="16" fill="hold">
+                            <p:stCondLst>
+                              <p:cond delay="0"/>
+                            </p:stCondLst>
+                            <p:childTnLst>
+                              <p:par>
+                                <p:cTn id="17" presetID="1" presetClass="entr" presetSubtype="0" fill="hold" nodeType="clickEffect">
+                                  <p:stCondLst>
+                                    <p:cond delay="0"/>
+                                  </p:stCondLst>
+                                  <p:childTnLst>
+                                    <p:set>
+                                      <p:cBhvr>
+                                        <p:cTn id="18" dur="1" fill="hold">
+                                          <p:stCondLst>
+                                            <p:cond delay="0"/>
+                                          </p:stCondLst>
+                                        </p:cTn>
+                                        <p:tgtEl>
+                                          <p:spTgt spid="4">
+                                            <p:txEl>
+                                              <p:pRg st="3" end="3"/>
+                                            </p:txEl>
+                                          </p:spTgt>
+                                        </p:tgtEl>
+                                        <p:attrNameLst>
+                                          <p:attrName>style.visibility</p:attrName>
+                                        </p:attrNameLst>
+                                      </p:cBhvr>
+                                      <p:to>
+                                        <p:strVal val="visible"/>
+                                      </p:to>
+                                    </p:set>
+                                  </p:childTnLst>
+                                </p:cTn>
+                              </p:par>
+                            </p:childTnLst>
+                          </p:cTn>
+                        </p:par>
+                      </p:childTnLst>
+                    </p:cTn>
+                  </p:par>
+                  <p:par>
+                    <p:cTn id="19" fill="hold">
+                      <p:stCondLst>
+                        <p:cond delay="indefinite"/>
+                      </p:stCondLst>
+                      <p:childTnLst>
+                        <p:par>
+                          <p:cTn id="20" fill="hold">
+                            <p:stCondLst>
+                              <p:cond delay="0"/>
+                            </p:stCondLst>
+                            <p:childTnLst>
+                              <p:par>
+                                <p:cTn id="21" presetID="1" presetClass="entr" presetSubtype="0" fill="hold" nodeType="clickEffect">
+                                  <p:stCondLst>
+                                    <p:cond delay="0"/>
+                                  </p:stCondLst>
+                                  <p:childTnLst>
+                                    <p:set>
+                                      <p:cBhvr>
+                                        <p:cTn id="22" dur="1" fill="hold">
+                                          <p:stCondLst>
+                                            <p:cond delay="0"/>
+                                          </p:stCondLst>
+                                        </p:cTn>
+                                        <p:tgtEl>
+                                          <p:spTgt spid="4">
+                                            <p:txEl>
+                                              <p:pRg st="4" end="4"/>
+                                            </p:txEl>
+                                          </p:spTgt>
+                                        </p:tgtEl>
+                                        <p:attrNameLst>
+                                          <p:attrName>style.visibility</p:attrName>
+                                        </p:attrNameLst>
+                                      </p:cBhvr>
+                                      <p:to>
+                                        <p:strVal val="visible"/>
+                                      </p:to>
+                                    </p:set>
+                                  </p:childTnLst>
+                                </p:cTn>
+                              </p:par>
+                            </p:childTnLst>
+                          </p:cTn>
+                        </p:par>
+                      </p:childTnLst>
+                    </p:cTn>
+                  </p:par>
+                  <p:par>
+                    <p:cTn id="23" fill="hold">
+                      <p:stCondLst>
+                        <p:cond delay="indefinite"/>
+                      </p:stCondLst>
+                      <p:childTnLst>
+                        <p:par>
+                          <p:cTn id="24" fill="hold">
+                            <p:stCondLst>
+                              <p:cond delay="0"/>
+                            </p:stCondLst>
+                            <p:childTnLst>
+                              <p:par>
+                                <p:cTn id="25" presetID="1" presetClass="entr" presetSubtype="0" fill="hold" nodeType="clickEffect">
+                                  <p:stCondLst>
+                                    <p:cond delay="0"/>
+                                  </p:stCondLst>
+                                  <p:childTnLst>
+                                    <p:set>
+                                      <p:cBhvr>
+                                        <p:cTn id="26" dur="1" fill="hold">
+                                          <p:stCondLst>
+                                            <p:cond delay="0"/>
+                                          </p:stCondLst>
+                                        </p:cTn>
+                                        <p:tgtEl>
+                                          <p:spTgt spid="4">
+                                            <p:txEl>
+                                              <p:pRg st="5" end="5"/>
                                             </p:txEl>
                                           </p:spTgt>
                                         </p:tgtEl>

--- a/OCP17/Chapter 10 - Streams.pptx
+++ b/OCP17/Chapter 10 - Streams.pptx
@@ -1311,7 +1311,7 @@
           </a:lstStyle>
           <a:p>
             <a:fld id="{9ACA2D73-2532-A640-A667-27AB4D0D333F}" type="datetimeFigureOut">
-              <a:t>18/12/25</a:t>
+              <a:t>22/12/25</a:t>
             </a:fld>
             <a:endParaRPr lang="en-VN"/>
           </a:p>
@@ -6195,7 +6195,7 @@
           <a:p>
             <a:fld id="{BAA8DE05-51EE-4692-B197-877FA1DAAAED}" type="datetimeFigureOut">
               <a:rPr lang="en-US" smtClean="0"/>
-              <a:t>12/18/25</a:t>
+              <a:t>12/22/25</a:t>
             </a:fld>
             <a:endParaRPr lang="en-US"/>
           </a:p>
@@ -6393,7 +6393,7 @@
           <a:p>
             <a:fld id="{BAA8DE05-51EE-4692-B197-877FA1DAAAED}" type="datetimeFigureOut">
               <a:rPr lang="en-US" smtClean="0"/>
-              <a:t>12/18/25</a:t>
+              <a:t>12/22/25</a:t>
             </a:fld>
             <a:endParaRPr lang="en-US"/>
           </a:p>
@@ -6601,7 +6601,7 @@
           <a:p>
             <a:fld id="{BAA8DE05-51EE-4692-B197-877FA1DAAAED}" type="datetimeFigureOut">
               <a:rPr lang="en-US" smtClean="0"/>
-              <a:t>12/18/25</a:t>
+              <a:t>12/22/25</a:t>
             </a:fld>
             <a:endParaRPr lang="en-US"/>
           </a:p>
@@ -6799,7 +6799,7 @@
           <a:p>
             <a:fld id="{BAA8DE05-51EE-4692-B197-877FA1DAAAED}" type="datetimeFigureOut">
               <a:rPr lang="en-US" smtClean="0"/>
-              <a:t>12/18/25</a:t>
+              <a:t>12/22/25</a:t>
             </a:fld>
             <a:endParaRPr lang="en-US"/>
           </a:p>
@@ -7074,7 +7074,7 @@
           <a:p>
             <a:fld id="{BAA8DE05-51EE-4692-B197-877FA1DAAAED}" type="datetimeFigureOut">
               <a:rPr lang="en-US" smtClean="0"/>
-              <a:t>12/18/25</a:t>
+              <a:t>12/22/25</a:t>
             </a:fld>
             <a:endParaRPr lang="en-US"/>
           </a:p>
@@ -7339,7 +7339,7 @@
           <a:p>
             <a:fld id="{BAA8DE05-51EE-4692-B197-877FA1DAAAED}" type="datetimeFigureOut">
               <a:rPr lang="en-US" smtClean="0"/>
-              <a:t>12/18/25</a:t>
+              <a:t>12/22/25</a:t>
             </a:fld>
             <a:endParaRPr lang="en-US"/>
           </a:p>
@@ -7751,7 +7751,7 @@
           <a:p>
             <a:fld id="{BAA8DE05-51EE-4692-B197-877FA1DAAAED}" type="datetimeFigureOut">
               <a:rPr lang="en-US" smtClean="0"/>
-              <a:t>12/18/25</a:t>
+              <a:t>12/22/25</a:t>
             </a:fld>
             <a:endParaRPr lang="en-US"/>
           </a:p>
@@ -7892,7 +7892,7 @@
           <a:p>
             <a:fld id="{BAA8DE05-51EE-4692-B197-877FA1DAAAED}" type="datetimeFigureOut">
               <a:rPr lang="en-US" smtClean="0"/>
-              <a:t>12/18/25</a:t>
+              <a:t>12/22/25</a:t>
             </a:fld>
             <a:endParaRPr lang="en-US"/>
           </a:p>
@@ -8005,7 +8005,7 @@
           <a:p>
             <a:fld id="{BAA8DE05-51EE-4692-B197-877FA1DAAAED}" type="datetimeFigureOut">
               <a:rPr lang="en-US" smtClean="0"/>
-              <a:t>12/18/25</a:t>
+              <a:t>12/22/25</a:t>
             </a:fld>
             <a:endParaRPr lang="en-US"/>
           </a:p>
@@ -8316,7 +8316,7 @@
           <a:p>
             <a:fld id="{BAA8DE05-51EE-4692-B197-877FA1DAAAED}" type="datetimeFigureOut">
               <a:rPr lang="en-US" smtClean="0"/>
-              <a:t>12/18/25</a:t>
+              <a:t>12/22/25</a:t>
             </a:fld>
             <a:endParaRPr lang="en-US"/>
           </a:p>
@@ -8604,7 +8604,7 @@
           <a:p>
             <a:fld id="{BAA8DE05-51EE-4692-B197-877FA1DAAAED}" type="datetimeFigureOut">
               <a:rPr lang="en-US" smtClean="0"/>
-              <a:t>12/18/25</a:t>
+              <a:t>12/22/25</a:t>
             </a:fld>
             <a:endParaRPr lang="en-US"/>
           </a:p>
@@ -8845,7 +8845,7 @@
           <a:p>
             <a:fld id="{BAA8DE05-51EE-4692-B197-877FA1DAAAED}" type="datetimeFigureOut">
               <a:rPr lang="en-US" smtClean="0"/>
-              <a:t>12/18/25</a:t>
+              <a:t>12/22/25</a:t>
             </a:fld>
             <a:endParaRPr lang="en-US"/>
           </a:p>
@@ -36587,78 +36587,6 @@
           <a:p>
             <a:pPr algn="l"/>
             <a:r>
-              <a:rPr lang="en-US" sz="1800" b="1">
-                <a:sym typeface="Wingdings" pitchFamily="2" charset="2"/>
-              </a:rPr>
-              <a:t>Collecting Results</a:t>
-            </a:r>
-            <a:endParaRPr lang="en-US" sz="1800">
-              <a:sym typeface="Wingdings" pitchFamily="2" charset="2"/>
-            </a:endParaRPr>
-          </a:p>
-          <a:p>
-            <a:pPr algn="l"/>
-            <a:r>
-              <a:rPr lang="en-US" sz="1800">
-                <a:sym typeface="Wingdings" pitchFamily="2" charset="2"/>
-              </a:rPr>
-              <a:t>- In the last part of Stream, we will talk about ... result. But first we will need to talk about some other ... methods in ... class</a:t>
-            </a:r>
-          </a:p>
-          <a:p>
-            <a:pPr algn="l"/>
-            <a:r>
-              <a:rPr lang="en-US" sz="1800">
-                <a:sym typeface="Wingdings" pitchFamily="2" charset="2"/>
-              </a:rPr>
-              <a:t>(These methods have been ... for simplicity ...)</a:t>
-            </a:r>
-          </a:p>
-          <a:p>
-            <a:pPr algn="l"/>
-            <a:r>
-              <a:rPr lang="en-US" sz="1800">
-                <a:sym typeface="Wingdings" pitchFamily="2" charset="2"/>
-              </a:rPr>
-              <a:t>- A special .... reduction(). This is used when all ...</a:t>
-            </a:r>
-          </a:p>
-          <a:p>
-            <a:pPr algn="l"/>
-            <a:r>
-              <a:rPr lang="en-US" sz="1800" b="1">
-                <a:sym typeface="Wingdings" pitchFamily="2" charset="2"/>
-              </a:rPr>
-              <a:t>Using Basic Collectors</a:t>
-            </a:r>
-            <a:endParaRPr lang="en-US" sz="1800">
-              <a:sym typeface="Wingdings" pitchFamily="2" charset="2"/>
-            </a:endParaRPr>
-          </a:p>
-          <a:p>
-            <a:pPr algn="l"/>
-            <a:r>
-              <a:rPr lang="en-US" sz="1800" b="1">
-                <a:sym typeface="Wingdings" pitchFamily="2" charset="2"/>
-              </a:rPr>
-              <a:t>joining()</a:t>
-            </a:r>
-            <a:endParaRPr lang="en-US" sz="1800">
-              <a:sym typeface="Wingdings" pitchFamily="2" charset="2"/>
-            </a:endParaRPr>
-          </a:p>
-          <a:p>
-            <a:pPr algn="l"/>
-            <a:r>
-              <a:rPr lang="en-US" sz="1800">
-                <a:sym typeface="Wingdings" pitchFamily="2" charset="2"/>
-              </a:rPr>
-              <a:t>(code illustration snippet 83)</a:t>
-            </a:r>
-          </a:p>
-          <a:p>
-            <a:pPr algn="l"/>
-            <a:r>
               <a:rPr lang="en-US" sz="1800">
                 <a:sym typeface="Wingdings" pitchFamily="2" charset="2"/>
               </a:rPr>
@@ -37126,349 +37054,6 @@
                                           <p:spTgt spid="4">
                                             <p:txEl>
                                               <p:pRg st="7" end="7"/>
-                                            </p:txEl>
-                                          </p:spTgt>
-                                        </p:tgtEl>
-                                        <p:attrNameLst>
-                                          <p:attrName>style.visibility</p:attrName>
-                                        </p:attrNameLst>
-                                      </p:cBhvr>
-                                      <p:to>
-                                        <p:strVal val="visible"/>
-                                      </p:to>
-                                    </p:set>
-                                  </p:childTnLst>
-                                </p:cTn>
-                              </p:par>
-                            </p:childTnLst>
-                          </p:cTn>
-                        </p:par>
-                      </p:childTnLst>
-                    </p:cTn>
-                  </p:par>
-                  <p:par>
-                    <p:cTn id="35" fill="hold">
-                      <p:stCondLst>
-                        <p:cond delay="indefinite"/>
-                      </p:stCondLst>
-                      <p:childTnLst>
-                        <p:par>
-                          <p:cTn id="36" fill="hold">
-                            <p:stCondLst>
-                              <p:cond delay="0"/>
-                            </p:stCondLst>
-                            <p:childTnLst>
-                              <p:par>
-                                <p:cTn id="37" presetID="1" presetClass="entr" presetSubtype="0" fill="hold" nodeType="clickEffect">
-                                  <p:stCondLst>
-                                    <p:cond delay="0"/>
-                                  </p:stCondLst>
-                                  <p:childTnLst>
-                                    <p:set>
-                                      <p:cBhvr>
-                                        <p:cTn id="38" dur="1" fill="hold">
-                                          <p:stCondLst>
-                                            <p:cond delay="0"/>
-                                          </p:stCondLst>
-                                        </p:cTn>
-                                        <p:tgtEl>
-                                          <p:spTgt spid="4">
-                                            <p:txEl>
-                                              <p:pRg st="8" end="8"/>
-                                            </p:txEl>
-                                          </p:spTgt>
-                                        </p:tgtEl>
-                                        <p:attrNameLst>
-                                          <p:attrName>style.visibility</p:attrName>
-                                        </p:attrNameLst>
-                                      </p:cBhvr>
-                                      <p:to>
-                                        <p:strVal val="visible"/>
-                                      </p:to>
-                                    </p:set>
-                                  </p:childTnLst>
-                                </p:cTn>
-                              </p:par>
-                            </p:childTnLst>
-                          </p:cTn>
-                        </p:par>
-                      </p:childTnLst>
-                    </p:cTn>
-                  </p:par>
-                  <p:par>
-                    <p:cTn id="39" fill="hold">
-                      <p:stCondLst>
-                        <p:cond delay="indefinite"/>
-                      </p:stCondLst>
-                      <p:childTnLst>
-                        <p:par>
-                          <p:cTn id="40" fill="hold">
-                            <p:stCondLst>
-                              <p:cond delay="0"/>
-                            </p:stCondLst>
-                            <p:childTnLst>
-                              <p:par>
-                                <p:cTn id="41" presetID="1" presetClass="entr" presetSubtype="0" fill="hold" nodeType="clickEffect">
-                                  <p:stCondLst>
-                                    <p:cond delay="0"/>
-                                  </p:stCondLst>
-                                  <p:childTnLst>
-                                    <p:set>
-                                      <p:cBhvr>
-                                        <p:cTn id="42" dur="1" fill="hold">
-                                          <p:stCondLst>
-                                            <p:cond delay="0"/>
-                                          </p:stCondLst>
-                                        </p:cTn>
-                                        <p:tgtEl>
-                                          <p:spTgt spid="4">
-                                            <p:txEl>
-                                              <p:pRg st="9" end="9"/>
-                                            </p:txEl>
-                                          </p:spTgt>
-                                        </p:tgtEl>
-                                        <p:attrNameLst>
-                                          <p:attrName>style.visibility</p:attrName>
-                                        </p:attrNameLst>
-                                      </p:cBhvr>
-                                      <p:to>
-                                        <p:strVal val="visible"/>
-                                      </p:to>
-                                    </p:set>
-                                  </p:childTnLst>
-                                </p:cTn>
-                              </p:par>
-                            </p:childTnLst>
-                          </p:cTn>
-                        </p:par>
-                      </p:childTnLst>
-                    </p:cTn>
-                  </p:par>
-                  <p:par>
-                    <p:cTn id="43" fill="hold">
-                      <p:stCondLst>
-                        <p:cond delay="indefinite"/>
-                      </p:stCondLst>
-                      <p:childTnLst>
-                        <p:par>
-                          <p:cTn id="44" fill="hold">
-                            <p:stCondLst>
-                              <p:cond delay="0"/>
-                            </p:stCondLst>
-                            <p:childTnLst>
-                              <p:par>
-                                <p:cTn id="45" presetID="1" presetClass="entr" presetSubtype="0" fill="hold" nodeType="clickEffect">
-                                  <p:stCondLst>
-                                    <p:cond delay="0"/>
-                                  </p:stCondLst>
-                                  <p:childTnLst>
-                                    <p:set>
-                                      <p:cBhvr>
-                                        <p:cTn id="46" dur="1" fill="hold">
-                                          <p:stCondLst>
-                                            <p:cond delay="0"/>
-                                          </p:stCondLst>
-                                        </p:cTn>
-                                        <p:tgtEl>
-                                          <p:spTgt spid="4">
-                                            <p:txEl>
-                                              <p:pRg st="10" end="10"/>
-                                            </p:txEl>
-                                          </p:spTgt>
-                                        </p:tgtEl>
-                                        <p:attrNameLst>
-                                          <p:attrName>style.visibility</p:attrName>
-                                        </p:attrNameLst>
-                                      </p:cBhvr>
-                                      <p:to>
-                                        <p:strVal val="visible"/>
-                                      </p:to>
-                                    </p:set>
-                                  </p:childTnLst>
-                                </p:cTn>
-                              </p:par>
-                            </p:childTnLst>
-                          </p:cTn>
-                        </p:par>
-                      </p:childTnLst>
-                    </p:cTn>
-                  </p:par>
-                  <p:par>
-                    <p:cTn id="47" fill="hold">
-                      <p:stCondLst>
-                        <p:cond delay="indefinite"/>
-                      </p:stCondLst>
-                      <p:childTnLst>
-                        <p:par>
-                          <p:cTn id="48" fill="hold">
-                            <p:stCondLst>
-                              <p:cond delay="0"/>
-                            </p:stCondLst>
-                            <p:childTnLst>
-                              <p:par>
-                                <p:cTn id="49" presetID="1" presetClass="entr" presetSubtype="0" fill="hold" nodeType="clickEffect">
-                                  <p:stCondLst>
-                                    <p:cond delay="0"/>
-                                  </p:stCondLst>
-                                  <p:childTnLst>
-                                    <p:set>
-                                      <p:cBhvr>
-                                        <p:cTn id="50" dur="1" fill="hold">
-                                          <p:stCondLst>
-                                            <p:cond delay="0"/>
-                                          </p:stCondLst>
-                                        </p:cTn>
-                                        <p:tgtEl>
-                                          <p:spTgt spid="4">
-                                            <p:txEl>
-                                              <p:pRg st="11" end="11"/>
-                                            </p:txEl>
-                                          </p:spTgt>
-                                        </p:tgtEl>
-                                        <p:attrNameLst>
-                                          <p:attrName>style.visibility</p:attrName>
-                                        </p:attrNameLst>
-                                      </p:cBhvr>
-                                      <p:to>
-                                        <p:strVal val="visible"/>
-                                      </p:to>
-                                    </p:set>
-                                  </p:childTnLst>
-                                </p:cTn>
-                              </p:par>
-                            </p:childTnLst>
-                          </p:cTn>
-                        </p:par>
-                      </p:childTnLst>
-                    </p:cTn>
-                  </p:par>
-                  <p:par>
-                    <p:cTn id="51" fill="hold">
-                      <p:stCondLst>
-                        <p:cond delay="indefinite"/>
-                      </p:stCondLst>
-                      <p:childTnLst>
-                        <p:par>
-                          <p:cTn id="52" fill="hold">
-                            <p:stCondLst>
-                              <p:cond delay="0"/>
-                            </p:stCondLst>
-                            <p:childTnLst>
-                              <p:par>
-                                <p:cTn id="53" presetID="1" presetClass="entr" presetSubtype="0" fill="hold" nodeType="clickEffect">
-                                  <p:stCondLst>
-                                    <p:cond delay="0"/>
-                                  </p:stCondLst>
-                                  <p:childTnLst>
-                                    <p:set>
-                                      <p:cBhvr>
-                                        <p:cTn id="54" dur="1" fill="hold">
-                                          <p:stCondLst>
-                                            <p:cond delay="0"/>
-                                          </p:stCondLst>
-                                        </p:cTn>
-                                        <p:tgtEl>
-                                          <p:spTgt spid="4">
-                                            <p:txEl>
-                                              <p:pRg st="12" end="12"/>
-                                            </p:txEl>
-                                          </p:spTgt>
-                                        </p:tgtEl>
-                                        <p:attrNameLst>
-                                          <p:attrName>style.visibility</p:attrName>
-                                        </p:attrNameLst>
-                                      </p:cBhvr>
-                                      <p:to>
-                                        <p:strVal val="visible"/>
-                                      </p:to>
-                                    </p:set>
-                                  </p:childTnLst>
-                                </p:cTn>
-                              </p:par>
-                            </p:childTnLst>
-                          </p:cTn>
-                        </p:par>
-                      </p:childTnLst>
-                    </p:cTn>
-                  </p:par>
-                  <p:par>
-                    <p:cTn id="55" fill="hold">
-                      <p:stCondLst>
-                        <p:cond delay="indefinite"/>
-                      </p:stCondLst>
-                      <p:childTnLst>
-                        <p:par>
-                          <p:cTn id="56" fill="hold">
-                            <p:stCondLst>
-                              <p:cond delay="0"/>
-                            </p:stCondLst>
-                            <p:childTnLst>
-                              <p:par>
-                                <p:cTn id="57" presetID="1" presetClass="entr" presetSubtype="0" fill="hold" nodeType="clickEffect">
-                                  <p:stCondLst>
-                                    <p:cond delay="0"/>
-                                  </p:stCondLst>
-                                  <p:childTnLst>
-                                    <p:set>
-                                      <p:cBhvr>
-                                        <p:cTn id="58" dur="1" fill="hold">
-                                          <p:stCondLst>
-                                            <p:cond delay="0"/>
-                                          </p:stCondLst>
-                                        </p:cTn>
-                                        <p:tgtEl>
-                                          <p:spTgt spid="4">
-                                            <p:txEl>
-                                              <p:pRg st="13" end="13"/>
-                                            </p:txEl>
-                                          </p:spTgt>
-                                        </p:tgtEl>
-                                        <p:attrNameLst>
-                                          <p:attrName>style.visibility</p:attrName>
-                                        </p:attrNameLst>
-                                      </p:cBhvr>
-                                      <p:to>
-                                        <p:strVal val="visible"/>
-                                      </p:to>
-                                    </p:set>
-                                  </p:childTnLst>
-                                </p:cTn>
-                              </p:par>
-                            </p:childTnLst>
-                          </p:cTn>
-                        </p:par>
-                      </p:childTnLst>
-                    </p:cTn>
-                  </p:par>
-                  <p:par>
-                    <p:cTn id="59" fill="hold">
-                      <p:stCondLst>
-                        <p:cond delay="indefinite"/>
-                      </p:stCondLst>
-                      <p:childTnLst>
-                        <p:par>
-                          <p:cTn id="60" fill="hold">
-                            <p:stCondLst>
-                              <p:cond delay="0"/>
-                            </p:stCondLst>
-                            <p:childTnLst>
-                              <p:par>
-                                <p:cTn id="61" presetID="1" presetClass="entr" presetSubtype="0" fill="hold" nodeType="clickEffect">
-                                  <p:stCondLst>
-                                    <p:cond delay="0"/>
-                                  </p:stCondLst>
-                                  <p:childTnLst>
-                                    <p:set>
-                                      <p:cBhvr>
-                                        <p:cTn id="62" dur="1" fill="hold">
-                                          <p:stCondLst>
-                                            <p:cond delay="0"/>
-                                          </p:stCondLst>
-                                        </p:cTn>
-                                        <p:tgtEl>
-                                          <p:spTgt spid="4">
-                                            <p:txEl>
-                                              <p:pRg st="14" end="14"/>
                                             </p:txEl>
                                           </p:spTgt>
                                         </p:tgtEl>
